--- a/Slides/0 课程概况.pptx
+++ b/Slides/0 课程概况.pptx
@@ -5,7 +5,7 @@
     <p:sldMasterId id="2147483648" r:id="rId1"/>
   </p:sldMasterIdLst>
   <p:notesMasterIdLst>
-    <p:notesMasterId r:id="rId20"/>
+    <p:notesMasterId r:id="rId21"/>
   </p:notesMasterIdLst>
   <p:sldIdLst>
     <p:sldId id="256" r:id="rId2"/>
@@ -21,11 +21,12 @@
     <p:sldId id="409" r:id="rId12"/>
     <p:sldId id="389" r:id="rId13"/>
     <p:sldId id="396" r:id="rId14"/>
-    <p:sldId id="397" r:id="rId15"/>
-    <p:sldId id="400" r:id="rId16"/>
-    <p:sldId id="401" r:id="rId17"/>
-    <p:sldId id="408" r:id="rId18"/>
-    <p:sldId id="392" r:id="rId19"/>
+    <p:sldId id="410" r:id="rId15"/>
+    <p:sldId id="397" r:id="rId16"/>
+    <p:sldId id="400" r:id="rId17"/>
+    <p:sldId id="401" r:id="rId18"/>
+    <p:sldId id="408" r:id="rId19"/>
+    <p:sldId id="392" r:id="rId20"/>
   </p:sldIdLst>
   <p:sldSz cx="9144000" cy="6858000" type="screen4x3"/>
   <p:notesSz cx="6858000" cy="9144000"/>
@@ -255,7 +256,7 @@
           <a:p>
             <a:fld id="{D716854D-EEAC-4D45-B766-884B951AB701}" type="datetimeFigureOut">
               <a:rPr lang="zh-CN" altLang="en-US" smtClean="0"/>
-              <a:t>2018/9/13</a:t>
+              <a:t>2018/9/16</a:t>
             </a:fld>
             <a:endParaRPr lang="zh-CN" altLang="en-US"/>
           </a:p>
@@ -607,6 +608,258 @@
 </p:notes>
 </file>
 
+<file path=ppt/notesSlides/notesSlide10.xml><?xml version="1.0" encoding="utf-8"?>
+<p:notes xmlns:a="http://schemas.openxmlformats.org/drawingml/2006/main" xmlns:r="http://schemas.openxmlformats.org/officeDocument/2006/relationships" xmlns:p="http://schemas.openxmlformats.org/presentationml/2006/main">
+  <p:cSld>
+    <p:spTree>
+      <p:nvGrpSpPr>
+        <p:cNvPr id="1" name=""/>
+        <p:cNvGrpSpPr/>
+        <p:nvPr/>
+      </p:nvGrpSpPr>
+      <p:grpSpPr>
+        <a:xfrm>
+          <a:off x="0" y="0"/>
+          <a:ext cx="0" cy="0"/>
+          <a:chOff x="0" y="0"/>
+          <a:chExt cx="0" cy="0"/>
+        </a:xfrm>
+      </p:grpSpPr>
+      <p:sp>
+        <p:nvSpPr>
+          <p:cNvPr id="2" name="幻灯片图像占位符 1"/>
+          <p:cNvSpPr>
+            <a:spLocks noGrp="1" noRot="1" noChangeAspect="1"/>
+          </p:cNvSpPr>
+          <p:nvPr>
+            <p:ph type="sldImg"/>
+          </p:nvPr>
+        </p:nvSpPr>
+        <p:spPr/>
+      </p:sp>
+      <p:sp>
+        <p:nvSpPr>
+          <p:cNvPr id="3" name="备注占位符 2"/>
+          <p:cNvSpPr>
+            <a:spLocks noGrp="1"/>
+          </p:cNvSpPr>
+          <p:nvPr>
+            <p:ph type="body" idx="1"/>
+          </p:nvPr>
+        </p:nvSpPr>
+        <p:spPr/>
+        <p:txBody>
+          <a:bodyPr/>
+          <a:lstStyle/>
+          <a:p>
+            <a:endParaRPr lang="zh-CN" altLang="en-US" dirty="0"/>
+          </a:p>
+        </p:txBody>
+      </p:sp>
+      <p:sp>
+        <p:nvSpPr>
+          <p:cNvPr id="4" name="灯片编号占位符 3"/>
+          <p:cNvSpPr>
+            <a:spLocks noGrp="1"/>
+          </p:cNvSpPr>
+          <p:nvPr>
+            <p:ph type="sldNum" sz="quarter" idx="10"/>
+          </p:nvPr>
+        </p:nvSpPr>
+        <p:spPr/>
+        <p:txBody>
+          <a:bodyPr/>
+          <a:lstStyle/>
+          <a:p>
+            <a:fld id="{564879F8-41F2-4626-BB9A-829AFF3355F6}" type="slidenum">
+              <a:rPr lang="zh-CN" altLang="en-US" smtClean="0"/>
+              <a:t>15</a:t>
+            </a:fld>
+            <a:endParaRPr lang="zh-CN" altLang="en-US"/>
+          </a:p>
+        </p:txBody>
+      </p:sp>
+    </p:spTree>
+    <p:extLst>
+      <p:ext uri="{BB962C8B-B14F-4D97-AF65-F5344CB8AC3E}">
+        <p14:creationId xmlns:p14="http://schemas.microsoft.com/office/powerpoint/2010/main" val="3195565422"/>
+      </p:ext>
+    </p:extLst>
+  </p:cSld>
+  <p:clrMapOvr>
+    <a:masterClrMapping/>
+  </p:clrMapOvr>
+</p:notes>
+</file>
+
+<file path=ppt/notesSlides/notesSlide11.xml><?xml version="1.0" encoding="utf-8"?>
+<p:notes xmlns:a="http://schemas.openxmlformats.org/drawingml/2006/main" xmlns:r="http://schemas.openxmlformats.org/officeDocument/2006/relationships" xmlns:p="http://schemas.openxmlformats.org/presentationml/2006/main">
+  <p:cSld>
+    <p:spTree>
+      <p:nvGrpSpPr>
+        <p:cNvPr id="1" name=""/>
+        <p:cNvGrpSpPr/>
+        <p:nvPr/>
+      </p:nvGrpSpPr>
+      <p:grpSpPr>
+        <a:xfrm>
+          <a:off x="0" y="0"/>
+          <a:ext cx="0" cy="0"/>
+          <a:chOff x="0" y="0"/>
+          <a:chExt cx="0" cy="0"/>
+        </a:xfrm>
+      </p:grpSpPr>
+      <p:sp>
+        <p:nvSpPr>
+          <p:cNvPr id="2" name="幻灯片图像占位符 1"/>
+          <p:cNvSpPr>
+            <a:spLocks noGrp="1" noRot="1" noChangeAspect="1"/>
+          </p:cNvSpPr>
+          <p:nvPr>
+            <p:ph type="sldImg"/>
+          </p:nvPr>
+        </p:nvSpPr>
+        <p:spPr/>
+      </p:sp>
+      <p:sp>
+        <p:nvSpPr>
+          <p:cNvPr id="3" name="备注占位符 2"/>
+          <p:cNvSpPr>
+            <a:spLocks noGrp="1"/>
+          </p:cNvSpPr>
+          <p:nvPr>
+            <p:ph type="body" idx="1"/>
+          </p:nvPr>
+        </p:nvSpPr>
+        <p:spPr/>
+        <p:txBody>
+          <a:bodyPr/>
+          <a:lstStyle/>
+          <a:p>
+            <a:endParaRPr lang="zh-CN" altLang="en-US" dirty="0"/>
+          </a:p>
+        </p:txBody>
+      </p:sp>
+      <p:sp>
+        <p:nvSpPr>
+          <p:cNvPr id="4" name="灯片编号占位符 3"/>
+          <p:cNvSpPr>
+            <a:spLocks noGrp="1"/>
+          </p:cNvSpPr>
+          <p:nvPr>
+            <p:ph type="sldNum" sz="quarter" idx="10"/>
+          </p:nvPr>
+        </p:nvSpPr>
+        <p:spPr/>
+        <p:txBody>
+          <a:bodyPr/>
+          <a:lstStyle/>
+          <a:p>
+            <a:fld id="{564879F8-41F2-4626-BB9A-829AFF3355F6}" type="slidenum">
+              <a:rPr lang="zh-CN" altLang="en-US" smtClean="0"/>
+              <a:t>16</a:t>
+            </a:fld>
+            <a:endParaRPr lang="zh-CN" altLang="en-US"/>
+          </a:p>
+        </p:txBody>
+      </p:sp>
+    </p:spTree>
+    <p:extLst>
+      <p:ext uri="{BB962C8B-B14F-4D97-AF65-F5344CB8AC3E}">
+        <p14:creationId xmlns:p14="http://schemas.microsoft.com/office/powerpoint/2010/main" val="1491777500"/>
+      </p:ext>
+    </p:extLst>
+  </p:cSld>
+  <p:clrMapOvr>
+    <a:masterClrMapping/>
+  </p:clrMapOvr>
+</p:notes>
+</file>
+
+<file path=ppt/notesSlides/notesSlide12.xml><?xml version="1.0" encoding="utf-8"?>
+<p:notes xmlns:a="http://schemas.openxmlformats.org/drawingml/2006/main" xmlns:r="http://schemas.openxmlformats.org/officeDocument/2006/relationships" xmlns:p="http://schemas.openxmlformats.org/presentationml/2006/main">
+  <p:cSld>
+    <p:spTree>
+      <p:nvGrpSpPr>
+        <p:cNvPr id="1" name=""/>
+        <p:cNvGrpSpPr/>
+        <p:nvPr/>
+      </p:nvGrpSpPr>
+      <p:grpSpPr>
+        <a:xfrm>
+          <a:off x="0" y="0"/>
+          <a:ext cx="0" cy="0"/>
+          <a:chOff x="0" y="0"/>
+          <a:chExt cx="0" cy="0"/>
+        </a:xfrm>
+      </p:grpSpPr>
+      <p:sp>
+        <p:nvSpPr>
+          <p:cNvPr id="2" name="幻灯片图像占位符 1"/>
+          <p:cNvSpPr>
+            <a:spLocks noGrp="1" noRot="1" noChangeAspect="1"/>
+          </p:cNvSpPr>
+          <p:nvPr>
+            <p:ph type="sldImg"/>
+          </p:nvPr>
+        </p:nvSpPr>
+        <p:spPr/>
+      </p:sp>
+      <p:sp>
+        <p:nvSpPr>
+          <p:cNvPr id="3" name="备注占位符 2"/>
+          <p:cNvSpPr>
+            <a:spLocks noGrp="1"/>
+          </p:cNvSpPr>
+          <p:nvPr>
+            <p:ph type="body" idx="1"/>
+          </p:nvPr>
+        </p:nvSpPr>
+        <p:spPr/>
+        <p:txBody>
+          <a:bodyPr/>
+          <a:lstStyle/>
+          <a:p>
+            <a:endParaRPr lang="zh-CN" altLang="en-US" dirty="0"/>
+          </a:p>
+        </p:txBody>
+      </p:sp>
+      <p:sp>
+        <p:nvSpPr>
+          <p:cNvPr id="4" name="灯片编号占位符 3"/>
+          <p:cNvSpPr>
+            <a:spLocks noGrp="1"/>
+          </p:cNvSpPr>
+          <p:nvPr>
+            <p:ph type="sldNum" sz="quarter" idx="10"/>
+          </p:nvPr>
+        </p:nvSpPr>
+        <p:spPr/>
+        <p:txBody>
+          <a:bodyPr/>
+          <a:lstStyle/>
+          <a:p>
+            <a:fld id="{564879F8-41F2-4626-BB9A-829AFF3355F6}" type="slidenum">
+              <a:rPr lang="zh-CN" altLang="en-US" smtClean="0"/>
+              <a:t>17</a:t>
+            </a:fld>
+            <a:endParaRPr lang="zh-CN" altLang="en-US"/>
+          </a:p>
+        </p:txBody>
+      </p:sp>
+    </p:spTree>
+    <p:extLst>
+      <p:ext uri="{BB962C8B-B14F-4D97-AF65-F5344CB8AC3E}">
+        <p14:creationId xmlns:p14="http://schemas.microsoft.com/office/powerpoint/2010/main" val="2833536353"/>
+      </p:ext>
+    </p:extLst>
+  </p:cSld>
+  <p:clrMapOvr>
+    <a:masterClrMapping/>
+  </p:clrMapOvr>
+</p:notes>
+</file>
+
 <file path=ppt/notesSlides/notesSlide2.xml><?xml version="1.0" encoding="utf-8"?>
 <p:notes xmlns:a="http://schemas.openxmlformats.org/drawingml/2006/main" xmlns:r="http://schemas.openxmlformats.org/officeDocument/2006/relationships" xmlns:p="http://schemas.openxmlformats.org/presentationml/2006/main">
   <p:cSld>
@@ -651,6 +904,10 @@
           <a:bodyPr/>
           <a:lstStyle/>
           <a:p>
+            <a:r>
+              <a:rPr lang="zh-CN" altLang="en-US" dirty="0" smtClean="0"/>
+              <a:t>说明发邮件的礼节</a:t>
+            </a:r>
             <a:endParaRPr lang="zh-CN" altLang="en-US" dirty="0"/>
           </a:p>
         </p:txBody>
@@ -672,7 +929,7 @@
           <a:p>
             <a:fld id="{564879F8-41F2-4626-BB9A-829AFF3355F6}" type="slidenum">
               <a:rPr lang="zh-CN" altLang="en-US" smtClean="0"/>
-              <a:t>12</a:t>
+              <a:t>2</a:t>
             </a:fld>
             <a:endParaRPr lang="zh-CN" altLang="en-US"/>
           </a:p>
@@ -681,7 +938,7 @@
     </p:spTree>
     <p:extLst>
       <p:ext uri="{BB962C8B-B14F-4D97-AF65-F5344CB8AC3E}">
-        <p14:creationId xmlns:p14="http://schemas.microsoft.com/office/powerpoint/2010/main" val="3407130969"/>
+        <p14:creationId xmlns:p14="http://schemas.microsoft.com/office/powerpoint/2010/main" val="466251944"/>
       </p:ext>
     </p:extLst>
   </p:cSld>
@@ -756,7 +1013,7 @@
           <a:p>
             <a:fld id="{564879F8-41F2-4626-BB9A-829AFF3355F6}" type="slidenum">
               <a:rPr lang="zh-CN" altLang="en-US" smtClean="0"/>
-              <a:t>13</a:t>
+              <a:t>3</a:t>
             </a:fld>
             <a:endParaRPr lang="zh-CN" altLang="en-US"/>
           </a:p>
@@ -765,7 +1022,7 @@
     </p:spTree>
     <p:extLst>
       <p:ext uri="{BB962C8B-B14F-4D97-AF65-F5344CB8AC3E}">
-        <p14:creationId xmlns:p14="http://schemas.microsoft.com/office/powerpoint/2010/main" val="2252748391"/>
+        <p14:creationId xmlns:p14="http://schemas.microsoft.com/office/powerpoint/2010/main" val="3703395713"/>
       </p:ext>
     </p:extLst>
   </p:cSld>
@@ -819,6 +1076,18 @@
           <a:bodyPr/>
           <a:lstStyle/>
           <a:p>
+            <a:r>
+              <a:rPr lang="zh-CN" altLang="en-US" sz="1200" b="0" i="0" kern="1200" dirty="0" smtClean="0">
+                <a:solidFill>
+                  <a:schemeClr val="tx1"/>
+                </a:solidFill>
+                <a:effectLst/>
+                <a:latin typeface="+mn-lt"/>
+                <a:ea typeface="+mn-ea"/>
+                <a:cs typeface="+mn-cs"/>
+              </a:rPr>
+              <a:t>开发语言排行榜</a:t>
+            </a:r>
             <a:endParaRPr lang="zh-CN" altLang="en-US" dirty="0"/>
           </a:p>
         </p:txBody>
@@ -840,7 +1109,7 @@
           <a:p>
             <a:fld id="{564879F8-41F2-4626-BB9A-829AFF3355F6}" type="slidenum">
               <a:rPr lang="zh-CN" altLang="en-US" smtClean="0"/>
-              <a:t>14</a:t>
+              <a:t>4</a:t>
             </a:fld>
             <a:endParaRPr lang="zh-CN" altLang="en-US"/>
           </a:p>
@@ -849,7 +1118,7 @@
     </p:spTree>
     <p:extLst>
       <p:ext uri="{BB962C8B-B14F-4D97-AF65-F5344CB8AC3E}">
-        <p14:creationId xmlns:p14="http://schemas.microsoft.com/office/powerpoint/2010/main" val="3195565422"/>
+        <p14:creationId xmlns:p14="http://schemas.microsoft.com/office/powerpoint/2010/main" val="4156279669"/>
       </p:ext>
     </p:extLst>
   </p:cSld>
@@ -924,7 +1193,7 @@
           <a:p>
             <a:fld id="{564879F8-41F2-4626-BB9A-829AFF3355F6}" type="slidenum">
               <a:rPr lang="zh-CN" altLang="en-US" smtClean="0"/>
-              <a:t>15</a:t>
+              <a:t>6</a:t>
             </a:fld>
             <a:endParaRPr lang="zh-CN" altLang="en-US"/>
           </a:p>
@@ -933,7 +1202,7 @@
     </p:spTree>
     <p:extLst>
       <p:ext uri="{BB962C8B-B14F-4D97-AF65-F5344CB8AC3E}">
-        <p14:creationId xmlns:p14="http://schemas.microsoft.com/office/powerpoint/2010/main" val="1491777500"/>
+        <p14:creationId xmlns:p14="http://schemas.microsoft.com/office/powerpoint/2010/main" val="2076736093"/>
       </p:ext>
     </p:extLst>
   </p:cSld>
@@ -987,6 +1256,18 @@
           <a:bodyPr/>
           <a:lstStyle/>
           <a:p>
+            <a:r>
+              <a:rPr lang="zh-CN" altLang="en-US" dirty="0" smtClean="0"/>
+              <a:t>说明各个网站的作用，说明</a:t>
+            </a:r>
+            <a:r>
+              <a:rPr lang="en-US" altLang="zh-CN" dirty="0" err="1" smtClean="0"/>
+              <a:t>github</a:t>
+            </a:r>
+            <a:r>
+              <a:rPr lang="zh-CN" altLang="en-US" dirty="0" smtClean="0"/>
+              <a:t>的重要性。</a:t>
+            </a:r>
             <a:endParaRPr lang="zh-CN" altLang="en-US" dirty="0"/>
           </a:p>
         </p:txBody>
@@ -1008,7 +1289,7 @@
           <a:p>
             <a:fld id="{564879F8-41F2-4626-BB9A-829AFF3355F6}" type="slidenum">
               <a:rPr lang="zh-CN" altLang="en-US" smtClean="0"/>
-              <a:t>16</a:t>
+              <a:t>7</a:t>
             </a:fld>
             <a:endParaRPr lang="zh-CN" altLang="en-US"/>
           </a:p>
@@ -1017,7 +1298,259 @@
     </p:spTree>
     <p:extLst>
       <p:ext uri="{BB962C8B-B14F-4D97-AF65-F5344CB8AC3E}">
-        <p14:creationId xmlns:p14="http://schemas.microsoft.com/office/powerpoint/2010/main" val="2833536353"/>
+        <p14:creationId xmlns:p14="http://schemas.microsoft.com/office/powerpoint/2010/main" val="3970832876"/>
+      </p:ext>
+    </p:extLst>
+  </p:cSld>
+  <p:clrMapOvr>
+    <a:masterClrMapping/>
+  </p:clrMapOvr>
+</p:notes>
+</file>
+
+<file path=ppt/notesSlides/notesSlide7.xml><?xml version="1.0" encoding="utf-8"?>
+<p:notes xmlns:a="http://schemas.openxmlformats.org/drawingml/2006/main" xmlns:r="http://schemas.openxmlformats.org/officeDocument/2006/relationships" xmlns:p="http://schemas.openxmlformats.org/presentationml/2006/main">
+  <p:cSld>
+    <p:spTree>
+      <p:nvGrpSpPr>
+        <p:cNvPr id="1" name=""/>
+        <p:cNvGrpSpPr/>
+        <p:nvPr/>
+      </p:nvGrpSpPr>
+      <p:grpSpPr>
+        <a:xfrm>
+          <a:off x="0" y="0"/>
+          <a:ext cx="0" cy="0"/>
+          <a:chOff x="0" y="0"/>
+          <a:chExt cx="0" cy="0"/>
+        </a:xfrm>
+      </p:grpSpPr>
+      <p:sp>
+        <p:nvSpPr>
+          <p:cNvPr id="2" name="幻灯片图像占位符 1"/>
+          <p:cNvSpPr>
+            <a:spLocks noGrp="1" noRot="1" noChangeAspect="1"/>
+          </p:cNvSpPr>
+          <p:nvPr>
+            <p:ph type="sldImg"/>
+          </p:nvPr>
+        </p:nvSpPr>
+        <p:spPr/>
+      </p:sp>
+      <p:sp>
+        <p:nvSpPr>
+          <p:cNvPr id="3" name="备注占位符 2"/>
+          <p:cNvSpPr>
+            <a:spLocks noGrp="1"/>
+          </p:cNvSpPr>
+          <p:nvPr>
+            <p:ph type="body" idx="1"/>
+          </p:nvPr>
+        </p:nvSpPr>
+        <p:spPr/>
+        <p:txBody>
+          <a:bodyPr/>
+          <a:lstStyle/>
+          <a:p>
+            <a:endParaRPr lang="zh-CN" altLang="en-US" dirty="0"/>
+          </a:p>
+        </p:txBody>
+      </p:sp>
+      <p:sp>
+        <p:nvSpPr>
+          <p:cNvPr id="4" name="灯片编号占位符 3"/>
+          <p:cNvSpPr>
+            <a:spLocks noGrp="1"/>
+          </p:cNvSpPr>
+          <p:nvPr>
+            <p:ph type="sldNum" sz="quarter" idx="10"/>
+          </p:nvPr>
+        </p:nvSpPr>
+        <p:spPr/>
+        <p:txBody>
+          <a:bodyPr/>
+          <a:lstStyle/>
+          <a:p>
+            <a:fld id="{564879F8-41F2-4626-BB9A-829AFF3355F6}" type="slidenum">
+              <a:rPr lang="zh-CN" altLang="en-US" smtClean="0"/>
+              <a:t>12</a:t>
+            </a:fld>
+            <a:endParaRPr lang="zh-CN" altLang="en-US"/>
+          </a:p>
+        </p:txBody>
+      </p:sp>
+    </p:spTree>
+    <p:extLst>
+      <p:ext uri="{BB962C8B-B14F-4D97-AF65-F5344CB8AC3E}">
+        <p14:creationId xmlns:p14="http://schemas.microsoft.com/office/powerpoint/2010/main" val="3407130969"/>
+      </p:ext>
+    </p:extLst>
+  </p:cSld>
+  <p:clrMapOvr>
+    <a:masterClrMapping/>
+  </p:clrMapOvr>
+</p:notes>
+</file>
+
+<file path=ppt/notesSlides/notesSlide8.xml><?xml version="1.0" encoding="utf-8"?>
+<p:notes xmlns:a="http://schemas.openxmlformats.org/drawingml/2006/main" xmlns:r="http://schemas.openxmlformats.org/officeDocument/2006/relationships" xmlns:p="http://schemas.openxmlformats.org/presentationml/2006/main">
+  <p:cSld>
+    <p:spTree>
+      <p:nvGrpSpPr>
+        <p:cNvPr id="1" name=""/>
+        <p:cNvGrpSpPr/>
+        <p:nvPr/>
+      </p:nvGrpSpPr>
+      <p:grpSpPr>
+        <a:xfrm>
+          <a:off x="0" y="0"/>
+          <a:ext cx="0" cy="0"/>
+          <a:chOff x="0" y="0"/>
+          <a:chExt cx="0" cy="0"/>
+        </a:xfrm>
+      </p:grpSpPr>
+      <p:sp>
+        <p:nvSpPr>
+          <p:cNvPr id="2" name="幻灯片图像占位符 1"/>
+          <p:cNvSpPr>
+            <a:spLocks noGrp="1" noRot="1" noChangeAspect="1"/>
+          </p:cNvSpPr>
+          <p:nvPr>
+            <p:ph type="sldImg"/>
+          </p:nvPr>
+        </p:nvSpPr>
+        <p:spPr/>
+      </p:sp>
+      <p:sp>
+        <p:nvSpPr>
+          <p:cNvPr id="3" name="备注占位符 2"/>
+          <p:cNvSpPr>
+            <a:spLocks noGrp="1"/>
+          </p:cNvSpPr>
+          <p:nvPr>
+            <p:ph type="body" idx="1"/>
+          </p:nvPr>
+        </p:nvSpPr>
+        <p:spPr/>
+        <p:txBody>
+          <a:bodyPr/>
+          <a:lstStyle/>
+          <a:p>
+            <a:endParaRPr lang="zh-CN" altLang="en-US" dirty="0"/>
+          </a:p>
+        </p:txBody>
+      </p:sp>
+      <p:sp>
+        <p:nvSpPr>
+          <p:cNvPr id="4" name="灯片编号占位符 3"/>
+          <p:cNvSpPr>
+            <a:spLocks noGrp="1"/>
+          </p:cNvSpPr>
+          <p:nvPr>
+            <p:ph type="sldNum" sz="quarter" idx="10"/>
+          </p:nvPr>
+        </p:nvSpPr>
+        <p:spPr/>
+        <p:txBody>
+          <a:bodyPr/>
+          <a:lstStyle/>
+          <a:p>
+            <a:fld id="{564879F8-41F2-4626-BB9A-829AFF3355F6}" type="slidenum">
+              <a:rPr lang="zh-CN" altLang="en-US" smtClean="0"/>
+              <a:t>13</a:t>
+            </a:fld>
+            <a:endParaRPr lang="zh-CN" altLang="en-US"/>
+          </a:p>
+        </p:txBody>
+      </p:sp>
+    </p:spTree>
+    <p:extLst>
+      <p:ext uri="{BB962C8B-B14F-4D97-AF65-F5344CB8AC3E}">
+        <p14:creationId xmlns:p14="http://schemas.microsoft.com/office/powerpoint/2010/main" val="2252748391"/>
+      </p:ext>
+    </p:extLst>
+  </p:cSld>
+  <p:clrMapOvr>
+    <a:masterClrMapping/>
+  </p:clrMapOvr>
+</p:notes>
+</file>
+
+<file path=ppt/notesSlides/notesSlide9.xml><?xml version="1.0" encoding="utf-8"?>
+<p:notes xmlns:a="http://schemas.openxmlformats.org/drawingml/2006/main" xmlns:r="http://schemas.openxmlformats.org/officeDocument/2006/relationships" xmlns:p="http://schemas.openxmlformats.org/presentationml/2006/main">
+  <p:cSld>
+    <p:spTree>
+      <p:nvGrpSpPr>
+        <p:cNvPr id="1" name=""/>
+        <p:cNvGrpSpPr/>
+        <p:nvPr/>
+      </p:nvGrpSpPr>
+      <p:grpSpPr>
+        <a:xfrm>
+          <a:off x="0" y="0"/>
+          <a:ext cx="0" cy="0"/>
+          <a:chOff x="0" y="0"/>
+          <a:chExt cx="0" cy="0"/>
+        </a:xfrm>
+      </p:grpSpPr>
+      <p:sp>
+        <p:nvSpPr>
+          <p:cNvPr id="2" name="幻灯片图像占位符 1"/>
+          <p:cNvSpPr>
+            <a:spLocks noGrp="1" noRot="1" noChangeAspect="1"/>
+          </p:cNvSpPr>
+          <p:nvPr>
+            <p:ph type="sldImg"/>
+          </p:nvPr>
+        </p:nvSpPr>
+        <p:spPr/>
+      </p:sp>
+      <p:sp>
+        <p:nvSpPr>
+          <p:cNvPr id="3" name="备注占位符 2"/>
+          <p:cNvSpPr>
+            <a:spLocks noGrp="1"/>
+          </p:cNvSpPr>
+          <p:nvPr>
+            <p:ph type="body" idx="1"/>
+          </p:nvPr>
+        </p:nvSpPr>
+        <p:spPr/>
+        <p:txBody>
+          <a:bodyPr/>
+          <a:lstStyle/>
+          <a:p>
+            <a:endParaRPr lang="zh-CN" altLang="en-US" dirty="0"/>
+          </a:p>
+        </p:txBody>
+      </p:sp>
+      <p:sp>
+        <p:nvSpPr>
+          <p:cNvPr id="4" name="灯片编号占位符 3"/>
+          <p:cNvSpPr>
+            <a:spLocks noGrp="1"/>
+          </p:cNvSpPr>
+          <p:nvPr>
+            <p:ph type="sldNum" sz="quarter" idx="10"/>
+          </p:nvPr>
+        </p:nvSpPr>
+        <p:spPr/>
+        <p:txBody>
+          <a:bodyPr/>
+          <a:lstStyle/>
+          <a:p>
+            <a:fld id="{564879F8-41F2-4626-BB9A-829AFF3355F6}" type="slidenum">
+              <a:rPr lang="zh-CN" altLang="en-US" smtClean="0"/>
+              <a:t>14</a:t>
+            </a:fld>
+            <a:endParaRPr lang="zh-CN" altLang="en-US"/>
+          </a:p>
+        </p:txBody>
+      </p:sp>
+    </p:spTree>
+    <p:extLst>
+      <p:ext uri="{BB962C8B-B14F-4D97-AF65-F5344CB8AC3E}">
+        <p14:creationId xmlns:p14="http://schemas.microsoft.com/office/powerpoint/2010/main" val="2736533005"/>
       </p:ext>
     </p:extLst>
   </p:cSld>
@@ -7887,6 +8420,48 @@
           </a:p>
         </p:txBody>
       </p:sp>
+      <p:sp>
+        <p:nvSpPr>
+          <p:cNvPr id="3" name="文本框 2"/>
+          <p:cNvSpPr txBox="1"/>
+          <p:nvPr/>
+        </p:nvSpPr>
+        <p:spPr>
+          <a:xfrm>
+            <a:off x="5314097" y="6191759"/>
+            <a:ext cx="2969083" cy="461665"/>
+          </a:xfrm>
+          <a:prstGeom prst="rect">
+            <a:avLst/>
+          </a:prstGeom>
+          <a:noFill/>
+        </p:spPr>
+        <p:txBody>
+          <a:bodyPr wrap="none" rtlCol="0">
+            <a:spAutoFit/>
+          </a:bodyPr>
+          <a:lstStyle/>
+          <a:p>
+            <a:r>
+              <a:rPr lang="zh-CN" altLang="en-US" sz="2400" b="1" dirty="0" smtClean="0">
+                <a:solidFill>
+                  <a:srgbClr val="0000FF"/>
+                </a:solidFill>
+                <a:latin typeface="楷体" panose="02010609060101010101" pitchFamily="49" charset="-122"/>
+                <a:ea typeface="楷体" panose="02010609060101010101" pitchFamily="49" charset="-122"/>
+              </a:rPr>
+              <a:t>注意放假调课安排！</a:t>
+            </a:r>
+            <a:endParaRPr lang="zh-CN" altLang="en-US" sz="2400" b="1" dirty="0">
+              <a:solidFill>
+                <a:srgbClr val="0000FF"/>
+              </a:solidFill>
+              <a:latin typeface="楷体" panose="02010609060101010101" pitchFamily="49" charset="-122"/>
+              <a:ea typeface="楷体" panose="02010609060101010101" pitchFamily="49" charset="-122"/>
+            </a:endParaRPr>
+          </a:p>
+        </p:txBody>
+      </p:sp>
     </p:spTree>
     <p:extLst>
       <p:ext uri="{BB962C8B-B14F-4D97-AF65-F5344CB8AC3E}">
@@ -8207,6 +8782,59 @@
                       </p:childTnLst>
                     </p:cTn>
                   </p:par>
+                  <p:par>
+                    <p:cTn id="29" fill="hold">
+                      <p:stCondLst>
+                        <p:cond delay="indefinite"/>
+                      </p:stCondLst>
+                      <p:childTnLst>
+                        <p:par>
+                          <p:cTn id="30" fill="hold">
+                            <p:stCondLst>
+                              <p:cond delay="0"/>
+                            </p:stCondLst>
+                            <p:childTnLst>
+                              <p:par>
+                                <p:cTn id="31" presetID="10" presetClass="entr" presetSubtype="0" fill="hold" grpId="0" nodeType="clickEffect">
+                                  <p:stCondLst>
+                                    <p:cond delay="0"/>
+                                  </p:stCondLst>
+                                  <p:childTnLst>
+                                    <p:set>
+                                      <p:cBhvr>
+                                        <p:cTn id="32" dur="1" fill="hold">
+                                          <p:stCondLst>
+                                            <p:cond delay="0"/>
+                                          </p:stCondLst>
+                                        </p:cTn>
+                                        <p:tgtEl>
+                                          <p:spTgt spid="3"/>
+                                        </p:tgtEl>
+                                        <p:attrNameLst>
+                                          <p:attrName>style.visibility</p:attrName>
+                                        </p:attrNameLst>
+                                      </p:cBhvr>
+                                      <p:to>
+                                        <p:strVal val="visible"/>
+                                      </p:to>
+                                    </p:set>
+                                    <p:animEffect transition="in" filter="fade">
+                                      <p:cBhvr>
+                                        <p:cTn id="33" dur="500"/>
+                                        <p:tgtEl>
+                                          <p:spTgt spid="3"/>
+                                        </p:tgtEl>
+                                      </p:cBhvr>
+                                    </p:animEffect>
+                                  </p:childTnLst>
+                                </p:cTn>
+                              </p:par>
+                            </p:childTnLst>
+                          </p:cTn>
+                        </p:par>
+                      </p:childTnLst>
+                    </p:cTn>
+                  </p:par>
                 </p:childTnLst>
               </p:cTn>
               <p:prevCondLst>
@@ -8236,6 +8864,7 @@
       <p:bldP spid="24" grpId="0" animBg="1"/>
       <p:bldP spid="2" grpId="0" animBg="1"/>
       <p:bldP spid="15" grpId="0"/>
+      <p:bldP spid="3" grpId="0"/>
     </p:bldLst>
   </p:timing>
 </p:sld>
@@ -9432,14 +10061,7 @@
                 <a:latin typeface="华文楷体" panose="02010600040101010101" pitchFamily="2" charset="-122"/>
                 <a:ea typeface="华文楷体" panose="02010600040101010101" pitchFamily="2" charset="-122"/>
               </a:rPr>
-              <a:t>课程</a:t>
-            </a:r>
-            <a:r>
-              <a:rPr lang="zh-CN" altLang="zh-CN" sz="2000" b="1" dirty="0" smtClean="0">
-                <a:latin typeface="华文楷体" panose="02010600040101010101" pitchFamily="2" charset="-122"/>
-                <a:ea typeface="华文楷体" panose="02010600040101010101" pitchFamily="2" charset="-122"/>
-              </a:rPr>
-              <a:t>作业（</a:t>
+              <a:t>课程作业（</a:t>
             </a:r>
             <a:r>
               <a:rPr lang="zh-CN" altLang="en-US" sz="2000" b="1" dirty="0" smtClean="0">
@@ -9758,8 +10380,19 @@
                 <a:latin typeface="华文楷体" panose="02010600040101010101" pitchFamily="2" charset="-122"/>
                 <a:ea typeface="华文楷体" panose="02010600040101010101" pitchFamily="2" charset="-122"/>
               </a:rPr>
-              <a:t>天。</a:t>
-            </a:r>
+              <a:t>天</a:t>
+            </a:r>
+            <a:r>
+              <a:rPr lang="zh-CN" altLang="zh-CN" dirty="0" smtClean="0">
+                <a:latin typeface="华文楷体" panose="02010600040101010101" pitchFamily="2" charset="-122"/>
+                <a:ea typeface="华文楷体" panose="02010600040101010101" pitchFamily="2" charset="-122"/>
+              </a:rPr>
+              <a:t>。</a:t>
+            </a:r>
+            <a:endParaRPr lang="en-US" altLang="zh-CN" dirty="0" smtClean="0">
+              <a:latin typeface="华文楷体" panose="02010600040101010101" pitchFamily="2" charset="-122"/>
+              <a:ea typeface="华文楷体" panose="02010600040101010101" pitchFamily="2" charset="-122"/>
+            </a:endParaRPr>
           </a:p>
         </p:txBody>
       </p:sp>
@@ -10304,14 +10937,14 @@
       </p:sp>
       <p:sp>
         <p:nvSpPr>
-          <p:cNvPr id="2" name="矩形 1"/>
+          <p:cNvPr id="6" name="矩形 5"/>
           <p:cNvSpPr/>
           <p:nvPr/>
         </p:nvSpPr>
         <p:spPr>
           <a:xfrm>
-            <a:off x="451024" y="1975943"/>
-            <a:ext cx="8259216" cy="523220"/>
+            <a:off x="539552" y="1981891"/>
+            <a:ext cx="7704856" cy="461665"/>
           </a:xfrm>
           <a:prstGeom prst="rect">
             <a:avLst/>
@@ -10323,730 +10956,28 @@
           </a:bodyPr>
           <a:lstStyle/>
           <a:p>
-            <a:pPr marL="457200" indent="-457200" algn="just">
-              <a:spcAft>
-                <a:spcPts val="0"/>
-              </a:spcAft>
-              <a:buFont typeface="Wingdings" panose="05000000000000000000" pitchFamily="2" charset="2"/>
-              <a:buChar char="u"/>
-            </a:pPr>
-            <a:r>
-              <a:rPr lang="zh-CN" altLang="zh-CN" sz="2800" b="1" kern="100" dirty="0" smtClean="0">
-                <a:solidFill>
-                  <a:srgbClr val="C00000"/>
-                </a:solidFill>
+            <a:r>
+              <a:rPr lang="zh-CN" altLang="zh-CN" sz="2400" b="1" dirty="0" smtClean="0">
                 <a:latin typeface="华文楷体" panose="02010600040101010101" pitchFamily="2" charset="-122"/>
                 <a:ea typeface="华文楷体" panose="02010600040101010101" pitchFamily="2" charset="-122"/>
               </a:rPr>
-              <a:t>任务成绩</a:t>
-            </a:r>
-            <a:r>
-              <a:rPr lang="en-US" altLang="zh-CN" sz="2800" b="1" kern="100" dirty="0" smtClean="0">
-                <a:solidFill>
-                  <a:srgbClr val="C00000"/>
-                </a:solidFill>
+              <a:t>课程作业</a:t>
+            </a:r>
+            <a:r>
+              <a:rPr lang="zh-CN" altLang="en-US" sz="2400" b="1" dirty="0" smtClean="0">
                 <a:latin typeface="华文楷体" panose="02010600040101010101" pitchFamily="2" charset="-122"/>
                 <a:ea typeface="华文楷体" panose="02010600040101010101" pitchFamily="2" charset="-122"/>
               </a:rPr>
-              <a:t>=</a:t>
-            </a:r>
-            <a:r>
-              <a:rPr lang="zh-CN" altLang="en-US" sz="2800" b="1" kern="100" dirty="0">
-                <a:solidFill>
-                  <a:srgbClr val="C00000"/>
-                </a:solidFill>
+              <a:t>优秀范本示例</a:t>
+            </a:r>
+            <a:r>
+              <a:rPr lang="en-US" altLang="zh-CN" sz="2400" dirty="0" smtClean="0">
                 <a:latin typeface="华文楷体" panose="02010600040101010101" pitchFamily="2" charset="-122"/>
                 <a:ea typeface="华文楷体" panose="02010600040101010101" pitchFamily="2" charset="-122"/>
               </a:rPr>
-              <a:t>课程作业</a:t>
-            </a:r>
-            <a:r>
-              <a:rPr lang="en-US" altLang="zh-CN" sz="2800" b="1" kern="100" dirty="0">
-                <a:solidFill>
-                  <a:srgbClr val="C00000"/>
-                </a:solidFill>
-                <a:latin typeface="华文楷体" panose="02010600040101010101" pitchFamily="2" charset="-122"/>
-                <a:ea typeface="华文楷体" panose="02010600040101010101" pitchFamily="2" charset="-122"/>
-              </a:rPr>
-              <a:t>30%</a:t>
-            </a:r>
-            <a:r>
-              <a:rPr lang="zh-CN" altLang="en-US" sz="2800" b="1" kern="100" dirty="0">
-                <a:solidFill>
-                  <a:srgbClr val="C00000"/>
-                </a:solidFill>
-                <a:latin typeface="华文楷体" panose="02010600040101010101" pitchFamily="2" charset="-122"/>
-                <a:ea typeface="华文楷体" panose="02010600040101010101" pitchFamily="2" charset="-122"/>
-              </a:rPr>
-              <a:t>＋上机作业</a:t>
-            </a:r>
-            <a:r>
-              <a:rPr lang="en-US" altLang="zh-CN" sz="2800" b="1" kern="100" dirty="0">
-                <a:solidFill>
-                  <a:srgbClr val="C00000"/>
-                </a:solidFill>
-                <a:latin typeface="华文楷体" panose="02010600040101010101" pitchFamily="2" charset="-122"/>
-                <a:ea typeface="华文楷体" panose="02010600040101010101" pitchFamily="2" charset="-122"/>
-              </a:rPr>
-              <a:t>30%</a:t>
-            </a:r>
-            <a:endParaRPr lang="zh-CN" altLang="zh-CN" sz="1600" b="1" kern="100" dirty="0">
-              <a:latin typeface="华文楷体" panose="02010600040101010101" pitchFamily="2" charset="-122"/>
-              <a:ea typeface="华文楷体" panose="02010600040101010101" pitchFamily="2" charset="-122"/>
-            </a:endParaRPr>
-          </a:p>
-        </p:txBody>
-      </p:sp>
-      <p:sp>
-        <p:nvSpPr>
-          <p:cNvPr id="6" name="矩形 5"/>
-          <p:cNvSpPr/>
-          <p:nvPr/>
-        </p:nvSpPr>
-        <p:spPr>
-          <a:xfrm>
-            <a:off x="539552" y="2886303"/>
-            <a:ext cx="7632848" cy="2339102"/>
-          </a:xfrm>
-          <a:prstGeom prst="rect">
-            <a:avLst/>
-          </a:prstGeom>
-        </p:spPr>
-        <p:txBody>
-          <a:bodyPr wrap="square">
-            <a:spAutoFit/>
-          </a:bodyPr>
-          <a:lstStyle/>
-          <a:p>
-            <a:r>
-              <a:rPr lang="zh-CN" altLang="en-US" sz="2000" b="1" kern="100" dirty="0">
-                <a:latin typeface="华文楷体" panose="02010600040101010101" pitchFamily="2" charset="-122"/>
-                <a:ea typeface="华文楷体" panose="02010600040101010101" pitchFamily="2" charset="-122"/>
-              </a:rPr>
-              <a:t>上机作业</a:t>
-            </a:r>
-            <a:r>
-              <a:rPr lang="zh-CN" altLang="zh-CN" sz="2000" b="1" dirty="0" smtClean="0">
-                <a:latin typeface="华文楷体" panose="02010600040101010101" pitchFamily="2" charset="-122"/>
-                <a:ea typeface="华文楷体" panose="02010600040101010101" pitchFamily="2" charset="-122"/>
-              </a:rPr>
-              <a:t>（</a:t>
-            </a:r>
-            <a:r>
-              <a:rPr lang="en-US" altLang="zh-CN" sz="2000" b="1" dirty="0" smtClean="0">
-                <a:latin typeface="华文楷体" panose="02010600040101010101" pitchFamily="2" charset="-122"/>
-                <a:ea typeface="华文楷体" panose="02010600040101010101" pitchFamily="2" charset="-122"/>
-              </a:rPr>
-              <a:t>8</a:t>
-            </a:r>
-            <a:r>
-              <a:rPr lang="zh-CN" altLang="zh-CN" sz="2000" b="1" dirty="0" smtClean="0">
-                <a:latin typeface="华文楷体" panose="02010600040101010101" pitchFamily="2" charset="-122"/>
-                <a:ea typeface="华文楷体" panose="02010600040101010101" pitchFamily="2" charset="-122"/>
-              </a:rPr>
-              <a:t>次</a:t>
-            </a:r>
-            <a:r>
-              <a:rPr lang="zh-CN" altLang="zh-CN" sz="2000" dirty="0">
-                <a:latin typeface="华文楷体" panose="02010600040101010101" pitchFamily="2" charset="-122"/>
-                <a:ea typeface="华文楷体" panose="02010600040101010101" pitchFamily="2" charset="-122"/>
-              </a:rPr>
-              <a:t>）</a:t>
-            </a:r>
-            <a:r>
-              <a:rPr lang="en-US" altLang="zh-CN" sz="2000" dirty="0">
-                <a:latin typeface="华文楷体" panose="02010600040101010101" pitchFamily="2" charset="-122"/>
-                <a:ea typeface="华文楷体" panose="02010600040101010101" pitchFamily="2" charset="-122"/>
-              </a:rPr>
               <a:t>   </a:t>
             </a:r>
-            <a:endParaRPr lang="zh-CN" altLang="zh-CN" sz="2000" dirty="0">
-              <a:latin typeface="华文楷体" panose="02010600040101010101" pitchFamily="2" charset="-122"/>
-              <a:ea typeface="华文楷体" panose="02010600040101010101" pitchFamily="2" charset="-122"/>
-            </a:endParaRPr>
-          </a:p>
-          <a:p>
-            <a:pPr marL="280988" lvl="0" indent="-280988" algn="just" fontAlgn="auto">
-              <a:spcBef>
-                <a:spcPts val="0"/>
-              </a:spcBef>
-              <a:spcAft>
-                <a:spcPts val="0"/>
-              </a:spcAft>
-              <a:buClr>
-                <a:srgbClr val="004181"/>
-              </a:buClr>
-              <a:buFont typeface="Wingdings" pitchFamily="2" charset="2"/>
-              <a:buChar char="v"/>
-            </a:pPr>
-            <a:endParaRPr lang="en-US" altLang="zh-CN" dirty="0" smtClean="0">
-              <a:latin typeface="华文楷体" panose="02010600040101010101" pitchFamily="2" charset="-122"/>
-              <a:ea typeface="华文楷体" panose="02010600040101010101" pitchFamily="2" charset="-122"/>
-            </a:endParaRPr>
-          </a:p>
-          <a:p>
-            <a:pPr marL="342900" lvl="0" indent="-342900" algn="just" fontAlgn="auto">
-              <a:spcBef>
-                <a:spcPts val="0"/>
-              </a:spcBef>
-              <a:spcAft>
-                <a:spcPts val="0"/>
-              </a:spcAft>
-              <a:buClr>
-                <a:srgbClr val="004181"/>
-              </a:buClr>
-              <a:buFont typeface="+mj-lt"/>
-              <a:buAutoNum type="arabicPeriod"/>
-            </a:pPr>
-            <a:r>
-              <a:rPr lang="zh-CN" altLang="en-US" dirty="0" smtClean="0">
-                <a:solidFill>
-                  <a:schemeClr val="tx1">
-                    <a:lumMod val="95000"/>
-                    <a:lumOff val="5000"/>
-                  </a:schemeClr>
-                </a:solidFill>
-                <a:latin typeface="华文楷体" panose="02010600040101010101" pitchFamily="2" charset="-122"/>
-                <a:ea typeface="华文楷体" panose="02010600040101010101" pitchFamily="2" charset="-122"/>
-              </a:rPr>
-              <a:t>通过</a:t>
-            </a:r>
-            <a:r>
-              <a:rPr lang="en-US" altLang="zh-CN" dirty="0">
-                <a:solidFill>
-                  <a:schemeClr val="tx1">
-                    <a:lumMod val="95000"/>
-                    <a:lumOff val="5000"/>
-                  </a:schemeClr>
-                </a:solidFill>
-                <a:latin typeface="华文楷体" panose="02010600040101010101" pitchFamily="2" charset="-122"/>
-                <a:ea typeface="华文楷体" panose="02010600040101010101" pitchFamily="2" charset="-122"/>
-              </a:rPr>
-              <a:t>OUC Online Judge</a:t>
-            </a:r>
-            <a:r>
-              <a:rPr lang="zh-CN" altLang="en-US" dirty="0">
-                <a:solidFill>
-                  <a:schemeClr val="tx1">
-                    <a:lumMod val="95000"/>
-                    <a:lumOff val="5000"/>
-                  </a:schemeClr>
-                </a:solidFill>
-                <a:latin typeface="华文楷体" panose="02010600040101010101" pitchFamily="2" charset="-122"/>
-                <a:ea typeface="华文楷体" panose="02010600040101010101" pitchFamily="2" charset="-122"/>
-              </a:rPr>
-              <a:t>自动评测系统评测，无需提交报告</a:t>
-            </a:r>
-            <a:r>
-              <a:rPr lang="zh-CN" altLang="en-US" dirty="0" smtClean="0">
-                <a:solidFill>
-                  <a:schemeClr val="tx1">
-                    <a:lumMod val="95000"/>
-                    <a:lumOff val="5000"/>
-                  </a:schemeClr>
-                </a:solidFill>
-                <a:latin typeface="华文楷体" panose="02010600040101010101" pitchFamily="2" charset="-122"/>
-                <a:ea typeface="华文楷体" panose="02010600040101010101" pitchFamily="2" charset="-122"/>
-              </a:rPr>
-              <a:t>。</a:t>
-            </a:r>
-            <a:endParaRPr lang="en-US" altLang="zh-CN" dirty="0" smtClean="0">
-              <a:solidFill>
-                <a:schemeClr val="tx1">
-                  <a:lumMod val="95000"/>
-                  <a:lumOff val="5000"/>
-                </a:schemeClr>
-              </a:solidFill>
-              <a:latin typeface="华文楷体" panose="02010600040101010101" pitchFamily="2" charset="-122"/>
-              <a:ea typeface="华文楷体" panose="02010600040101010101" pitchFamily="2" charset="-122"/>
-            </a:endParaRPr>
-          </a:p>
-          <a:p>
-            <a:pPr marL="342900" lvl="0" indent="-342900" algn="just" fontAlgn="auto">
-              <a:spcBef>
-                <a:spcPts val="0"/>
-              </a:spcBef>
-              <a:spcAft>
-                <a:spcPts val="0"/>
-              </a:spcAft>
-              <a:buClr>
-                <a:srgbClr val="004181"/>
-              </a:buClr>
-              <a:buFont typeface="+mj-lt"/>
-              <a:buAutoNum type="arabicPeriod"/>
-            </a:pPr>
-            <a:endParaRPr lang="zh-CN" altLang="en-US" dirty="0">
-              <a:solidFill>
-                <a:schemeClr val="tx1">
-                  <a:lumMod val="95000"/>
-                  <a:lumOff val="5000"/>
-                </a:schemeClr>
-              </a:solidFill>
-              <a:latin typeface="华文楷体" panose="02010600040101010101" pitchFamily="2" charset="-122"/>
-              <a:ea typeface="华文楷体" panose="02010600040101010101" pitchFamily="2" charset="-122"/>
-            </a:endParaRPr>
-          </a:p>
-          <a:p>
-            <a:pPr marL="342900" lvl="0" indent="-342900" algn="just" fontAlgn="auto">
-              <a:spcBef>
-                <a:spcPts val="0"/>
-              </a:spcBef>
-              <a:spcAft>
-                <a:spcPts val="0"/>
-              </a:spcAft>
-              <a:buClr>
-                <a:srgbClr val="004181"/>
-              </a:buClr>
-              <a:buFont typeface="+mj-lt"/>
-              <a:buAutoNum type="arabicPeriod"/>
-            </a:pPr>
-            <a:r>
-              <a:rPr lang="zh-CN" altLang="en-US" dirty="0" smtClean="0">
-                <a:solidFill>
-                  <a:schemeClr val="tx1">
-                    <a:lumMod val="95000"/>
-                    <a:lumOff val="5000"/>
-                  </a:schemeClr>
-                </a:solidFill>
-                <a:latin typeface="华文楷体" panose="02010600040101010101" pitchFamily="2" charset="-122"/>
-                <a:ea typeface="华文楷体" panose="02010600040101010101" pitchFamily="2" charset="-122"/>
-              </a:rPr>
-              <a:t>每次</a:t>
-            </a:r>
-            <a:r>
-              <a:rPr lang="zh-CN" altLang="en-US" dirty="0">
-                <a:solidFill>
-                  <a:schemeClr val="tx1">
-                    <a:lumMod val="95000"/>
-                    <a:lumOff val="5000"/>
-                  </a:schemeClr>
-                </a:solidFill>
-                <a:latin typeface="华文楷体" panose="02010600040101010101" pitchFamily="2" charset="-122"/>
-                <a:ea typeface="华文楷体" panose="02010600040101010101" pitchFamily="2" charset="-122"/>
-              </a:rPr>
-              <a:t>上机作业会有</a:t>
-            </a:r>
-            <a:r>
-              <a:rPr lang="en-US" altLang="zh-CN" dirty="0">
-                <a:solidFill>
-                  <a:schemeClr val="tx1">
-                    <a:lumMod val="95000"/>
-                    <a:lumOff val="5000"/>
-                  </a:schemeClr>
-                </a:solidFill>
-                <a:latin typeface="华文楷体" panose="02010600040101010101" pitchFamily="2" charset="-122"/>
-                <a:ea typeface="华文楷体" panose="02010600040101010101" pitchFamily="2" charset="-122"/>
-              </a:rPr>
-              <a:t>4</a:t>
-            </a:r>
-            <a:r>
-              <a:rPr lang="zh-CN" altLang="en-US" dirty="0">
-                <a:solidFill>
-                  <a:schemeClr val="tx1">
-                    <a:lumMod val="95000"/>
-                    <a:lumOff val="5000"/>
-                  </a:schemeClr>
-                </a:solidFill>
-                <a:latin typeface="华文楷体" panose="02010600040101010101" pitchFamily="2" charset="-122"/>
-                <a:ea typeface="华文楷体" panose="02010600040101010101" pitchFamily="2" charset="-122"/>
-              </a:rPr>
-              <a:t>～</a:t>
-            </a:r>
-            <a:r>
-              <a:rPr lang="en-US" altLang="zh-CN" dirty="0">
-                <a:solidFill>
-                  <a:schemeClr val="tx1">
-                    <a:lumMod val="95000"/>
-                    <a:lumOff val="5000"/>
-                  </a:schemeClr>
-                </a:solidFill>
-                <a:latin typeface="华文楷体" panose="02010600040101010101" pitchFamily="2" charset="-122"/>
-                <a:ea typeface="华文楷体" panose="02010600040101010101" pitchFamily="2" charset="-122"/>
-              </a:rPr>
-              <a:t>6</a:t>
-            </a:r>
-            <a:r>
-              <a:rPr lang="zh-CN" altLang="en-US" dirty="0">
-                <a:solidFill>
-                  <a:schemeClr val="tx1">
-                    <a:lumMod val="95000"/>
-                    <a:lumOff val="5000"/>
-                  </a:schemeClr>
-                </a:solidFill>
-                <a:latin typeface="华文楷体" panose="02010600040101010101" pitchFamily="2" charset="-122"/>
-                <a:ea typeface="华文楷体" panose="02010600040101010101" pitchFamily="2" charset="-122"/>
-              </a:rPr>
-              <a:t>道习题，请及时完成上传，上机作业不接受补交</a:t>
-            </a:r>
-            <a:r>
-              <a:rPr lang="zh-CN" altLang="en-US" dirty="0" smtClean="0">
-                <a:solidFill>
-                  <a:schemeClr val="tx1">
-                    <a:lumMod val="95000"/>
-                    <a:lumOff val="5000"/>
-                  </a:schemeClr>
-                </a:solidFill>
-                <a:latin typeface="华文楷体" panose="02010600040101010101" pitchFamily="2" charset="-122"/>
-                <a:ea typeface="华文楷体" panose="02010600040101010101" pitchFamily="2" charset="-122"/>
-              </a:rPr>
-              <a:t>。</a:t>
-            </a:r>
-            <a:endParaRPr lang="en-US" altLang="zh-CN" dirty="0" smtClean="0">
-              <a:solidFill>
-                <a:schemeClr val="tx1">
-                  <a:lumMod val="95000"/>
-                  <a:lumOff val="5000"/>
-                </a:schemeClr>
-              </a:solidFill>
-              <a:latin typeface="华文楷体" panose="02010600040101010101" pitchFamily="2" charset="-122"/>
-              <a:ea typeface="华文楷体" panose="02010600040101010101" pitchFamily="2" charset="-122"/>
-            </a:endParaRPr>
-          </a:p>
-          <a:p>
-            <a:pPr marL="342900" lvl="0" indent="-342900" algn="just" fontAlgn="auto">
-              <a:spcBef>
-                <a:spcPts val="0"/>
-              </a:spcBef>
-              <a:spcAft>
-                <a:spcPts val="0"/>
-              </a:spcAft>
-              <a:buClr>
-                <a:srgbClr val="004181"/>
-              </a:buClr>
-              <a:buFont typeface="+mj-lt"/>
-              <a:buAutoNum type="arabicPeriod"/>
-            </a:pPr>
-            <a:endParaRPr lang="zh-CN" altLang="en-US" dirty="0">
-              <a:solidFill>
-                <a:schemeClr val="tx1">
-                  <a:lumMod val="95000"/>
-                  <a:lumOff val="5000"/>
-                </a:schemeClr>
-              </a:solidFill>
-              <a:latin typeface="华文楷体" panose="02010600040101010101" pitchFamily="2" charset="-122"/>
-              <a:ea typeface="华文楷体" panose="02010600040101010101" pitchFamily="2" charset="-122"/>
-            </a:endParaRPr>
-          </a:p>
-          <a:p>
-            <a:pPr marL="342900" lvl="0" indent="-342900" algn="just" fontAlgn="auto">
-              <a:spcBef>
-                <a:spcPts val="0"/>
-              </a:spcBef>
-              <a:spcAft>
-                <a:spcPts val="0"/>
-              </a:spcAft>
-              <a:buClr>
-                <a:srgbClr val="004181"/>
-              </a:buClr>
-              <a:buFont typeface="+mj-lt"/>
-              <a:buAutoNum type="arabicPeriod"/>
-            </a:pPr>
-            <a:r>
-              <a:rPr lang="zh-CN" altLang="en-US" dirty="0" smtClean="0">
-                <a:solidFill>
-                  <a:schemeClr val="tx1">
-                    <a:lumMod val="95000"/>
-                    <a:lumOff val="5000"/>
-                  </a:schemeClr>
-                </a:solidFill>
-                <a:latin typeface="华文楷体" panose="02010600040101010101" pitchFamily="2" charset="-122"/>
-                <a:ea typeface="华文楷体" panose="02010600040101010101" pitchFamily="2" charset="-122"/>
-              </a:rPr>
-              <a:t>每次</a:t>
-            </a:r>
-            <a:r>
-              <a:rPr lang="zh-CN" altLang="en-US" dirty="0">
-                <a:solidFill>
-                  <a:schemeClr val="tx1">
-                    <a:lumMod val="95000"/>
-                    <a:lumOff val="5000"/>
-                  </a:schemeClr>
-                </a:solidFill>
-                <a:latin typeface="华文楷体" panose="02010600040101010101" pitchFamily="2" charset="-122"/>
-                <a:ea typeface="华文楷体" panose="02010600040101010101" pitchFamily="2" charset="-122"/>
-              </a:rPr>
-              <a:t>上机的成绩：前</a:t>
-            </a:r>
-            <a:r>
-              <a:rPr lang="en-US" altLang="zh-CN" dirty="0">
-                <a:solidFill>
-                  <a:schemeClr val="tx1">
-                    <a:lumMod val="95000"/>
-                    <a:lumOff val="5000"/>
-                  </a:schemeClr>
-                </a:solidFill>
-                <a:latin typeface="华文楷体" panose="02010600040101010101" pitchFamily="2" charset="-122"/>
-                <a:ea typeface="华文楷体" panose="02010600040101010101" pitchFamily="2" charset="-122"/>
-              </a:rPr>
-              <a:t>5</a:t>
-            </a:r>
-            <a:r>
-              <a:rPr lang="zh-CN" altLang="en-US" dirty="0">
-                <a:solidFill>
-                  <a:schemeClr val="tx1">
-                    <a:lumMod val="95000"/>
-                    <a:lumOff val="5000"/>
-                  </a:schemeClr>
-                </a:solidFill>
-                <a:latin typeface="华文楷体" panose="02010600040101010101" pitchFamily="2" charset="-122"/>
-                <a:ea typeface="华文楷体" panose="02010600040101010101" pitchFamily="2" charset="-122"/>
-              </a:rPr>
-              <a:t>名</a:t>
-            </a:r>
-            <a:r>
-              <a:rPr lang="en-US" altLang="zh-CN" dirty="0">
-                <a:solidFill>
-                  <a:schemeClr val="tx1">
-                    <a:lumMod val="95000"/>
-                    <a:lumOff val="5000"/>
-                  </a:schemeClr>
-                </a:solidFill>
-                <a:latin typeface="华文楷体" panose="02010600040101010101" pitchFamily="2" charset="-122"/>
-                <a:ea typeface="华文楷体" panose="02010600040101010101" pitchFamily="2" charset="-122"/>
-              </a:rPr>
-              <a:t>100</a:t>
-            </a:r>
-            <a:r>
-              <a:rPr lang="zh-CN" altLang="en-US" dirty="0">
-                <a:solidFill>
-                  <a:schemeClr val="tx1">
-                    <a:lumMod val="95000"/>
-                    <a:lumOff val="5000"/>
-                  </a:schemeClr>
-                </a:solidFill>
-                <a:latin typeface="华文楷体" panose="02010600040101010101" pitchFamily="2" charset="-122"/>
-                <a:ea typeface="华文楷体" panose="02010600040101010101" pitchFamily="2" charset="-122"/>
-              </a:rPr>
-              <a:t>分，</a:t>
-            </a:r>
-            <a:r>
-              <a:rPr lang="en-US" altLang="zh-CN" dirty="0">
-                <a:solidFill>
-                  <a:schemeClr val="tx1">
-                    <a:lumMod val="95000"/>
-                    <a:lumOff val="5000"/>
-                  </a:schemeClr>
-                </a:solidFill>
-                <a:latin typeface="华文楷体" panose="02010600040101010101" pitchFamily="2" charset="-122"/>
-                <a:ea typeface="华文楷体" panose="02010600040101010101" pitchFamily="2" charset="-122"/>
-              </a:rPr>
-              <a:t>5-15</a:t>
-            </a:r>
-            <a:r>
-              <a:rPr lang="zh-CN" altLang="en-US" dirty="0">
-                <a:solidFill>
-                  <a:schemeClr val="tx1">
-                    <a:lumMod val="95000"/>
-                    <a:lumOff val="5000"/>
-                  </a:schemeClr>
-                </a:solidFill>
-                <a:latin typeface="华文楷体" panose="02010600040101010101" pitchFamily="2" charset="-122"/>
-                <a:ea typeface="华文楷体" panose="02010600040101010101" pitchFamily="2" charset="-122"/>
-              </a:rPr>
-              <a:t>名</a:t>
-            </a:r>
-            <a:r>
-              <a:rPr lang="en-US" altLang="zh-CN" dirty="0">
-                <a:solidFill>
-                  <a:schemeClr val="tx1">
-                    <a:lumMod val="95000"/>
-                    <a:lumOff val="5000"/>
-                  </a:schemeClr>
-                </a:solidFill>
-                <a:latin typeface="华文楷体" panose="02010600040101010101" pitchFamily="2" charset="-122"/>
-                <a:ea typeface="华文楷体" panose="02010600040101010101" pitchFamily="2" charset="-122"/>
-              </a:rPr>
-              <a:t>90</a:t>
-            </a:r>
-            <a:r>
-              <a:rPr lang="zh-CN" altLang="en-US" dirty="0">
-                <a:solidFill>
-                  <a:schemeClr val="tx1">
-                    <a:lumMod val="95000"/>
-                    <a:lumOff val="5000"/>
-                  </a:schemeClr>
-                </a:solidFill>
-                <a:latin typeface="华文楷体" panose="02010600040101010101" pitchFamily="2" charset="-122"/>
-                <a:ea typeface="华文楷体" panose="02010600040101010101" pitchFamily="2" charset="-122"/>
-              </a:rPr>
-              <a:t>分，</a:t>
-            </a:r>
-            <a:r>
-              <a:rPr lang="en-US" altLang="zh-CN" dirty="0">
-                <a:solidFill>
-                  <a:schemeClr val="tx1">
-                    <a:lumMod val="95000"/>
-                    <a:lumOff val="5000"/>
-                  </a:schemeClr>
-                </a:solidFill>
-                <a:latin typeface="华文楷体" panose="02010600040101010101" pitchFamily="2" charset="-122"/>
-                <a:ea typeface="华文楷体" panose="02010600040101010101" pitchFamily="2" charset="-122"/>
-              </a:rPr>
-              <a:t>15-30</a:t>
-            </a:r>
-            <a:r>
-              <a:rPr lang="zh-CN" altLang="en-US" dirty="0">
-                <a:solidFill>
-                  <a:schemeClr val="tx1">
-                    <a:lumMod val="95000"/>
-                    <a:lumOff val="5000"/>
-                  </a:schemeClr>
-                </a:solidFill>
-                <a:latin typeface="华文楷体" panose="02010600040101010101" pitchFamily="2" charset="-122"/>
-                <a:ea typeface="华文楷体" panose="02010600040101010101" pitchFamily="2" charset="-122"/>
-              </a:rPr>
-              <a:t>名</a:t>
-            </a:r>
-            <a:r>
-              <a:rPr lang="en-US" altLang="zh-CN" dirty="0">
-                <a:solidFill>
-                  <a:schemeClr val="tx1">
-                    <a:lumMod val="95000"/>
-                    <a:lumOff val="5000"/>
-                  </a:schemeClr>
-                </a:solidFill>
-                <a:latin typeface="华文楷体" panose="02010600040101010101" pitchFamily="2" charset="-122"/>
-                <a:ea typeface="华文楷体" panose="02010600040101010101" pitchFamily="2" charset="-122"/>
-              </a:rPr>
-              <a:t>80</a:t>
-            </a:r>
-            <a:r>
-              <a:rPr lang="zh-CN" altLang="en-US" dirty="0">
-                <a:solidFill>
-                  <a:schemeClr val="tx1">
-                    <a:lumMod val="95000"/>
-                    <a:lumOff val="5000"/>
-                  </a:schemeClr>
-                </a:solidFill>
-                <a:latin typeface="华文楷体" panose="02010600040101010101" pitchFamily="2" charset="-122"/>
-                <a:ea typeface="华文楷体" panose="02010600040101010101" pitchFamily="2" charset="-122"/>
-              </a:rPr>
-              <a:t>分，</a:t>
-            </a:r>
-            <a:r>
-              <a:rPr lang="en-US" altLang="zh-CN" dirty="0">
-                <a:solidFill>
-                  <a:schemeClr val="tx1">
-                    <a:lumMod val="95000"/>
-                    <a:lumOff val="5000"/>
-                  </a:schemeClr>
-                </a:solidFill>
-                <a:latin typeface="华文楷体" panose="02010600040101010101" pitchFamily="2" charset="-122"/>
-                <a:ea typeface="华文楷体" panose="02010600040101010101" pitchFamily="2" charset="-122"/>
-              </a:rPr>
-              <a:t>30-50</a:t>
-            </a:r>
-            <a:r>
-              <a:rPr lang="zh-CN" altLang="en-US" dirty="0">
-                <a:solidFill>
-                  <a:schemeClr val="tx1">
-                    <a:lumMod val="95000"/>
-                    <a:lumOff val="5000"/>
-                  </a:schemeClr>
-                </a:solidFill>
-                <a:latin typeface="华文楷体" panose="02010600040101010101" pitchFamily="2" charset="-122"/>
-                <a:ea typeface="华文楷体" panose="02010600040101010101" pitchFamily="2" charset="-122"/>
-              </a:rPr>
-              <a:t>名</a:t>
-            </a:r>
-            <a:r>
-              <a:rPr lang="en-US" altLang="zh-CN" dirty="0">
-                <a:solidFill>
-                  <a:schemeClr val="tx1">
-                    <a:lumMod val="95000"/>
-                    <a:lumOff val="5000"/>
-                  </a:schemeClr>
-                </a:solidFill>
-                <a:latin typeface="华文楷体" panose="02010600040101010101" pitchFamily="2" charset="-122"/>
-                <a:ea typeface="华文楷体" panose="02010600040101010101" pitchFamily="2" charset="-122"/>
-              </a:rPr>
-              <a:t>70</a:t>
-            </a:r>
-            <a:r>
-              <a:rPr lang="zh-CN" altLang="en-US" dirty="0">
-                <a:solidFill>
-                  <a:schemeClr val="tx1">
-                    <a:lumMod val="95000"/>
-                    <a:lumOff val="5000"/>
-                  </a:schemeClr>
-                </a:solidFill>
-                <a:latin typeface="华文楷体" panose="02010600040101010101" pitchFamily="2" charset="-122"/>
-                <a:ea typeface="华文楷体" panose="02010600040101010101" pitchFamily="2" charset="-122"/>
-              </a:rPr>
-              <a:t>分，其他（完成</a:t>
-            </a:r>
-            <a:r>
-              <a:rPr lang="en-US" altLang="zh-CN" dirty="0">
-                <a:solidFill>
-                  <a:schemeClr val="tx1">
-                    <a:lumMod val="95000"/>
-                    <a:lumOff val="5000"/>
-                  </a:schemeClr>
-                </a:solidFill>
-                <a:latin typeface="华文楷体" panose="02010600040101010101" pitchFamily="2" charset="-122"/>
-                <a:ea typeface="华文楷体" panose="02010600040101010101" pitchFamily="2" charset="-122"/>
-              </a:rPr>
-              <a:t>60</a:t>
-            </a:r>
-            <a:r>
-              <a:rPr lang="zh-CN" altLang="en-US" dirty="0">
-                <a:solidFill>
-                  <a:schemeClr val="tx1">
-                    <a:lumMod val="95000"/>
-                    <a:lumOff val="5000"/>
-                  </a:schemeClr>
-                </a:solidFill>
-                <a:latin typeface="华文楷体" panose="02010600040101010101" pitchFamily="2" charset="-122"/>
-                <a:ea typeface="华文楷体" panose="02010600040101010101" pitchFamily="2" charset="-122"/>
-              </a:rPr>
-              <a:t>分，未完成</a:t>
-            </a:r>
-            <a:r>
-              <a:rPr lang="en-US" altLang="zh-CN" dirty="0">
-                <a:solidFill>
-                  <a:schemeClr val="tx1">
-                    <a:lumMod val="95000"/>
-                    <a:lumOff val="5000"/>
-                  </a:schemeClr>
-                </a:solidFill>
-                <a:latin typeface="华文楷体" panose="02010600040101010101" pitchFamily="2" charset="-122"/>
-                <a:ea typeface="华文楷体" panose="02010600040101010101" pitchFamily="2" charset="-122"/>
-              </a:rPr>
-              <a:t>0</a:t>
-            </a:r>
-            <a:r>
-              <a:rPr lang="zh-CN" altLang="en-US" dirty="0">
-                <a:solidFill>
-                  <a:schemeClr val="tx1">
-                    <a:lumMod val="95000"/>
-                    <a:lumOff val="5000"/>
-                  </a:schemeClr>
-                </a:solidFill>
-                <a:latin typeface="华文楷体" panose="02010600040101010101" pitchFamily="2" charset="-122"/>
-                <a:ea typeface="华文楷体" panose="02010600040101010101" pitchFamily="2" charset="-122"/>
-              </a:rPr>
-              <a:t>分</a:t>
-            </a:r>
-            <a:r>
-              <a:rPr lang="zh-CN" altLang="en-US" dirty="0" smtClean="0">
-                <a:solidFill>
-                  <a:schemeClr val="tx1">
-                    <a:lumMod val="95000"/>
-                    <a:lumOff val="5000"/>
-                  </a:schemeClr>
-                </a:solidFill>
-                <a:latin typeface="华文楷体" panose="02010600040101010101" pitchFamily="2" charset="-122"/>
-                <a:ea typeface="华文楷体" panose="02010600040101010101" pitchFamily="2" charset="-122"/>
-              </a:rPr>
-              <a:t>）。</a:t>
-            </a:r>
-            <a:endParaRPr lang="zh-CN" altLang="en-US" dirty="0">
-              <a:solidFill>
-                <a:schemeClr val="tx1">
-                  <a:lumMod val="95000"/>
-                  <a:lumOff val="5000"/>
-                </a:schemeClr>
-              </a:solidFill>
+            <a:endParaRPr lang="zh-CN" altLang="zh-CN" sz="2400" dirty="0">
               <a:latin typeface="华文楷体" panose="02010600040101010101" pitchFamily="2" charset="-122"/>
               <a:ea typeface="华文楷体" panose="02010600040101010101" pitchFamily="2" charset="-122"/>
             </a:endParaRPr>
@@ -11056,7 +10987,7 @@
     </p:spTree>
     <p:extLst>
       <p:ext uri="{BB962C8B-B14F-4D97-AF65-F5344CB8AC3E}">
-        <p14:creationId xmlns:p14="http://schemas.microsoft.com/office/powerpoint/2010/main" val="1800829290"/>
+        <p14:creationId xmlns:p14="http://schemas.microsoft.com/office/powerpoint/2010/main" val="1593088682"/>
       </p:ext>
     </p:extLst>
   </p:cSld>
@@ -11350,7 +11281,7 @@
       </p:sp>
       <p:sp>
         <p:nvSpPr>
-          <p:cNvPr id="7" name="矩形 3"/>
+          <p:cNvPr id="13" name="矩形 3"/>
           <p:cNvSpPr>
             <a:spLocks noChangeArrowheads="1"/>
           </p:cNvSpPr>
@@ -11502,34 +11433,20 @@
               <a:defRPr/>
             </a:pPr>
             <a:r>
-              <a:rPr kumimoji="0" lang="zh-CN" altLang="en-US" sz="3200" b="0" i="0" u="none" strike="noStrike" kern="1200" cap="none" spc="0" normalizeH="0" baseline="0" noProof="0" dirty="0">
-                <a:ln>
-                  <a:noFill/>
-                </a:ln>
+              <a:rPr kumimoji="0" lang="zh-CN" altLang="en-US" sz="3200" dirty="0">
                 <a:solidFill>
                   <a:srgbClr val="000000"/>
                 </a:solidFill>
-                <a:effectLst/>
-                <a:uLnTx/>
-                <a:uFillTx/>
-                <a:latin typeface="Times New Roman" panose="02020603050405020304" pitchFamily="18" charset="0"/>
                 <a:ea typeface="楷体" panose="02010609060101010101" pitchFamily="49" charset="-122"/>
                 <a:cs typeface="Times New Roman" panose="02020603050405020304" pitchFamily="18" charset="0"/>
               </a:rPr>
               <a:t>考核</a:t>
             </a:r>
             <a:r>
-              <a:rPr kumimoji="0" lang="zh-CN" altLang="en-US" sz="3200" b="0" i="0" u="none" strike="noStrike" kern="1200" cap="none" spc="0" normalizeH="0" baseline="0" noProof="0" dirty="0" smtClean="0">
-                <a:ln>
-                  <a:noFill/>
-                </a:ln>
+              <a:rPr kumimoji="0" lang="zh-CN" altLang="en-US" sz="3200" dirty="0" smtClean="0">
                 <a:solidFill>
                   <a:srgbClr val="000000"/>
                 </a:solidFill>
-                <a:effectLst/>
-                <a:uLnTx/>
-                <a:uFillTx/>
-                <a:latin typeface="Times New Roman" panose="02020603050405020304" pitchFamily="18" charset="0"/>
                 <a:ea typeface="楷体" panose="02010609060101010101" pitchFamily="49" charset="-122"/>
                 <a:cs typeface="Times New Roman" panose="02020603050405020304" pitchFamily="18" charset="0"/>
               </a:rPr>
@@ -11554,7 +11471,7 @@
       </p:sp>
       <p:sp>
         <p:nvSpPr>
-          <p:cNvPr id="8" name="矩形 7"/>
+          <p:cNvPr id="2" name="矩形 1"/>
           <p:cNvSpPr/>
           <p:nvPr/>
         </p:nvSpPr>
@@ -11573,7 +11490,7 @@
           </a:bodyPr>
           <a:lstStyle/>
           <a:p>
-            <a:pPr marL="457200" lvl="0" indent="-457200" algn="just">
+            <a:pPr marL="457200" indent="-457200" algn="just">
               <a:spcAft>
                 <a:spcPts val="0"/>
               </a:spcAft>
@@ -11581,14 +11498,24 @@
               <a:buChar char="u"/>
             </a:pPr>
             <a:r>
-              <a:rPr lang="zh-CN" altLang="en-US" sz="2800" b="1" kern="100" dirty="0" smtClean="0">
+              <a:rPr lang="zh-CN" altLang="zh-CN" sz="2800" b="1" kern="100" dirty="0" smtClean="0">
                 <a:solidFill>
                   <a:srgbClr val="C00000"/>
                 </a:solidFill>
                 <a:latin typeface="华文楷体" panose="02010600040101010101" pitchFamily="2" charset="-122"/>
                 <a:ea typeface="华文楷体" panose="02010600040101010101" pitchFamily="2" charset="-122"/>
               </a:rPr>
-              <a:t>期末</a:t>
+              <a:t>任务成绩</a:t>
+            </a:r>
+            <a:r>
+              <a:rPr lang="en-US" altLang="zh-CN" sz="2800" b="1" kern="100" dirty="0" smtClean="0">
+                <a:solidFill>
+                  <a:srgbClr val="C00000"/>
+                </a:solidFill>
+                <a:latin typeface="华文楷体" panose="02010600040101010101" pitchFamily="2" charset="-122"/>
+                <a:ea typeface="华文楷体" panose="02010600040101010101" pitchFamily="2" charset="-122"/>
+              </a:rPr>
+              <a:t>=</a:t>
             </a:r>
             <a:r>
               <a:rPr lang="zh-CN" altLang="en-US" sz="2800" b="1" kern="100" dirty="0">
@@ -11598,75 +11525,55 @@
                 <a:latin typeface="华文楷体" panose="02010600040101010101" pitchFamily="2" charset="-122"/>
                 <a:ea typeface="华文楷体" panose="02010600040101010101" pitchFamily="2" charset="-122"/>
               </a:rPr>
-              <a:t>表现</a:t>
-            </a:r>
-            <a:r>
-              <a:rPr lang="zh-CN" altLang="en-US" sz="2800" b="1" kern="100" dirty="0" smtClean="0">
+              <a:t>课程作业</a:t>
+            </a:r>
+            <a:r>
+              <a:rPr lang="en-US" altLang="zh-CN" sz="2800" b="1" kern="100" dirty="0">
                 <a:solidFill>
                   <a:srgbClr val="C00000"/>
                 </a:solidFill>
                 <a:latin typeface="华文楷体" panose="02010600040101010101" pitchFamily="2" charset="-122"/>
                 <a:ea typeface="华文楷体" panose="02010600040101010101" pitchFamily="2" charset="-122"/>
               </a:rPr>
-              <a:t>成绩 </a:t>
-            </a:r>
-            <a:r>
-              <a:rPr lang="en-US" altLang="zh-CN" sz="2800" b="1" kern="100" dirty="0" smtClean="0">
+              <a:t>30%</a:t>
+            </a:r>
+            <a:r>
+              <a:rPr lang="zh-CN" altLang="en-US" sz="2800" b="1" kern="100" dirty="0">
                 <a:solidFill>
                   <a:srgbClr val="C00000"/>
                 </a:solidFill>
                 <a:latin typeface="华文楷体" panose="02010600040101010101" pitchFamily="2" charset="-122"/>
                 <a:ea typeface="华文楷体" panose="02010600040101010101" pitchFamily="2" charset="-122"/>
               </a:rPr>
-              <a:t>= </a:t>
-            </a:r>
-            <a:r>
-              <a:rPr lang="zh-CN" altLang="en-US" sz="2800" b="1" kern="100" dirty="0" smtClean="0">
+              <a:t>＋上机作业</a:t>
+            </a:r>
+            <a:r>
+              <a:rPr lang="en-US" altLang="zh-CN" sz="2800" b="1" kern="100" dirty="0">
                 <a:solidFill>
                   <a:srgbClr val="C00000"/>
                 </a:solidFill>
                 <a:latin typeface="华文楷体" panose="02010600040101010101" pitchFamily="2" charset="-122"/>
                 <a:ea typeface="华文楷体" panose="02010600040101010101" pitchFamily="2" charset="-122"/>
               </a:rPr>
-              <a:t>闭卷</a:t>
-            </a:r>
-            <a:r>
-              <a:rPr lang="zh-CN" altLang="en-US" sz="2800" b="1" kern="100" dirty="0">
-                <a:solidFill>
-                  <a:srgbClr val="C00000"/>
-                </a:solidFill>
-                <a:latin typeface="华文楷体" panose="02010600040101010101" pitchFamily="2" charset="-122"/>
-                <a:ea typeface="华文楷体" panose="02010600040101010101" pitchFamily="2" charset="-122"/>
-              </a:rPr>
-              <a:t>考试成绩</a:t>
-            </a:r>
-            <a:endParaRPr kumimoji="0" lang="zh-CN" altLang="zh-CN" sz="1600" b="1" i="0" u="none" strike="noStrike" kern="100" cap="none" spc="0" normalizeH="0" baseline="0" noProof="0" dirty="0">
-              <a:ln>
-                <a:noFill/>
-              </a:ln>
-              <a:solidFill>
-                <a:srgbClr val="000000"/>
-              </a:solidFill>
-              <a:effectLst/>
-              <a:uLnTx/>
-              <a:uFillTx/>
+              <a:t>30%</a:t>
+            </a:r>
+            <a:endParaRPr lang="zh-CN" altLang="zh-CN" sz="1600" b="1" kern="100" dirty="0">
               <a:latin typeface="华文楷体" panose="02010600040101010101" pitchFamily="2" charset="-122"/>
               <a:ea typeface="华文楷体" panose="02010600040101010101" pitchFamily="2" charset="-122"/>
-              <a:cs typeface="+mn-cs"/>
             </a:endParaRPr>
           </a:p>
         </p:txBody>
       </p:sp>
       <p:sp>
         <p:nvSpPr>
-          <p:cNvPr id="9" name="矩形 8"/>
+          <p:cNvPr id="6" name="矩形 5"/>
           <p:cNvSpPr/>
           <p:nvPr/>
         </p:nvSpPr>
         <p:spPr>
           <a:xfrm>
-            <a:off x="466676" y="3099458"/>
-            <a:ext cx="7633716" cy="2062103"/>
+            <a:off x="539552" y="2886303"/>
+            <a:ext cx="7632848" cy="2831544"/>
           </a:xfrm>
           <a:prstGeom prst="rect">
             <a:avLst/>
@@ -11678,33 +11585,139 @@
           </a:bodyPr>
           <a:lstStyle/>
           <a:p>
-            <a:pPr marL="457200" indent="-457200" algn="just">
-              <a:spcAft>
+            <a:r>
+              <a:rPr lang="zh-CN" altLang="en-US" sz="2000" b="1" kern="100" dirty="0">
+                <a:latin typeface="华文楷体" panose="02010600040101010101" pitchFamily="2" charset="-122"/>
+                <a:ea typeface="华文楷体" panose="02010600040101010101" pitchFamily="2" charset="-122"/>
+              </a:rPr>
+              <a:t>上机作业</a:t>
+            </a:r>
+            <a:r>
+              <a:rPr lang="zh-CN" altLang="zh-CN" sz="2000" b="1" dirty="0" smtClean="0">
+                <a:latin typeface="华文楷体" panose="02010600040101010101" pitchFamily="2" charset="-122"/>
+                <a:ea typeface="华文楷体" panose="02010600040101010101" pitchFamily="2" charset="-122"/>
+              </a:rPr>
+              <a:t>（</a:t>
+            </a:r>
+            <a:r>
+              <a:rPr lang="en-US" altLang="zh-CN" sz="2000" b="1" dirty="0" smtClean="0">
+                <a:latin typeface="华文楷体" panose="02010600040101010101" pitchFamily="2" charset="-122"/>
+                <a:ea typeface="华文楷体" panose="02010600040101010101" pitchFamily="2" charset="-122"/>
+              </a:rPr>
+              <a:t>8</a:t>
+            </a:r>
+            <a:r>
+              <a:rPr lang="zh-CN" altLang="zh-CN" sz="2000" b="1" dirty="0" smtClean="0">
+                <a:latin typeface="华文楷体" panose="02010600040101010101" pitchFamily="2" charset="-122"/>
+                <a:ea typeface="华文楷体" panose="02010600040101010101" pitchFamily="2" charset="-122"/>
+              </a:rPr>
+              <a:t>次</a:t>
+            </a:r>
+            <a:r>
+              <a:rPr lang="zh-CN" altLang="zh-CN" sz="2000" dirty="0">
+                <a:latin typeface="华文楷体" panose="02010600040101010101" pitchFamily="2" charset="-122"/>
+                <a:ea typeface="华文楷体" panose="02010600040101010101" pitchFamily="2" charset="-122"/>
+              </a:rPr>
+              <a:t>）</a:t>
+            </a:r>
+            <a:r>
+              <a:rPr lang="en-US" altLang="zh-CN" sz="2000" dirty="0">
+                <a:latin typeface="华文楷体" panose="02010600040101010101" pitchFamily="2" charset="-122"/>
+                <a:ea typeface="华文楷体" panose="02010600040101010101" pitchFamily="2" charset="-122"/>
+              </a:rPr>
+              <a:t>   </a:t>
+            </a:r>
+            <a:endParaRPr lang="zh-CN" altLang="zh-CN" sz="2000" dirty="0">
+              <a:latin typeface="华文楷体" panose="02010600040101010101" pitchFamily="2" charset="-122"/>
+              <a:ea typeface="华文楷体" panose="02010600040101010101" pitchFamily="2" charset="-122"/>
+            </a:endParaRPr>
+          </a:p>
+          <a:p>
+            <a:pPr marL="280988" lvl="0" indent="-280988" algn="just" fontAlgn="auto">
+              <a:spcBef>
                 <a:spcPts val="0"/>
-              </a:spcAft>
-              <a:buFont typeface="Wingdings" panose="05000000000000000000" pitchFamily="2" charset="2"/>
-              <a:buChar char="u"/>
+              </a:spcBef>
+              <a:spcAft>
+                <a:spcPts val="0"/>
+              </a:spcAft>
+              <a:buClr>
+                <a:srgbClr val="004181"/>
+              </a:buClr>
+              <a:buFont typeface="Wingdings" pitchFamily="2" charset="2"/>
+              <a:buChar char="v"/>
             </a:pPr>
-            <a:r>
-              <a:rPr lang="zh-CN" altLang="zh-CN" sz="2800" b="1" kern="100" dirty="0">
-                <a:solidFill>
-                  <a:srgbClr val="C00000"/>
-                </a:solidFill>
-                <a:latin typeface="华文楷体" panose="02010600040101010101" pitchFamily="2" charset="-122"/>
-                <a:ea typeface="华文楷体" panose="02010600040101010101" pitchFamily="2" charset="-122"/>
-              </a:rPr>
-              <a:t>奖励得分</a:t>
-            </a:r>
-          </a:p>
-          <a:p>
-            <a:pPr marL="457200" indent="-457200" algn="just">
-              <a:spcAft>
+            <a:endParaRPr lang="en-US" altLang="zh-CN" dirty="0" smtClean="0">
+              <a:latin typeface="华文楷体" panose="02010600040101010101" pitchFamily="2" charset="-122"/>
+              <a:ea typeface="华文楷体" panose="02010600040101010101" pitchFamily="2" charset="-122"/>
+            </a:endParaRPr>
+          </a:p>
+          <a:p>
+            <a:pPr marL="342900" lvl="0" indent="-342900" algn="just" fontAlgn="auto">
+              <a:spcBef>
                 <a:spcPts val="0"/>
-              </a:spcAft>
+              </a:spcBef>
+              <a:spcAft>
+                <a:spcPts val="0"/>
+              </a:spcAft>
+              <a:buClr>
+                <a:srgbClr val="004181"/>
+              </a:buClr>
               <a:buFont typeface="+mj-lt"/>
               <a:buAutoNum type="arabicPeriod"/>
             </a:pPr>
-            <a:endParaRPr lang="en-US" altLang="zh-CN" sz="2000" b="1" kern="100" dirty="0" smtClean="0">
+            <a:r>
+              <a:rPr lang="zh-CN" altLang="en-US" sz="2000" dirty="0" smtClean="0">
+                <a:solidFill>
+                  <a:schemeClr val="tx1">
+                    <a:lumMod val="95000"/>
+                    <a:lumOff val="5000"/>
+                  </a:schemeClr>
+                </a:solidFill>
+                <a:latin typeface="华文楷体" panose="02010600040101010101" pitchFamily="2" charset="-122"/>
+                <a:ea typeface="华文楷体" panose="02010600040101010101" pitchFamily="2" charset="-122"/>
+              </a:rPr>
+              <a:t>通过</a:t>
+            </a:r>
+            <a:r>
+              <a:rPr lang="en-US" altLang="zh-CN" sz="2000" dirty="0">
+                <a:solidFill>
+                  <a:schemeClr val="tx1">
+                    <a:lumMod val="95000"/>
+                    <a:lumOff val="5000"/>
+                  </a:schemeClr>
+                </a:solidFill>
+                <a:latin typeface="华文楷体" panose="02010600040101010101" pitchFamily="2" charset="-122"/>
+                <a:ea typeface="华文楷体" panose="02010600040101010101" pitchFamily="2" charset="-122"/>
+              </a:rPr>
+              <a:t>OUC Online Judge</a:t>
+            </a:r>
+            <a:r>
+              <a:rPr lang="zh-CN" altLang="en-US" sz="2000" dirty="0">
+                <a:solidFill>
+                  <a:schemeClr val="tx1">
+                    <a:lumMod val="95000"/>
+                    <a:lumOff val="5000"/>
+                  </a:schemeClr>
+                </a:solidFill>
+                <a:latin typeface="华文楷体" panose="02010600040101010101" pitchFamily="2" charset="-122"/>
+                <a:ea typeface="华文楷体" panose="02010600040101010101" pitchFamily="2" charset="-122"/>
+              </a:rPr>
+              <a:t>自动评测系统评测，无需提交报告</a:t>
+            </a:r>
+            <a:r>
+              <a:rPr lang="zh-CN" altLang="en-US" sz="2000" dirty="0" smtClean="0">
+                <a:solidFill>
+                  <a:schemeClr val="tx1">
+                    <a:lumMod val="95000"/>
+                    <a:lumOff val="5000"/>
+                  </a:schemeClr>
+                </a:solidFill>
+                <a:latin typeface="华文楷体" panose="02010600040101010101" pitchFamily="2" charset="-122"/>
+                <a:ea typeface="华文楷体" panose="02010600040101010101" pitchFamily="2" charset="-122"/>
+              </a:rPr>
+              <a:t>。</a:t>
+            </a:r>
+            <a:endParaRPr lang="en-US" altLang="zh-CN" sz="2000" dirty="0" smtClean="0">
               <a:solidFill>
                 <a:schemeClr val="tx1">
                   <a:lumMod val="95000"/>
@@ -11716,105 +11729,20 @@
             </a:endParaRPr>
           </a:p>
           <a:p>
-            <a:pPr marL="457200" indent="-457200" algn="just">
-              <a:spcAft>
+            <a:pPr marL="342900" lvl="0" indent="-342900" algn="just" fontAlgn="auto">
+              <a:spcBef>
                 <a:spcPts val="0"/>
-              </a:spcAft>
+              </a:spcBef>
+              <a:spcAft>
+                <a:spcPts val="0"/>
+              </a:spcAft>
+              <a:buClr>
+                <a:srgbClr val="004181"/>
+              </a:buClr>
               <a:buFont typeface="+mj-lt"/>
               <a:buAutoNum type="arabicPeriod"/>
             </a:pPr>
-            <a:r>
-              <a:rPr lang="zh-CN" altLang="zh-CN" sz="2000" kern="100" dirty="0" smtClean="0">
-                <a:solidFill>
-                  <a:schemeClr val="tx1">
-                    <a:lumMod val="95000"/>
-                    <a:lumOff val="5000"/>
-                  </a:schemeClr>
-                </a:solidFill>
-                <a:latin typeface="华文楷体" panose="02010600040101010101" pitchFamily="2" charset="-122"/>
-                <a:ea typeface="华文楷体" panose="02010600040101010101" pitchFamily="2" charset="-122"/>
-              </a:rPr>
-              <a:t>加</a:t>
-            </a:r>
-            <a:r>
-              <a:rPr lang="zh-CN" altLang="zh-CN" sz="2000" kern="100" dirty="0">
-                <a:solidFill>
-                  <a:schemeClr val="tx1">
-                    <a:lumMod val="95000"/>
-                    <a:lumOff val="5000"/>
-                  </a:schemeClr>
-                </a:solidFill>
-                <a:latin typeface="华文楷体" panose="02010600040101010101" pitchFamily="2" charset="-122"/>
-                <a:ea typeface="华文楷体" panose="02010600040101010101" pitchFamily="2" charset="-122"/>
-              </a:rPr>
-              <a:t>总成绩</a:t>
-            </a:r>
-            <a:r>
-              <a:rPr lang="en-US" altLang="zh-CN" sz="2000" kern="100" dirty="0">
-                <a:solidFill>
-                  <a:schemeClr val="tx1">
-                    <a:lumMod val="95000"/>
-                    <a:lumOff val="5000"/>
-                  </a:schemeClr>
-                </a:solidFill>
-                <a:latin typeface="华文楷体" panose="02010600040101010101" pitchFamily="2" charset="-122"/>
-                <a:ea typeface="华文楷体" panose="02010600040101010101" pitchFamily="2" charset="-122"/>
-              </a:rPr>
-              <a:t>2</a:t>
-            </a:r>
-            <a:r>
-              <a:rPr lang="zh-CN" altLang="zh-CN" sz="2000" kern="100" dirty="0">
-                <a:solidFill>
-                  <a:schemeClr val="tx1">
-                    <a:lumMod val="95000"/>
-                    <a:lumOff val="5000"/>
-                  </a:schemeClr>
-                </a:solidFill>
-                <a:latin typeface="华文楷体" panose="02010600040101010101" pitchFamily="2" charset="-122"/>
-                <a:ea typeface="华文楷体" panose="02010600040101010101" pitchFamily="2" charset="-122"/>
-              </a:rPr>
-              <a:t>分</a:t>
-            </a:r>
-            <a:r>
-              <a:rPr lang="en-US" altLang="zh-CN" sz="2000" kern="100" dirty="0">
-                <a:solidFill>
-                  <a:schemeClr val="tx1">
-                    <a:lumMod val="95000"/>
-                    <a:lumOff val="5000"/>
-                  </a:schemeClr>
-                </a:solidFill>
-                <a:latin typeface="华文楷体" panose="02010600040101010101" pitchFamily="2" charset="-122"/>
-                <a:ea typeface="华文楷体" panose="02010600040101010101" pitchFamily="2" charset="-122"/>
-              </a:rPr>
-              <a:t>/</a:t>
-            </a:r>
-            <a:r>
-              <a:rPr lang="zh-CN" altLang="zh-CN" sz="2000" kern="100" dirty="0">
-                <a:solidFill>
-                  <a:schemeClr val="tx1">
-                    <a:lumMod val="95000"/>
-                    <a:lumOff val="5000"/>
-                  </a:schemeClr>
-                </a:solidFill>
-                <a:latin typeface="华文楷体" panose="02010600040101010101" pitchFamily="2" charset="-122"/>
-                <a:ea typeface="华文楷体" panose="02010600040101010101" pitchFamily="2" charset="-122"/>
-              </a:rPr>
-              <a:t>次且累计加分，如主动组织某个课程相关的主题讨论等</a:t>
-            </a:r>
-            <a:r>
-              <a:rPr lang="zh-CN" altLang="zh-CN" sz="2000" kern="100" dirty="0" smtClean="0">
-                <a:solidFill>
-                  <a:schemeClr val="tx1">
-                    <a:lumMod val="95000"/>
-                    <a:lumOff val="5000"/>
-                  </a:schemeClr>
-                </a:solidFill>
-                <a:latin typeface="华文楷体" panose="02010600040101010101" pitchFamily="2" charset="-122"/>
-                <a:ea typeface="华文楷体" panose="02010600040101010101" pitchFamily="2" charset="-122"/>
-              </a:rPr>
-              <a:t>。</a:t>
-            </a:r>
-            <a:endParaRPr lang="en-US" altLang="zh-CN" sz="2000" kern="100" dirty="0" smtClean="0">
+            <a:endParaRPr lang="zh-CN" altLang="en-US" sz="2000" dirty="0">
               <a:solidFill>
                 <a:schemeClr val="tx1">
                   <a:lumMod val="95000"/>
@@ -11826,14 +11754,111 @@
             </a:endParaRPr>
           </a:p>
           <a:p>
-            <a:pPr marL="457200" indent="-457200" algn="just">
-              <a:spcAft>
+            <a:pPr marL="342900" lvl="0" indent="-342900" algn="just" fontAlgn="auto">
+              <a:spcBef>
                 <a:spcPts val="0"/>
-              </a:spcAft>
+              </a:spcBef>
+              <a:spcAft>
+                <a:spcPts val="0"/>
+              </a:spcAft>
+              <a:buClr>
+                <a:srgbClr val="004181"/>
+              </a:buClr>
               <a:buFont typeface="+mj-lt"/>
               <a:buAutoNum type="arabicPeriod"/>
             </a:pPr>
-            <a:endParaRPr lang="zh-CN" altLang="zh-CN" sz="2000" kern="100" dirty="0">
+            <a:r>
+              <a:rPr lang="zh-CN" altLang="en-US" sz="2000" dirty="0" smtClean="0">
+                <a:solidFill>
+                  <a:schemeClr val="tx1">
+                    <a:lumMod val="95000"/>
+                    <a:lumOff val="5000"/>
+                  </a:schemeClr>
+                </a:solidFill>
+                <a:latin typeface="华文楷体" panose="02010600040101010101" pitchFamily="2" charset="-122"/>
+                <a:ea typeface="华文楷体" panose="02010600040101010101" pitchFamily="2" charset="-122"/>
+              </a:rPr>
+              <a:t>每次</a:t>
+            </a:r>
+            <a:r>
+              <a:rPr lang="zh-CN" altLang="en-US" sz="2000" dirty="0">
+                <a:solidFill>
+                  <a:schemeClr val="tx1">
+                    <a:lumMod val="95000"/>
+                    <a:lumOff val="5000"/>
+                  </a:schemeClr>
+                </a:solidFill>
+                <a:latin typeface="华文楷体" panose="02010600040101010101" pitchFamily="2" charset="-122"/>
+                <a:ea typeface="华文楷体" panose="02010600040101010101" pitchFamily="2" charset="-122"/>
+              </a:rPr>
+              <a:t>上机作业会有</a:t>
+            </a:r>
+            <a:r>
+              <a:rPr lang="en-US" altLang="zh-CN" sz="2000" dirty="0">
+                <a:solidFill>
+                  <a:schemeClr val="tx1">
+                    <a:lumMod val="95000"/>
+                    <a:lumOff val="5000"/>
+                  </a:schemeClr>
+                </a:solidFill>
+                <a:latin typeface="华文楷体" panose="02010600040101010101" pitchFamily="2" charset="-122"/>
+                <a:ea typeface="华文楷体" panose="02010600040101010101" pitchFamily="2" charset="-122"/>
+              </a:rPr>
+              <a:t>4</a:t>
+            </a:r>
+            <a:r>
+              <a:rPr lang="zh-CN" altLang="en-US" sz="2000" dirty="0">
+                <a:solidFill>
+                  <a:schemeClr val="tx1">
+                    <a:lumMod val="95000"/>
+                    <a:lumOff val="5000"/>
+                  </a:schemeClr>
+                </a:solidFill>
+                <a:latin typeface="华文楷体" panose="02010600040101010101" pitchFamily="2" charset="-122"/>
+                <a:ea typeface="华文楷体" panose="02010600040101010101" pitchFamily="2" charset="-122"/>
+              </a:rPr>
+              <a:t>～</a:t>
+            </a:r>
+            <a:r>
+              <a:rPr lang="en-US" altLang="zh-CN" sz="2000" dirty="0">
+                <a:solidFill>
+                  <a:schemeClr val="tx1">
+                    <a:lumMod val="95000"/>
+                    <a:lumOff val="5000"/>
+                  </a:schemeClr>
+                </a:solidFill>
+                <a:latin typeface="华文楷体" panose="02010600040101010101" pitchFamily="2" charset="-122"/>
+                <a:ea typeface="华文楷体" panose="02010600040101010101" pitchFamily="2" charset="-122"/>
+              </a:rPr>
+              <a:t>6</a:t>
+            </a:r>
+            <a:r>
+              <a:rPr lang="zh-CN" altLang="en-US" sz="2000" dirty="0">
+                <a:solidFill>
+                  <a:schemeClr val="tx1">
+                    <a:lumMod val="95000"/>
+                    <a:lumOff val="5000"/>
+                  </a:schemeClr>
+                </a:solidFill>
+                <a:latin typeface="华文楷体" panose="02010600040101010101" pitchFamily="2" charset="-122"/>
+                <a:ea typeface="华文楷体" panose="02010600040101010101" pitchFamily="2" charset="-122"/>
+              </a:rPr>
+              <a:t>道习题，请及时完成上传，上机作业不接受补交</a:t>
+            </a:r>
+            <a:r>
+              <a:rPr lang="zh-CN" altLang="en-US" sz="2000" dirty="0" smtClean="0">
+                <a:solidFill>
+                  <a:schemeClr val="tx1">
+                    <a:lumMod val="95000"/>
+                    <a:lumOff val="5000"/>
+                  </a:schemeClr>
+                </a:solidFill>
+                <a:latin typeface="华文楷体" panose="02010600040101010101" pitchFamily="2" charset="-122"/>
+                <a:ea typeface="华文楷体" panose="02010600040101010101" pitchFamily="2" charset="-122"/>
+              </a:rPr>
+              <a:t>。</a:t>
+            </a:r>
+            <a:endParaRPr lang="en-US" altLang="zh-CN" sz="2000" dirty="0" smtClean="0">
               <a:solidFill>
                 <a:schemeClr val="tx1">
                   <a:lumMod val="95000"/>
@@ -11845,144 +11870,20 @@
             </a:endParaRPr>
           </a:p>
           <a:p>
-            <a:pPr marL="457200" indent="-457200" algn="just">
-              <a:spcAft>
+            <a:pPr marL="342900" lvl="0" indent="-342900" algn="just" fontAlgn="auto">
+              <a:spcBef>
                 <a:spcPts val="0"/>
-              </a:spcAft>
+              </a:spcBef>
+              <a:spcAft>
+                <a:spcPts val="0"/>
+              </a:spcAft>
+              <a:buClr>
+                <a:srgbClr val="004181"/>
+              </a:buClr>
               <a:buFont typeface="+mj-lt"/>
               <a:buAutoNum type="arabicPeriod"/>
             </a:pPr>
-            <a:r>
-              <a:rPr lang="zh-CN" altLang="zh-CN" sz="2000" kern="100" dirty="0">
-                <a:solidFill>
-                  <a:schemeClr val="tx1">
-                    <a:lumMod val="95000"/>
-                    <a:lumOff val="5000"/>
-                  </a:schemeClr>
-                </a:solidFill>
-                <a:latin typeface="华文楷体" panose="02010600040101010101" pitchFamily="2" charset="-122"/>
-                <a:ea typeface="华文楷体" panose="02010600040101010101" pitchFamily="2" charset="-122"/>
-              </a:rPr>
-              <a:t>加总成绩</a:t>
-            </a:r>
-            <a:r>
-              <a:rPr lang="en-US" altLang="zh-CN" sz="2000" kern="100" dirty="0">
-                <a:solidFill>
-                  <a:schemeClr val="tx1">
-                    <a:lumMod val="95000"/>
-                    <a:lumOff val="5000"/>
-                  </a:schemeClr>
-                </a:solidFill>
-                <a:latin typeface="华文楷体" panose="02010600040101010101" pitchFamily="2" charset="-122"/>
-                <a:ea typeface="华文楷体" panose="02010600040101010101" pitchFamily="2" charset="-122"/>
-              </a:rPr>
-              <a:t>5</a:t>
-            </a:r>
-            <a:r>
-              <a:rPr lang="zh-CN" altLang="zh-CN" sz="2000" kern="100" dirty="0">
-                <a:solidFill>
-                  <a:schemeClr val="tx1">
-                    <a:lumMod val="95000"/>
-                    <a:lumOff val="5000"/>
-                  </a:schemeClr>
-                </a:solidFill>
-                <a:latin typeface="华文楷体" panose="02010600040101010101" pitchFamily="2" charset="-122"/>
-                <a:ea typeface="华文楷体" panose="02010600040101010101" pitchFamily="2" charset="-122"/>
-              </a:rPr>
-              <a:t>分</a:t>
-            </a:r>
-            <a:r>
-              <a:rPr lang="en-US" altLang="zh-CN" sz="2000" kern="100" dirty="0">
-                <a:solidFill>
-                  <a:schemeClr val="tx1">
-                    <a:lumMod val="95000"/>
-                    <a:lumOff val="5000"/>
-                  </a:schemeClr>
-                </a:solidFill>
-                <a:latin typeface="华文楷体" panose="02010600040101010101" pitchFamily="2" charset="-122"/>
-                <a:ea typeface="华文楷体" panose="02010600040101010101" pitchFamily="2" charset="-122"/>
-              </a:rPr>
-              <a:t>/</a:t>
-            </a:r>
-            <a:r>
-              <a:rPr lang="zh-CN" altLang="zh-CN" sz="2000" kern="100" dirty="0">
-                <a:solidFill>
-                  <a:schemeClr val="tx1">
-                    <a:lumMod val="95000"/>
-                    <a:lumOff val="5000"/>
-                  </a:schemeClr>
-                </a:solidFill>
-                <a:latin typeface="华文楷体" panose="02010600040101010101" pitchFamily="2" charset="-122"/>
-                <a:ea typeface="华文楷体" panose="02010600040101010101" pitchFamily="2" charset="-122"/>
-              </a:rPr>
-              <a:t>次且累计加分</a:t>
-            </a:r>
-            <a:r>
-              <a:rPr lang="zh-CN" altLang="zh-CN" sz="2000" kern="100" dirty="0" smtClean="0">
-                <a:solidFill>
-                  <a:schemeClr val="tx1">
-                    <a:lumMod val="95000"/>
-                    <a:lumOff val="5000"/>
-                  </a:schemeClr>
-                </a:solidFill>
-                <a:latin typeface="华文楷体" panose="02010600040101010101" pitchFamily="2" charset="-122"/>
-                <a:ea typeface="华文楷体" panose="02010600040101010101" pitchFamily="2" charset="-122"/>
-              </a:rPr>
-              <a:t>，</a:t>
-            </a:r>
-            <a:r>
-              <a:rPr lang="zh-CN" altLang="en-US" sz="2000" kern="100" dirty="0" smtClean="0">
-                <a:solidFill>
-                  <a:schemeClr val="tx1">
-                    <a:lumMod val="95000"/>
-                    <a:lumOff val="5000"/>
-                  </a:schemeClr>
-                </a:solidFill>
-                <a:latin typeface="华文楷体" panose="02010600040101010101" pitchFamily="2" charset="-122"/>
-                <a:ea typeface="华文楷体" panose="02010600040101010101" pitchFamily="2" charset="-122"/>
-              </a:rPr>
-              <a:t>如</a:t>
-            </a:r>
-            <a:r>
-              <a:rPr lang="zh-CN" altLang="zh-CN" sz="2000" kern="100" dirty="0" smtClean="0">
-                <a:solidFill>
-                  <a:schemeClr val="tx1">
-                    <a:lumMod val="95000"/>
-                    <a:lumOff val="5000"/>
-                  </a:schemeClr>
-                </a:solidFill>
-                <a:latin typeface="华文楷体" panose="02010600040101010101" pitchFamily="2" charset="-122"/>
-                <a:ea typeface="华文楷体" panose="02010600040101010101" pitchFamily="2" charset="-122"/>
-              </a:rPr>
-              <a:t>课程</a:t>
-            </a:r>
-            <a:r>
-              <a:rPr lang="zh-CN" altLang="zh-CN" sz="2000" kern="100" dirty="0">
-                <a:solidFill>
-                  <a:schemeClr val="tx1">
-                    <a:lumMod val="95000"/>
-                    <a:lumOff val="5000"/>
-                  </a:schemeClr>
-                </a:solidFill>
-                <a:latin typeface="华文楷体" panose="02010600040101010101" pitchFamily="2" charset="-122"/>
-                <a:ea typeface="华文楷体" panose="02010600040101010101" pitchFamily="2" charset="-122"/>
-              </a:rPr>
-              <a:t>作业被评为优秀</a:t>
-            </a:r>
-            <a:r>
-              <a:rPr lang="zh-CN" altLang="zh-CN" sz="2000" kern="100" dirty="0" smtClean="0">
-                <a:solidFill>
-                  <a:schemeClr val="tx1">
-                    <a:lumMod val="95000"/>
-                    <a:lumOff val="5000"/>
-                  </a:schemeClr>
-                </a:solidFill>
-                <a:latin typeface="华文楷体" panose="02010600040101010101" pitchFamily="2" charset="-122"/>
-                <a:ea typeface="华文楷体" panose="02010600040101010101" pitchFamily="2" charset="-122"/>
-              </a:rPr>
-              <a:t>作业。</a:t>
-            </a:r>
-            <a:endParaRPr lang="zh-CN" altLang="zh-CN" sz="2000" kern="100" dirty="0">
+            <a:endParaRPr lang="zh-CN" altLang="en-US" sz="2000" dirty="0">
               <a:solidFill>
                 <a:schemeClr val="tx1">
                   <a:lumMod val="95000"/>
@@ -11993,12 +11894,336 @@
               <a:ea typeface="华文楷体" panose="02010600040101010101" pitchFamily="2" charset="-122"/>
             </a:endParaRPr>
           </a:p>
+          <a:p>
+            <a:pPr marL="342900" lvl="0" indent="-342900" algn="just" fontAlgn="auto">
+              <a:spcBef>
+                <a:spcPts val="0"/>
+              </a:spcBef>
+              <a:spcAft>
+                <a:spcPts val="0"/>
+              </a:spcAft>
+              <a:buClr>
+                <a:srgbClr val="004181"/>
+              </a:buClr>
+              <a:buFont typeface="+mj-lt"/>
+              <a:buAutoNum type="arabicPeriod"/>
+            </a:pPr>
+            <a:r>
+              <a:rPr lang="zh-CN" altLang="en-US" sz="2000" dirty="0" smtClean="0">
+                <a:solidFill>
+                  <a:schemeClr val="tx1">
+                    <a:lumMod val="95000"/>
+                    <a:lumOff val="5000"/>
+                  </a:schemeClr>
+                </a:solidFill>
+                <a:latin typeface="华文楷体" panose="02010600040101010101" pitchFamily="2" charset="-122"/>
+                <a:ea typeface="华文楷体" panose="02010600040101010101" pitchFamily="2" charset="-122"/>
+              </a:rPr>
+              <a:t>每次</a:t>
+            </a:r>
+            <a:r>
+              <a:rPr lang="zh-CN" altLang="en-US" sz="2000" dirty="0">
+                <a:solidFill>
+                  <a:schemeClr val="tx1">
+                    <a:lumMod val="95000"/>
+                    <a:lumOff val="5000"/>
+                  </a:schemeClr>
+                </a:solidFill>
+                <a:latin typeface="华文楷体" panose="02010600040101010101" pitchFamily="2" charset="-122"/>
+                <a:ea typeface="华文楷体" panose="02010600040101010101" pitchFamily="2" charset="-122"/>
+              </a:rPr>
+              <a:t>上机的成绩：前</a:t>
+            </a:r>
+            <a:r>
+              <a:rPr lang="en-US" altLang="zh-CN" sz="2000" dirty="0">
+                <a:solidFill>
+                  <a:schemeClr val="tx1">
+                    <a:lumMod val="95000"/>
+                    <a:lumOff val="5000"/>
+                  </a:schemeClr>
+                </a:solidFill>
+                <a:latin typeface="华文楷体" panose="02010600040101010101" pitchFamily="2" charset="-122"/>
+                <a:ea typeface="华文楷体" panose="02010600040101010101" pitchFamily="2" charset="-122"/>
+              </a:rPr>
+              <a:t>5</a:t>
+            </a:r>
+            <a:r>
+              <a:rPr lang="zh-CN" altLang="en-US" sz="2000" dirty="0">
+                <a:solidFill>
+                  <a:schemeClr val="tx1">
+                    <a:lumMod val="95000"/>
+                    <a:lumOff val="5000"/>
+                  </a:schemeClr>
+                </a:solidFill>
+                <a:latin typeface="华文楷体" panose="02010600040101010101" pitchFamily="2" charset="-122"/>
+                <a:ea typeface="华文楷体" panose="02010600040101010101" pitchFamily="2" charset="-122"/>
+              </a:rPr>
+              <a:t>名</a:t>
+            </a:r>
+            <a:r>
+              <a:rPr lang="en-US" altLang="zh-CN" sz="2000" dirty="0">
+                <a:solidFill>
+                  <a:schemeClr val="tx1">
+                    <a:lumMod val="95000"/>
+                    <a:lumOff val="5000"/>
+                  </a:schemeClr>
+                </a:solidFill>
+                <a:latin typeface="华文楷体" panose="02010600040101010101" pitchFamily="2" charset="-122"/>
+                <a:ea typeface="华文楷体" panose="02010600040101010101" pitchFamily="2" charset="-122"/>
+              </a:rPr>
+              <a:t>100</a:t>
+            </a:r>
+            <a:r>
+              <a:rPr lang="zh-CN" altLang="en-US" sz="2000" dirty="0">
+                <a:solidFill>
+                  <a:schemeClr val="tx1">
+                    <a:lumMod val="95000"/>
+                    <a:lumOff val="5000"/>
+                  </a:schemeClr>
+                </a:solidFill>
+                <a:latin typeface="华文楷体" panose="02010600040101010101" pitchFamily="2" charset="-122"/>
+                <a:ea typeface="华文楷体" panose="02010600040101010101" pitchFamily="2" charset="-122"/>
+              </a:rPr>
+              <a:t>分，</a:t>
+            </a:r>
+            <a:r>
+              <a:rPr lang="en-US" altLang="zh-CN" sz="2000" dirty="0">
+                <a:solidFill>
+                  <a:schemeClr val="tx1">
+                    <a:lumMod val="95000"/>
+                    <a:lumOff val="5000"/>
+                  </a:schemeClr>
+                </a:solidFill>
+                <a:latin typeface="华文楷体" panose="02010600040101010101" pitchFamily="2" charset="-122"/>
+                <a:ea typeface="华文楷体" panose="02010600040101010101" pitchFamily="2" charset="-122"/>
+              </a:rPr>
+              <a:t>5-15</a:t>
+            </a:r>
+            <a:r>
+              <a:rPr lang="zh-CN" altLang="en-US" sz="2000" dirty="0">
+                <a:solidFill>
+                  <a:schemeClr val="tx1">
+                    <a:lumMod val="95000"/>
+                    <a:lumOff val="5000"/>
+                  </a:schemeClr>
+                </a:solidFill>
+                <a:latin typeface="华文楷体" panose="02010600040101010101" pitchFamily="2" charset="-122"/>
+                <a:ea typeface="华文楷体" panose="02010600040101010101" pitchFamily="2" charset="-122"/>
+              </a:rPr>
+              <a:t>名</a:t>
+            </a:r>
+            <a:r>
+              <a:rPr lang="en-US" altLang="zh-CN" sz="2000" dirty="0">
+                <a:solidFill>
+                  <a:schemeClr val="tx1">
+                    <a:lumMod val="95000"/>
+                    <a:lumOff val="5000"/>
+                  </a:schemeClr>
+                </a:solidFill>
+                <a:latin typeface="华文楷体" panose="02010600040101010101" pitchFamily="2" charset="-122"/>
+                <a:ea typeface="华文楷体" panose="02010600040101010101" pitchFamily="2" charset="-122"/>
+              </a:rPr>
+              <a:t>90</a:t>
+            </a:r>
+            <a:r>
+              <a:rPr lang="zh-CN" altLang="en-US" sz="2000" dirty="0">
+                <a:solidFill>
+                  <a:schemeClr val="tx1">
+                    <a:lumMod val="95000"/>
+                    <a:lumOff val="5000"/>
+                  </a:schemeClr>
+                </a:solidFill>
+                <a:latin typeface="华文楷体" panose="02010600040101010101" pitchFamily="2" charset="-122"/>
+                <a:ea typeface="华文楷体" panose="02010600040101010101" pitchFamily="2" charset="-122"/>
+              </a:rPr>
+              <a:t>分，</a:t>
+            </a:r>
+            <a:r>
+              <a:rPr lang="en-US" altLang="zh-CN" sz="2000" dirty="0">
+                <a:solidFill>
+                  <a:schemeClr val="tx1">
+                    <a:lumMod val="95000"/>
+                    <a:lumOff val="5000"/>
+                  </a:schemeClr>
+                </a:solidFill>
+                <a:latin typeface="华文楷体" panose="02010600040101010101" pitchFamily="2" charset="-122"/>
+                <a:ea typeface="华文楷体" panose="02010600040101010101" pitchFamily="2" charset="-122"/>
+              </a:rPr>
+              <a:t>15-30</a:t>
+            </a:r>
+            <a:r>
+              <a:rPr lang="zh-CN" altLang="en-US" sz="2000" dirty="0">
+                <a:solidFill>
+                  <a:schemeClr val="tx1">
+                    <a:lumMod val="95000"/>
+                    <a:lumOff val="5000"/>
+                  </a:schemeClr>
+                </a:solidFill>
+                <a:latin typeface="华文楷体" panose="02010600040101010101" pitchFamily="2" charset="-122"/>
+                <a:ea typeface="华文楷体" panose="02010600040101010101" pitchFamily="2" charset="-122"/>
+              </a:rPr>
+              <a:t>名</a:t>
+            </a:r>
+            <a:r>
+              <a:rPr lang="en-US" altLang="zh-CN" sz="2000" dirty="0">
+                <a:solidFill>
+                  <a:schemeClr val="tx1">
+                    <a:lumMod val="95000"/>
+                    <a:lumOff val="5000"/>
+                  </a:schemeClr>
+                </a:solidFill>
+                <a:latin typeface="华文楷体" panose="02010600040101010101" pitchFamily="2" charset="-122"/>
+                <a:ea typeface="华文楷体" panose="02010600040101010101" pitchFamily="2" charset="-122"/>
+              </a:rPr>
+              <a:t>80</a:t>
+            </a:r>
+            <a:r>
+              <a:rPr lang="zh-CN" altLang="en-US" sz="2000" dirty="0">
+                <a:solidFill>
+                  <a:schemeClr val="tx1">
+                    <a:lumMod val="95000"/>
+                    <a:lumOff val="5000"/>
+                  </a:schemeClr>
+                </a:solidFill>
+                <a:latin typeface="华文楷体" panose="02010600040101010101" pitchFamily="2" charset="-122"/>
+                <a:ea typeface="华文楷体" panose="02010600040101010101" pitchFamily="2" charset="-122"/>
+              </a:rPr>
+              <a:t>分，</a:t>
+            </a:r>
+            <a:r>
+              <a:rPr lang="en-US" altLang="zh-CN" sz="2000" dirty="0">
+                <a:solidFill>
+                  <a:schemeClr val="tx1">
+                    <a:lumMod val="95000"/>
+                    <a:lumOff val="5000"/>
+                  </a:schemeClr>
+                </a:solidFill>
+                <a:latin typeface="华文楷体" panose="02010600040101010101" pitchFamily="2" charset="-122"/>
+                <a:ea typeface="华文楷体" panose="02010600040101010101" pitchFamily="2" charset="-122"/>
+              </a:rPr>
+              <a:t>30-50</a:t>
+            </a:r>
+            <a:r>
+              <a:rPr lang="zh-CN" altLang="en-US" sz="2000" dirty="0">
+                <a:solidFill>
+                  <a:schemeClr val="tx1">
+                    <a:lumMod val="95000"/>
+                    <a:lumOff val="5000"/>
+                  </a:schemeClr>
+                </a:solidFill>
+                <a:latin typeface="华文楷体" panose="02010600040101010101" pitchFamily="2" charset="-122"/>
+                <a:ea typeface="华文楷体" panose="02010600040101010101" pitchFamily="2" charset="-122"/>
+              </a:rPr>
+              <a:t>名</a:t>
+            </a:r>
+            <a:r>
+              <a:rPr lang="en-US" altLang="zh-CN" sz="2000" dirty="0">
+                <a:solidFill>
+                  <a:schemeClr val="tx1">
+                    <a:lumMod val="95000"/>
+                    <a:lumOff val="5000"/>
+                  </a:schemeClr>
+                </a:solidFill>
+                <a:latin typeface="华文楷体" panose="02010600040101010101" pitchFamily="2" charset="-122"/>
+                <a:ea typeface="华文楷体" panose="02010600040101010101" pitchFamily="2" charset="-122"/>
+              </a:rPr>
+              <a:t>70</a:t>
+            </a:r>
+            <a:r>
+              <a:rPr lang="zh-CN" altLang="en-US" sz="2000" dirty="0">
+                <a:solidFill>
+                  <a:schemeClr val="tx1">
+                    <a:lumMod val="95000"/>
+                    <a:lumOff val="5000"/>
+                  </a:schemeClr>
+                </a:solidFill>
+                <a:latin typeface="华文楷体" panose="02010600040101010101" pitchFamily="2" charset="-122"/>
+                <a:ea typeface="华文楷体" panose="02010600040101010101" pitchFamily="2" charset="-122"/>
+              </a:rPr>
+              <a:t>分，其他（完成</a:t>
+            </a:r>
+            <a:r>
+              <a:rPr lang="en-US" altLang="zh-CN" sz="2000" dirty="0">
+                <a:solidFill>
+                  <a:schemeClr val="tx1">
+                    <a:lumMod val="95000"/>
+                    <a:lumOff val="5000"/>
+                  </a:schemeClr>
+                </a:solidFill>
+                <a:latin typeface="华文楷体" panose="02010600040101010101" pitchFamily="2" charset="-122"/>
+                <a:ea typeface="华文楷体" panose="02010600040101010101" pitchFamily="2" charset="-122"/>
+              </a:rPr>
+              <a:t>60</a:t>
+            </a:r>
+            <a:r>
+              <a:rPr lang="zh-CN" altLang="en-US" sz="2000" dirty="0">
+                <a:solidFill>
+                  <a:schemeClr val="tx1">
+                    <a:lumMod val="95000"/>
+                    <a:lumOff val="5000"/>
+                  </a:schemeClr>
+                </a:solidFill>
+                <a:latin typeface="华文楷体" panose="02010600040101010101" pitchFamily="2" charset="-122"/>
+                <a:ea typeface="华文楷体" panose="02010600040101010101" pitchFamily="2" charset="-122"/>
+              </a:rPr>
+              <a:t>分，未完成</a:t>
+            </a:r>
+            <a:r>
+              <a:rPr lang="en-US" altLang="zh-CN" sz="2000" dirty="0">
+                <a:solidFill>
+                  <a:schemeClr val="tx1">
+                    <a:lumMod val="95000"/>
+                    <a:lumOff val="5000"/>
+                  </a:schemeClr>
+                </a:solidFill>
+                <a:latin typeface="华文楷体" panose="02010600040101010101" pitchFamily="2" charset="-122"/>
+                <a:ea typeface="华文楷体" panose="02010600040101010101" pitchFamily="2" charset="-122"/>
+              </a:rPr>
+              <a:t>0</a:t>
+            </a:r>
+            <a:r>
+              <a:rPr lang="zh-CN" altLang="en-US" sz="2000" dirty="0">
+                <a:solidFill>
+                  <a:schemeClr val="tx1">
+                    <a:lumMod val="95000"/>
+                    <a:lumOff val="5000"/>
+                  </a:schemeClr>
+                </a:solidFill>
+                <a:latin typeface="华文楷体" panose="02010600040101010101" pitchFamily="2" charset="-122"/>
+                <a:ea typeface="华文楷体" panose="02010600040101010101" pitchFamily="2" charset="-122"/>
+              </a:rPr>
+              <a:t>分</a:t>
+            </a:r>
+            <a:r>
+              <a:rPr lang="zh-CN" altLang="en-US" sz="2000" dirty="0" smtClean="0">
+                <a:solidFill>
+                  <a:schemeClr val="tx1">
+                    <a:lumMod val="95000"/>
+                    <a:lumOff val="5000"/>
+                  </a:schemeClr>
+                </a:solidFill>
+                <a:latin typeface="华文楷体" panose="02010600040101010101" pitchFamily="2" charset="-122"/>
+                <a:ea typeface="华文楷体" panose="02010600040101010101" pitchFamily="2" charset="-122"/>
+              </a:rPr>
+              <a:t>）。</a:t>
+            </a:r>
+            <a:endParaRPr lang="zh-CN" altLang="en-US" sz="2000" dirty="0">
+              <a:solidFill>
+                <a:schemeClr val="tx1">
+                  <a:lumMod val="95000"/>
+                  <a:lumOff val="5000"/>
+                </a:schemeClr>
+              </a:solidFill>
+              <a:latin typeface="华文楷体" panose="02010600040101010101" pitchFamily="2" charset="-122"/>
+              <a:ea typeface="华文楷体" panose="02010600040101010101" pitchFamily="2" charset="-122"/>
+            </a:endParaRPr>
+          </a:p>
         </p:txBody>
       </p:sp>
     </p:spTree>
     <p:extLst>
       <p:ext uri="{BB962C8B-B14F-4D97-AF65-F5344CB8AC3E}">
-        <p14:creationId xmlns:p14="http://schemas.microsoft.com/office/powerpoint/2010/main" val="3259753040"/>
+        <p14:creationId xmlns:p14="http://schemas.microsoft.com/office/powerpoint/2010/main" val="1800829290"/>
       </p:ext>
     </p:extLst>
   </p:cSld>
@@ -12020,9 +12245,88 @@
   <p:timing>
     <p:tnLst>
       <p:par>
-        <p:cTn id="1" dur="indefinite" restart="never" nodeType="tmRoot"/>
+        <p:cTn id="1" dur="indefinite" restart="never" nodeType="tmRoot">
+          <p:childTnLst>
+            <p:seq concurrent="1" nextAc="seek">
+              <p:cTn id="2" dur="indefinite" nodeType="mainSeq">
+                <p:childTnLst>
+                  <p:par>
+                    <p:cTn id="3" fill="hold">
+                      <p:stCondLst>
+                        <p:cond delay="indefinite"/>
+                      </p:stCondLst>
+                      <p:childTnLst>
+                        <p:par>
+                          <p:cTn id="4" fill="hold">
+                            <p:stCondLst>
+                              <p:cond delay="0"/>
+                            </p:stCondLst>
+                            <p:childTnLst>
+                              <p:par>
+                                <p:cTn id="5" presetID="10" presetClass="entr" presetSubtype="0" fill="hold" grpId="0" nodeType="clickEffect">
+                                  <p:stCondLst>
+                                    <p:cond delay="0"/>
+                                  </p:stCondLst>
+                                  <p:childTnLst>
+                                    <p:set>
+                                      <p:cBhvr>
+                                        <p:cTn id="6" dur="1" fill="hold">
+                                          <p:stCondLst>
+                                            <p:cond delay="0"/>
+                                          </p:stCondLst>
+                                        </p:cTn>
+                                        <p:tgtEl>
+                                          <p:spTgt spid="6"/>
+                                        </p:tgtEl>
+                                        <p:attrNameLst>
+                                          <p:attrName>style.visibility</p:attrName>
+                                        </p:attrNameLst>
+                                      </p:cBhvr>
+                                      <p:to>
+                                        <p:strVal val="visible"/>
+                                      </p:to>
+                                    </p:set>
+                                    <p:animEffect transition="in" filter="fade">
+                                      <p:cBhvr>
+                                        <p:cTn id="7" dur="500"/>
+                                        <p:tgtEl>
+                                          <p:spTgt spid="6"/>
+                                        </p:tgtEl>
+                                      </p:cBhvr>
+                                    </p:animEffect>
+                                  </p:childTnLst>
+                                </p:cTn>
+                              </p:par>
+                            </p:childTnLst>
+                          </p:cTn>
+                        </p:par>
+                      </p:childTnLst>
+                    </p:cTn>
+                  </p:par>
+                </p:childTnLst>
+              </p:cTn>
+              <p:prevCondLst>
+                <p:cond evt="onPrev" delay="0">
+                  <p:tgtEl>
+                    <p:sldTgt/>
+                  </p:tgtEl>
+                </p:cond>
+              </p:prevCondLst>
+              <p:nextCondLst>
+                <p:cond evt="onNext" delay="0">
+                  <p:tgtEl>
+                    <p:sldTgt/>
+                  </p:tgtEl>
+                </p:cond>
+              </p:nextCondLst>
+            </p:seq>
+          </p:childTnLst>
+        </p:cTn>
       </p:par>
     </p:tnLst>
+    <p:bldLst>
+      <p:bldP spid="6" grpId="0"/>
+    </p:bldLst>
   </p:timing>
 </p:sld>
 </file>
@@ -12213,7 +12517,7 @@
       </p:sp>
       <p:sp>
         <p:nvSpPr>
-          <p:cNvPr id="10" name="矩形 3"/>
+          <p:cNvPr id="7" name="矩形 3"/>
           <p:cNvSpPr>
             <a:spLocks noChangeArrowheads="1"/>
           </p:cNvSpPr>
@@ -12417,14 +12721,14 @@
       </p:sp>
       <p:sp>
         <p:nvSpPr>
-          <p:cNvPr id="11" name="矩形 10"/>
+          <p:cNvPr id="8" name="矩形 7"/>
           <p:cNvSpPr/>
           <p:nvPr/>
         </p:nvSpPr>
         <p:spPr>
           <a:xfrm>
-            <a:off x="417240" y="2060848"/>
-            <a:ext cx="7899176" cy="1677382"/>
+            <a:off x="451024" y="1975943"/>
+            <a:ext cx="8259216" cy="1446550"/>
           </a:xfrm>
           <a:prstGeom prst="rect">
             <a:avLst/>
@@ -12436,7 +12740,7 @@
           </a:bodyPr>
           <a:lstStyle/>
           <a:p>
-            <a:pPr marL="457200" indent="-457200" algn="just">
+            <a:pPr marL="457200" lvl="0" indent="-457200" algn="just">
               <a:spcAft>
                 <a:spcPts val="0"/>
               </a:spcAft>
@@ -12451,7 +12755,7 @@
                 <a:latin typeface="华文楷体" panose="02010600040101010101" pitchFamily="2" charset="-122"/>
                 <a:ea typeface="华文楷体" panose="02010600040101010101" pitchFamily="2" charset="-122"/>
               </a:rPr>
-              <a:t>惩罚</a:t>
+              <a:t>期末</a:t>
             </a:r>
             <a:r>
               <a:rPr lang="zh-CN" altLang="en-US" sz="2800" b="1" kern="100" dirty="0">
@@ -12461,164 +12765,164 @@
                 <a:latin typeface="华文楷体" panose="02010600040101010101" pitchFamily="2" charset="-122"/>
                 <a:ea typeface="华文楷体" panose="02010600040101010101" pitchFamily="2" charset="-122"/>
               </a:rPr>
-              <a:t>扣分</a:t>
-            </a:r>
-          </a:p>
-          <a:p>
-            <a:pPr algn="just">
-              <a:lnSpc>
-                <a:spcPct val="150000"/>
-              </a:lnSpc>
-              <a:spcBef>
-                <a:spcPts val="1800"/>
-              </a:spcBef>
+              <a:t>表现</a:t>
+            </a:r>
+            <a:r>
+              <a:rPr lang="zh-CN" altLang="en-US" sz="2800" b="1" kern="100" dirty="0" smtClean="0">
+                <a:solidFill>
+                  <a:srgbClr val="C00000"/>
+                </a:solidFill>
+                <a:latin typeface="华文楷体" panose="02010600040101010101" pitchFamily="2" charset="-122"/>
+                <a:ea typeface="华文楷体" panose="02010600040101010101" pitchFamily="2" charset="-122"/>
+              </a:rPr>
+              <a:t>成绩 </a:t>
+            </a:r>
+            <a:r>
+              <a:rPr lang="en-US" altLang="zh-CN" sz="2800" b="1" kern="100" dirty="0" smtClean="0">
+                <a:solidFill>
+                  <a:srgbClr val="C00000"/>
+                </a:solidFill>
+                <a:latin typeface="华文楷体" panose="02010600040101010101" pitchFamily="2" charset="-122"/>
+                <a:ea typeface="华文楷体" panose="02010600040101010101" pitchFamily="2" charset="-122"/>
+              </a:rPr>
+              <a:t>= </a:t>
+            </a:r>
+            <a:r>
+              <a:rPr lang="zh-CN" altLang="en-US" sz="2800" b="1" kern="100" dirty="0" smtClean="0">
+                <a:solidFill>
+                  <a:srgbClr val="C00000"/>
+                </a:solidFill>
+                <a:latin typeface="华文楷体" panose="02010600040101010101" pitchFamily="2" charset="-122"/>
+                <a:ea typeface="华文楷体" panose="02010600040101010101" pitchFamily="2" charset="-122"/>
+              </a:rPr>
+              <a:t>闭卷</a:t>
+            </a:r>
+            <a:r>
+              <a:rPr lang="zh-CN" altLang="en-US" sz="2800" b="1" kern="100" dirty="0">
+                <a:solidFill>
+                  <a:srgbClr val="C00000"/>
+                </a:solidFill>
+                <a:latin typeface="华文楷体" panose="02010600040101010101" pitchFamily="2" charset="-122"/>
+                <a:ea typeface="华文楷体" panose="02010600040101010101" pitchFamily="2" charset="-122"/>
+              </a:rPr>
+              <a:t>考试</a:t>
+            </a:r>
+            <a:r>
+              <a:rPr lang="zh-CN" altLang="en-US" sz="2800" b="1" kern="100" dirty="0" smtClean="0">
+                <a:solidFill>
+                  <a:srgbClr val="C00000"/>
+                </a:solidFill>
+                <a:latin typeface="华文楷体" panose="02010600040101010101" pitchFamily="2" charset="-122"/>
+                <a:ea typeface="华文楷体" panose="02010600040101010101" pitchFamily="2" charset="-122"/>
+              </a:rPr>
+              <a:t>成绩</a:t>
+            </a:r>
+            <a:r>
+              <a:rPr lang="en-US" altLang="zh-CN" sz="2800" b="1" kern="100" dirty="0" smtClean="0">
+                <a:solidFill>
+                  <a:srgbClr val="C00000"/>
+                </a:solidFill>
+                <a:latin typeface="华文楷体" panose="02010600040101010101" pitchFamily="2" charset="-122"/>
+                <a:ea typeface="华文楷体" panose="02010600040101010101" pitchFamily="2" charset="-122"/>
+              </a:rPr>
+              <a:t>×40%</a:t>
+            </a:r>
+          </a:p>
+          <a:p>
+            <a:pPr marL="457200" lvl="0" indent="-457200" algn="just">
               <a:spcAft>
                 <a:spcPts val="0"/>
               </a:spcAft>
+              <a:buFont typeface="Wingdings" panose="05000000000000000000" pitchFamily="2" charset="2"/>
+              <a:buChar char="u"/>
             </a:pPr>
-            <a:r>
-              <a:rPr lang="zh-CN" altLang="en-US" sz="2000" kern="100" dirty="0" smtClean="0">
-                <a:solidFill>
-                  <a:schemeClr val="tx1">
-                    <a:lumMod val="95000"/>
-                    <a:lumOff val="5000"/>
-                  </a:schemeClr>
+            <a:endParaRPr kumimoji="0" lang="en-US" altLang="zh-CN" sz="2800" b="1" i="0" u="none" strike="noStrike" kern="100" cap="none" spc="0" normalizeH="0" baseline="0" noProof="0" dirty="0">
+              <a:ln>
+                <a:noFill/>
+              </a:ln>
+              <a:solidFill>
+                <a:srgbClr val="C00000"/>
+              </a:solidFill>
+              <a:effectLst/>
+              <a:uLnTx/>
+              <a:uFillTx/>
+              <a:latin typeface="华文楷体" panose="02010600040101010101" pitchFamily="2" charset="-122"/>
+              <a:ea typeface="华文楷体" panose="02010600040101010101" pitchFamily="2" charset="-122"/>
+              <a:cs typeface="+mn-cs"/>
+            </a:endParaRPr>
+          </a:p>
+          <a:p>
+            <a:pPr lvl="0" algn="just">
+              <a:spcAft>
+                <a:spcPts val="0"/>
+              </a:spcAft>
+            </a:pPr>
+            <a:r>
+              <a:rPr lang="zh-CN" altLang="en-US" sz="2400" kern="100" dirty="0" smtClean="0">
+                <a:solidFill>
+                  <a:srgbClr val="000000"/>
                 </a:solidFill>
                 <a:latin typeface="华文楷体" panose="02010600040101010101" pitchFamily="2" charset="-122"/>
                 <a:ea typeface="华文楷体" panose="02010600040101010101" pitchFamily="2" charset="-122"/>
               </a:rPr>
-              <a:t>        不良</a:t>
-            </a:r>
-            <a:r>
-              <a:rPr lang="zh-CN" altLang="en-US" sz="2000" kern="100" dirty="0">
-                <a:solidFill>
-                  <a:schemeClr val="tx1">
-                    <a:lumMod val="95000"/>
-                    <a:lumOff val="5000"/>
-                  </a:schemeClr>
+              <a:t>作弊抄袭者</a:t>
+            </a:r>
+            <a:r>
+              <a:rPr lang="en-US" altLang="zh-CN" sz="3200" u="sng" kern="100" dirty="0" smtClean="0">
+                <a:solidFill>
+                  <a:srgbClr val="0000FF"/>
                 </a:solidFill>
                 <a:latin typeface="华文楷体" panose="02010600040101010101" pitchFamily="2" charset="-122"/>
                 <a:ea typeface="华文楷体" panose="02010600040101010101" pitchFamily="2" charset="-122"/>
               </a:rPr>
-              <a:t>表现扣总成绩</a:t>
-            </a:r>
-            <a:r>
-              <a:rPr lang="en-US" altLang="zh-CN" sz="2000" kern="100" dirty="0">
-                <a:solidFill>
-                  <a:schemeClr val="tx1">
-                    <a:lumMod val="95000"/>
-                    <a:lumOff val="5000"/>
-                  </a:schemeClr>
+              <a:t>0</a:t>
+            </a:r>
+            <a:r>
+              <a:rPr lang="zh-CN" altLang="en-US" sz="2400" kern="100" dirty="0" smtClean="0">
+                <a:solidFill>
+                  <a:srgbClr val="000000"/>
                 </a:solidFill>
                 <a:latin typeface="华文楷体" panose="02010600040101010101" pitchFamily="2" charset="-122"/>
                 <a:ea typeface="华文楷体" panose="02010600040101010101" pitchFamily="2" charset="-122"/>
               </a:rPr>
-              <a:t>5</a:t>
-            </a:r>
-            <a:r>
-              <a:rPr lang="zh-CN" altLang="en-US" sz="2000" kern="100" dirty="0">
-                <a:solidFill>
-                  <a:schemeClr val="tx1">
-                    <a:lumMod val="95000"/>
-                    <a:lumOff val="5000"/>
-                  </a:schemeClr>
+              <a:t>分</a:t>
+            </a:r>
+            <a:r>
+              <a:rPr lang="zh-CN" altLang="en-US" sz="2400" b="1" kern="100" dirty="0" smtClean="0">
+                <a:solidFill>
+                  <a:srgbClr val="000000"/>
                 </a:solidFill>
                 <a:latin typeface="华文楷体" panose="02010600040101010101" pitchFamily="2" charset="-122"/>
                 <a:ea typeface="华文楷体" panose="02010600040101010101" pitchFamily="2" charset="-122"/>
               </a:rPr>
-              <a:t>分</a:t>
-            </a:r>
-            <a:r>
-              <a:rPr lang="en-US" altLang="zh-CN" sz="2000" kern="100" dirty="0">
-                <a:solidFill>
-                  <a:schemeClr val="tx1">
-                    <a:lumMod val="95000"/>
-                    <a:lumOff val="5000"/>
-                  </a:schemeClr>
-                </a:solidFill>
-                <a:latin typeface="华文楷体" panose="02010600040101010101" pitchFamily="2" charset="-122"/>
-                <a:ea typeface="华文楷体" panose="02010600040101010101" pitchFamily="2" charset="-122"/>
-              </a:rPr>
-              <a:t>/</a:t>
-            </a:r>
-            <a:r>
-              <a:rPr lang="zh-CN" altLang="en-US" sz="2000" kern="100" dirty="0">
-                <a:solidFill>
-                  <a:schemeClr val="tx1">
-                    <a:lumMod val="95000"/>
-                    <a:lumOff val="5000"/>
-                  </a:schemeClr>
-                </a:solidFill>
-                <a:latin typeface="华文楷体" panose="02010600040101010101" pitchFamily="2" charset="-122"/>
-                <a:ea typeface="华文楷体" panose="02010600040101010101" pitchFamily="2" charset="-122"/>
-              </a:rPr>
-              <a:t>次且累计扣分。如平台故意乱问乱</a:t>
-            </a:r>
-            <a:r>
-              <a:rPr lang="zh-CN" altLang="en-US" sz="2000" kern="100" dirty="0" smtClean="0">
-                <a:solidFill>
-                  <a:schemeClr val="tx1">
-                    <a:lumMod val="95000"/>
-                    <a:lumOff val="5000"/>
-                  </a:schemeClr>
-                </a:solidFill>
-                <a:latin typeface="华文楷体" panose="02010600040101010101" pitchFamily="2" charset="-122"/>
-                <a:ea typeface="华文楷体" panose="02010600040101010101" pitchFamily="2" charset="-122"/>
-              </a:rPr>
-              <a:t>答、做</a:t>
-            </a:r>
-            <a:r>
-              <a:rPr lang="zh-CN" altLang="en-US" sz="2000" kern="100" dirty="0">
-                <a:solidFill>
-                  <a:schemeClr val="tx1">
-                    <a:lumMod val="95000"/>
-                    <a:lumOff val="5000"/>
-                  </a:schemeClr>
-                </a:solidFill>
-                <a:latin typeface="华文楷体" panose="02010600040101010101" pitchFamily="2" charset="-122"/>
-                <a:ea typeface="华文楷体" panose="02010600040101010101" pitchFamily="2" charset="-122"/>
-              </a:rPr>
-              <a:t>与课堂教学无关的</a:t>
-            </a:r>
-            <a:r>
-              <a:rPr lang="zh-CN" altLang="en-US" sz="2000" kern="100" dirty="0" smtClean="0">
-                <a:solidFill>
-                  <a:schemeClr val="tx1">
-                    <a:lumMod val="95000"/>
-                    <a:lumOff val="5000"/>
-                  </a:schemeClr>
-                </a:solidFill>
-                <a:latin typeface="华文楷体" panose="02010600040101010101" pitchFamily="2" charset="-122"/>
-                <a:ea typeface="华文楷体" panose="02010600040101010101" pitchFamily="2" charset="-122"/>
-              </a:rPr>
-              <a:t>活动、上</a:t>
-            </a:r>
-            <a:r>
-              <a:rPr lang="zh-CN" altLang="en-US" sz="2000" kern="100" dirty="0">
-                <a:solidFill>
-                  <a:schemeClr val="tx1">
-                    <a:lumMod val="95000"/>
-                    <a:lumOff val="5000"/>
-                  </a:schemeClr>
-                </a:solidFill>
-                <a:latin typeface="华文楷体" panose="02010600040101010101" pitchFamily="2" charset="-122"/>
-                <a:ea typeface="华文楷体" panose="02010600040101010101" pitchFamily="2" charset="-122"/>
-              </a:rPr>
-              <a:t>机时玩游戏等。</a:t>
-            </a:r>
+              <a:t>。</a:t>
+            </a:r>
+            <a:endParaRPr kumimoji="0" lang="zh-CN" altLang="zh-CN" sz="2400" b="1" i="0" u="none" strike="noStrike" kern="100" cap="none" spc="0" normalizeH="0" baseline="0" noProof="0" dirty="0">
+              <a:ln>
+                <a:noFill/>
+              </a:ln>
+              <a:solidFill>
+                <a:srgbClr val="000000"/>
+              </a:solidFill>
+              <a:effectLst/>
+              <a:uLnTx/>
+              <a:uFillTx/>
+              <a:latin typeface="华文楷体" panose="02010600040101010101" pitchFamily="2" charset="-122"/>
+              <a:ea typeface="华文楷体" panose="02010600040101010101" pitchFamily="2" charset="-122"/>
+            </a:endParaRPr>
           </a:p>
         </p:txBody>
       </p:sp>
       <p:sp>
         <p:nvSpPr>
-          <p:cNvPr id="12" name="矩形 11"/>
+          <p:cNvPr id="9" name="矩形 8"/>
           <p:cNvSpPr/>
           <p:nvPr/>
         </p:nvSpPr>
         <p:spPr>
           <a:xfrm>
-            <a:off x="417240" y="4210275"/>
-            <a:ext cx="7899176" cy="1908215"/>
+            <a:off x="457413" y="3646971"/>
+            <a:ext cx="7633716" cy="2062103"/>
           </a:xfrm>
           <a:prstGeom prst="rect">
             <a:avLst/>
@@ -12638,115 +12942,25 @@
               <a:buChar char="u"/>
             </a:pPr>
             <a:r>
-              <a:rPr lang="zh-CN" altLang="en-US" sz="2800" b="1" kern="100" dirty="0" smtClean="0">
+              <a:rPr lang="zh-CN" altLang="zh-CN" sz="2800" b="1" kern="100" dirty="0">
                 <a:solidFill>
                   <a:srgbClr val="C00000"/>
                 </a:solidFill>
                 <a:latin typeface="华文楷体" panose="02010600040101010101" pitchFamily="2" charset="-122"/>
                 <a:ea typeface="华文楷体" panose="02010600040101010101" pitchFamily="2" charset="-122"/>
               </a:rPr>
-              <a:t>缺勤</a:t>
-            </a:r>
-            <a:r>
-              <a:rPr lang="zh-CN" altLang="en-US" sz="2800" b="1" kern="100" dirty="0" smtClean="0">
-                <a:solidFill>
-                  <a:srgbClr val="C00000"/>
-                </a:solidFill>
-                <a:latin typeface="华文楷体" panose="02010600040101010101" pitchFamily="2" charset="-122"/>
-                <a:ea typeface="华文楷体" panose="02010600040101010101" pitchFamily="2" charset="-122"/>
-              </a:rPr>
-              <a:t>处理  </a:t>
-            </a:r>
-            <a:r>
-              <a:rPr lang="en-US" altLang="zh-CN" sz="2000" kern="100" dirty="0" smtClean="0">
-                <a:latin typeface="华文楷体" panose="02010600040101010101" pitchFamily="2" charset="-122"/>
-                <a:ea typeface="华文楷体" panose="02010600040101010101" pitchFamily="2" charset="-122"/>
-              </a:rPr>
-              <a:t>(</a:t>
-            </a:r>
-            <a:r>
-              <a:rPr lang="zh-CN" altLang="en-US" sz="2000" kern="100" dirty="0" smtClean="0">
-                <a:latin typeface="华文楷体" panose="02010600040101010101" pitchFamily="2" charset="-122"/>
-                <a:ea typeface="华文楷体" panose="02010600040101010101" pitchFamily="2" charset="-122"/>
-              </a:rPr>
-              <a:t>特殊情况持假条请假</a:t>
-            </a:r>
-            <a:r>
-              <a:rPr lang="en-US" altLang="zh-CN" sz="2000" kern="100" dirty="0" smtClean="0">
-                <a:latin typeface="华文楷体" panose="02010600040101010101" pitchFamily="2" charset="-122"/>
-                <a:ea typeface="华文楷体" panose="02010600040101010101" pitchFamily="2" charset="-122"/>
-              </a:rPr>
-              <a:t>)</a:t>
-            </a:r>
-            <a:endParaRPr lang="zh-CN" altLang="en-US" sz="2000" kern="100" dirty="0">
-              <a:latin typeface="华文楷体" panose="02010600040101010101" pitchFamily="2" charset="-122"/>
-              <a:ea typeface="华文楷体" panose="02010600040101010101" pitchFamily="2" charset="-122"/>
-            </a:endParaRPr>
-          </a:p>
-          <a:p>
-            <a:pPr marL="900000" indent="-457200" algn="just">
-              <a:spcBef>
-                <a:spcPts val="1200"/>
-              </a:spcBef>
+              <a:t>奖励得分</a:t>
+            </a:r>
+          </a:p>
+          <a:p>
+            <a:pPr marL="457200" indent="-457200" algn="just">
               <a:spcAft>
                 <a:spcPts val="0"/>
               </a:spcAft>
               <a:buFont typeface="+mj-lt"/>
               <a:buAutoNum type="arabicPeriod"/>
             </a:pPr>
-            <a:r>
-              <a:rPr lang="zh-CN" altLang="en-US" sz="2000" kern="100" dirty="0" smtClean="0">
-                <a:solidFill>
-                  <a:schemeClr val="tx1">
-                    <a:lumMod val="95000"/>
-                    <a:lumOff val="5000"/>
-                  </a:schemeClr>
-                </a:solidFill>
-                <a:latin typeface="华文楷体" panose="02010600040101010101" pitchFamily="2" charset="-122"/>
-                <a:ea typeface="华文楷体" panose="02010600040101010101" pitchFamily="2" charset="-122"/>
-              </a:rPr>
-              <a:t>无故</a:t>
-            </a:r>
-            <a:r>
-              <a:rPr lang="zh-CN" altLang="en-US" sz="2000" kern="100" dirty="0">
-                <a:solidFill>
-                  <a:schemeClr val="tx1">
-                    <a:lumMod val="95000"/>
-                    <a:lumOff val="5000"/>
-                  </a:schemeClr>
-                </a:solidFill>
-                <a:latin typeface="华文楷体" panose="02010600040101010101" pitchFamily="2" charset="-122"/>
-                <a:ea typeface="华文楷体" panose="02010600040101010101" pitchFamily="2" charset="-122"/>
-              </a:rPr>
-              <a:t>缺勤第一次，缺勤扣分＝</a:t>
-            </a:r>
-            <a:r>
-              <a:rPr lang="en-US" altLang="zh-CN" sz="2000" kern="100" dirty="0" smtClean="0">
-                <a:solidFill>
-                  <a:schemeClr val="tx1">
-                    <a:lumMod val="95000"/>
-                    <a:lumOff val="5000"/>
-                  </a:schemeClr>
-                </a:solidFill>
-                <a:latin typeface="华文楷体" panose="02010600040101010101" pitchFamily="2" charset="-122"/>
-                <a:ea typeface="华文楷体" panose="02010600040101010101" pitchFamily="2" charset="-122"/>
-              </a:rPr>
-              <a:t>10</a:t>
-            </a:r>
-            <a:r>
-              <a:rPr lang="zh-CN" altLang="en-US" sz="2000" kern="100" dirty="0" smtClean="0">
-                <a:solidFill>
-                  <a:schemeClr val="tx1">
-                    <a:lumMod val="95000"/>
-                    <a:lumOff val="5000"/>
-                  </a:schemeClr>
-                </a:solidFill>
-                <a:latin typeface="华文楷体" panose="02010600040101010101" pitchFamily="2" charset="-122"/>
-                <a:ea typeface="华文楷体" panose="02010600040101010101" pitchFamily="2" charset="-122"/>
-              </a:rPr>
-              <a:t>。</a:t>
-            </a:r>
-            <a:endParaRPr lang="zh-CN" altLang="en-US" sz="2000" kern="100" dirty="0">
+            <a:endParaRPr lang="en-US" altLang="zh-CN" sz="2000" b="1" kern="100" dirty="0" smtClean="0">
               <a:solidFill>
                 <a:schemeClr val="tx1">
                   <a:lumMod val="95000"/>
@@ -12758,18 +12972,13 @@
             </a:endParaRPr>
           </a:p>
           <a:p>
-            <a:pPr marL="900000" indent="-457200" algn="just">
-              <a:spcBef>
-                <a:spcPts val="1200"/>
-              </a:spcBef>
+            <a:pPr algn="just">
               <a:spcAft>
                 <a:spcPts val="0"/>
               </a:spcAft>
-              <a:buFont typeface="+mj-lt"/>
-              <a:buAutoNum type="arabicPeriod"/>
             </a:pPr>
             <a:r>
-              <a:rPr lang="zh-CN" altLang="en-US" sz="2000" kern="100" dirty="0" smtClean="0">
+              <a:rPr lang="zh-CN" altLang="zh-CN" sz="2400" kern="100" dirty="0" smtClean="0">
                 <a:solidFill>
                   <a:schemeClr val="tx1">
                     <a:lumMod val="95000"/>
@@ -12779,10 +12988,10 @@
                 <a:latin typeface="华文楷体" panose="02010600040101010101" pitchFamily="2" charset="-122"/>
                 <a:ea typeface="华文楷体" panose="02010600040101010101" pitchFamily="2" charset="-122"/>
               </a:rPr>
-              <a:t>无故</a:t>
-            </a:r>
-            <a:r>
-              <a:rPr lang="zh-CN" altLang="en-US" sz="2000" kern="100" dirty="0">
+              <a:t>加</a:t>
+            </a:r>
+            <a:r>
+              <a:rPr lang="zh-CN" altLang="zh-CN" sz="2400" kern="100" dirty="0">
                 <a:solidFill>
                   <a:schemeClr val="tx1">
                     <a:lumMod val="95000"/>
@@ -12792,10 +13001,30 @@
                 <a:latin typeface="华文楷体" panose="02010600040101010101" pitchFamily="2" charset="-122"/>
                 <a:ea typeface="华文楷体" panose="02010600040101010101" pitchFamily="2" charset="-122"/>
               </a:rPr>
-              <a:t>缺勤第二次，缺勤扣分＝</a:t>
-            </a:r>
-            <a:r>
-              <a:rPr lang="en-US" altLang="zh-CN" sz="2000" kern="100" dirty="0">
+              <a:t>总成绩</a:t>
+            </a:r>
+            <a:r>
+              <a:rPr lang="en-US" altLang="zh-CN" sz="3200" b="1" u="sng" kern="100" dirty="0">
+                <a:solidFill>
+                  <a:srgbClr val="0000FF"/>
+                </a:solidFill>
+                <a:latin typeface="华文楷体" panose="02010600040101010101" pitchFamily="2" charset="-122"/>
+                <a:ea typeface="华文楷体" panose="02010600040101010101" pitchFamily="2" charset="-122"/>
+              </a:rPr>
+              <a:t>5</a:t>
+            </a:r>
+            <a:r>
+              <a:rPr lang="zh-CN" altLang="zh-CN" sz="3200" b="1" u="sng" kern="100" dirty="0" smtClean="0">
+                <a:solidFill>
+                  <a:srgbClr val="0000FF"/>
+                </a:solidFill>
+                <a:latin typeface="华文楷体" panose="02010600040101010101" pitchFamily="2" charset="-122"/>
+                <a:ea typeface="华文楷体" panose="02010600040101010101" pitchFamily="2" charset="-122"/>
+              </a:rPr>
+              <a:t>分</a:t>
+            </a:r>
+            <a:r>
+              <a:rPr lang="zh-CN" altLang="en-US" sz="2400" kern="100" dirty="0" smtClean="0">
                 <a:solidFill>
                   <a:schemeClr val="tx1">
                     <a:lumMod val="95000"/>
@@ -12805,10 +13034,10 @@
                 <a:latin typeface="华文楷体" panose="02010600040101010101" pitchFamily="2" charset="-122"/>
                 <a:ea typeface="华文楷体" panose="02010600040101010101" pitchFamily="2" charset="-122"/>
               </a:rPr>
-              <a:t>30</a:t>
-            </a:r>
-            <a:r>
-              <a:rPr lang="zh-CN" altLang="en-US" sz="2000" kern="100" dirty="0">
+              <a:t>，如</a:t>
+            </a:r>
+            <a:r>
+              <a:rPr lang="zh-CN" altLang="zh-CN" sz="2400" kern="100" dirty="0" smtClean="0">
                 <a:solidFill>
                   <a:schemeClr val="tx1">
                     <a:lumMod val="95000"/>
@@ -12818,22 +13047,10 @@
                 <a:latin typeface="华文楷体" panose="02010600040101010101" pitchFamily="2" charset="-122"/>
                 <a:ea typeface="华文楷体" panose="02010600040101010101" pitchFamily="2" charset="-122"/>
               </a:rPr>
-              <a:t>。</a:t>
-            </a:r>
-          </a:p>
-          <a:p>
-            <a:pPr marL="900000" indent="-457200" algn="just">
-              <a:spcBef>
-                <a:spcPts val="1200"/>
-              </a:spcBef>
-              <a:spcAft>
-                <a:spcPts val="0"/>
-              </a:spcAft>
-              <a:buFont typeface="+mj-lt"/>
-              <a:buAutoNum type="arabicPeriod"/>
-            </a:pPr>
-            <a:r>
-              <a:rPr lang="zh-CN" altLang="en-US" sz="2000" kern="100" dirty="0" smtClean="0">
+              <a:t>课程</a:t>
+            </a:r>
+            <a:r>
+              <a:rPr lang="zh-CN" altLang="zh-CN" sz="2400" kern="100" dirty="0">
                 <a:solidFill>
                   <a:schemeClr val="tx1">
                     <a:lumMod val="95000"/>
@@ -12843,10 +13060,10 @@
                 <a:latin typeface="华文楷体" panose="02010600040101010101" pitchFamily="2" charset="-122"/>
                 <a:ea typeface="华文楷体" panose="02010600040101010101" pitchFamily="2" charset="-122"/>
               </a:rPr>
-              <a:t>无故</a:t>
-            </a:r>
-            <a:r>
-              <a:rPr lang="zh-CN" altLang="en-US" sz="2000" kern="100" dirty="0">
+              <a:t>作业被评为优秀</a:t>
+            </a:r>
+            <a:r>
+              <a:rPr lang="zh-CN" altLang="zh-CN" sz="2400" kern="100" dirty="0" smtClean="0">
                 <a:solidFill>
                   <a:schemeClr val="tx1">
                     <a:lumMod val="95000"/>
@@ -12856,10 +13073,10 @@
                 <a:latin typeface="华文楷体" panose="02010600040101010101" pitchFamily="2" charset="-122"/>
                 <a:ea typeface="华文楷体" panose="02010600040101010101" pitchFamily="2" charset="-122"/>
               </a:rPr>
-              <a:t>缺勤第三次，缺勤扣分＝</a:t>
-            </a:r>
-            <a:r>
-              <a:rPr lang="en-US" altLang="zh-CN" sz="2000" kern="100" dirty="0">
+              <a:t>作业</a:t>
+            </a:r>
+            <a:r>
+              <a:rPr lang="zh-CN" altLang="en-US" sz="2400" kern="100" dirty="0" smtClean="0">
                 <a:solidFill>
                   <a:schemeClr val="tx1">
                     <a:lumMod val="95000"/>
@@ -12869,10 +13086,10 @@
                 <a:latin typeface="华文楷体" panose="02010600040101010101" pitchFamily="2" charset="-122"/>
                 <a:ea typeface="华文楷体" panose="02010600040101010101" pitchFamily="2" charset="-122"/>
               </a:rPr>
-              <a:t>60</a:t>
-            </a:r>
-            <a:r>
-              <a:rPr lang="zh-CN" altLang="en-US" sz="2000" kern="100" dirty="0">
+              <a:t>、担任课代表、课外作业被评为优秀等。原则上不累计加分，需要加分者需要提出书面申请说明理由</a:t>
+            </a:r>
+            <a:r>
+              <a:rPr lang="zh-CN" altLang="zh-CN" sz="2400" kern="100" dirty="0" smtClean="0">
                 <a:solidFill>
                   <a:schemeClr val="tx1">
                     <a:lumMod val="95000"/>
@@ -12884,13 +13101,23 @@
               </a:rPr>
               <a:t>。</a:t>
             </a:r>
+            <a:endParaRPr lang="zh-CN" altLang="zh-CN" sz="2400" kern="100" dirty="0">
+              <a:solidFill>
+                <a:schemeClr val="tx1">
+                  <a:lumMod val="95000"/>
+                  <a:lumOff val="5000"/>
+                </a:schemeClr>
+              </a:solidFill>
+              <a:latin typeface="华文楷体" panose="02010600040101010101" pitchFamily="2" charset="-122"/>
+              <a:ea typeface="华文楷体" panose="02010600040101010101" pitchFamily="2" charset="-122"/>
+            </a:endParaRPr>
           </a:p>
         </p:txBody>
       </p:sp>
     </p:spTree>
     <p:extLst>
       <p:ext uri="{BB962C8B-B14F-4D97-AF65-F5344CB8AC3E}">
-        <p14:creationId xmlns:p14="http://schemas.microsoft.com/office/powerpoint/2010/main" val="593488007"/>
+        <p14:creationId xmlns:p14="http://schemas.microsoft.com/office/powerpoint/2010/main" val="3259753040"/>
       </p:ext>
     </p:extLst>
   </p:cSld>
@@ -12945,6 +13172,1021 @@
           <p:nvPr/>
         </p:nvPicPr>
         <p:blipFill>
+          <a:blip r:embed="rId3">
+            <a:extLst>
+              <a:ext uri="{28A0092B-C50C-407E-A947-70E740481C1C}">
+                <a14:useLocalDpi xmlns:a14="http://schemas.microsoft.com/office/drawing/2010/main" val="0"/>
+              </a:ext>
+            </a:extLst>
+          </a:blip>
+          <a:stretch>
+            <a:fillRect/>
+          </a:stretch>
+        </p:blipFill>
+        <p:spPr>
+          <a:xfrm>
+            <a:off x="8632" y="0"/>
+            <a:ext cx="9144000" cy="6856883"/>
+          </a:xfrm>
+          <a:prstGeom prst="rect">
+            <a:avLst/>
+          </a:prstGeom>
+          <a:blipFill dpi="0" rotWithShape="1">
+            <a:blip r:embed="rId4">
+              <a:alphaModFix amt="50000"/>
+            </a:blip>
+            <a:srcRect/>
+            <a:tile tx="0" ty="0" sx="100000" sy="100000" flip="none" algn="tl"/>
+          </a:blipFill>
+        </p:spPr>
+      </p:pic>
+      <p:sp>
+        <p:nvSpPr>
+          <p:cNvPr id="5" name="Text Box 205"/>
+          <p:cNvSpPr txBox="1">
+            <a:spLocks noChangeArrowheads="1"/>
+          </p:cNvSpPr>
+          <p:nvPr/>
+        </p:nvSpPr>
+        <p:spPr bwMode="auto">
+          <a:xfrm>
+            <a:off x="3419872" y="111160"/>
+            <a:ext cx="3057247" cy="523220"/>
+          </a:xfrm>
+          <a:prstGeom prst="rect">
+            <a:avLst/>
+          </a:prstGeom>
+          <a:noFill/>
+          <a:ln w="9525" algn="ctr">
+            <a:noFill/>
+            <a:miter lim="800000"/>
+            <a:headEnd/>
+            <a:tailEnd/>
+          </a:ln>
+        </p:spPr>
+        <p:txBody>
+          <a:bodyPr wrap="none">
+            <a:spAutoFit/>
+          </a:bodyPr>
+          <a:lstStyle>
+            <a:defPPr>
+              <a:defRPr lang="zh-CN"/>
+            </a:defPPr>
+            <a:lvl1pPr marL="0" marR="0" lvl="0" indent="0" algn="ctr" defTabSz="914400" eaLnBrk="0" latinLnBrk="0" hangingPunct="0">
+              <a:lnSpc>
+                <a:spcPct val="100000"/>
+              </a:lnSpc>
+              <a:buClrTx/>
+              <a:buSzTx/>
+              <a:buFontTx/>
+              <a:buNone/>
+              <a:tabLst/>
+              <a:defRPr kumimoji="0" sz="2400" b="0" i="0" u="none" strike="noStrike" cap="none" spc="0" normalizeH="0" baseline="0">
+                <a:ln>
+                  <a:noFill/>
+                </a:ln>
+                <a:solidFill>
+                  <a:srgbClr val="FFFFFF"/>
+                </a:solidFill>
+                <a:effectLst/>
+                <a:uLnTx/>
+                <a:uFillTx/>
+                <a:latin typeface="华文行楷" panose="02010800040101010101" pitchFamily="2" charset="-122"/>
+                <a:ea typeface="华文行楷" panose="02010800040101010101" pitchFamily="2" charset="-122"/>
+                <a:cs typeface="楷体_GB2312"/>
+              </a:defRPr>
+            </a:lvl1pPr>
+            <a:lvl2pPr marL="742950" indent="-285750" eaLnBrk="0" hangingPunct="0">
+              <a:defRPr kumimoji="1" sz="2400">
+                <a:latin typeface="Times New Roman" panose="02020603050405020304" pitchFamily="18" charset="0"/>
+              </a:defRPr>
+            </a:lvl2pPr>
+            <a:lvl3pPr marL="1143000" indent="-228600" eaLnBrk="0" hangingPunct="0">
+              <a:defRPr kumimoji="1" sz="2400">
+                <a:latin typeface="Times New Roman" panose="02020603050405020304" pitchFamily="18" charset="0"/>
+              </a:defRPr>
+            </a:lvl3pPr>
+            <a:lvl4pPr marL="1600200" indent="-228600" eaLnBrk="0" hangingPunct="0">
+              <a:defRPr kumimoji="1" sz="2400">
+                <a:latin typeface="Times New Roman" panose="02020603050405020304" pitchFamily="18" charset="0"/>
+              </a:defRPr>
+            </a:lvl4pPr>
+            <a:lvl5pPr marL="2057400" indent="-228600" eaLnBrk="0" hangingPunct="0">
+              <a:defRPr kumimoji="1" sz="2400">
+                <a:latin typeface="Times New Roman" panose="02020603050405020304" pitchFamily="18" charset="0"/>
+              </a:defRPr>
+            </a:lvl5pPr>
+            <a:lvl6pPr marL="2514600" indent="-228600" eaLnBrk="0" fontAlgn="base" hangingPunct="0">
+              <a:spcBef>
+                <a:spcPct val="0"/>
+              </a:spcBef>
+              <a:spcAft>
+                <a:spcPct val="0"/>
+              </a:spcAft>
+              <a:defRPr kumimoji="1" sz="2400">
+                <a:latin typeface="Times New Roman" panose="02020603050405020304" pitchFamily="18" charset="0"/>
+              </a:defRPr>
+            </a:lvl6pPr>
+            <a:lvl7pPr marL="2971800" indent="-228600" eaLnBrk="0" fontAlgn="base" hangingPunct="0">
+              <a:spcBef>
+                <a:spcPct val="0"/>
+              </a:spcBef>
+              <a:spcAft>
+                <a:spcPct val="0"/>
+              </a:spcAft>
+              <a:defRPr kumimoji="1" sz="2400">
+                <a:latin typeface="Times New Roman" panose="02020603050405020304" pitchFamily="18" charset="0"/>
+              </a:defRPr>
+            </a:lvl7pPr>
+            <a:lvl8pPr marL="3429000" indent="-228600" eaLnBrk="0" fontAlgn="base" hangingPunct="0">
+              <a:spcBef>
+                <a:spcPct val="0"/>
+              </a:spcBef>
+              <a:spcAft>
+                <a:spcPct val="0"/>
+              </a:spcAft>
+              <a:defRPr kumimoji="1" sz="2400">
+                <a:latin typeface="Times New Roman" panose="02020603050405020304" pitchFamily="18" charset="0"/>
+              </a:defRPr>
+            </a:lvl8pPr>
+            <a:lvl9pPr marL="3886200" indent="-228600" eaLnBrk="0" fontAlgn="base" hangingPunct="0">
+              <a:spcBef>
+                <a:spcPct val="0"/>
+              </a:spcBef>
+              <a:spcAft>
+                <a:spcPct val="0"/>
+              </a:spcAft>
+              <a:defRPr kumimoji="1" sz="2400">
+                <a:latin typeface="Times New Roman" panose="02020603050405020304" pitchFamily="18" charset="0"/>
+              </a:defRPr>
+            </a:lvl9pPr>
+          </a:lstStyle>
+          <a:p>
+            <a:r>
+              <a:rPr lang="zh-CN" altLang="en-US" sz="2800" dirty="0" smtClean="0"/>
+              <a:t>高级语言程序设计</a:t>
+            </a:r>
+            <a:endParaRPr lang="zh-CN" altLang="en-US" sz="2800" dirty="0"/>
+          </a:p>
+        </p:txBody>
+      </p:sp>
+      <p:sp>
+        <p:nvSpPr>
+          <p:cNvPr id="10" name="矩形 3"/>
+          <p:cNvSpPr>
+            <a:spLocks noChangeArrowheads="1"/>
+          </p:cNvSpPr>
+          <p:nvPr/>
+        </p:nvSpPr>
+        <p:spPr bwMode="auto">
+          <a:xfrm>
+            <a:off x="417240" y="1012739"/>
+            <a:ext cx="3506688" cy="576064"/>
+          </a:xfrm>
+          <a:prstGeom prst="rect">
+            <a:avLst/>
+          </a:prstGeom>
+          <a:noFill/>
+          <a:ln w="9525" algn="ctr">
+            <a:noFill/>
+            <a:round/>
+            <a:headEnd/>
+            <a:tailEnd/>
+          </a:ln>
+        </p:spPr>
+        <p:txBody>
+          <a:bodyPr/>
+          <a:lstStyle>
+            <a:lvl1pPr eaLnBrk="0" hangingPunct="0">
+              <a:defRPr kumimoji="1" sz="2400">
+                <a:solidFill>
+                  <a:schemeClr val="tx1"/>
+                </a:solidFill>
+                <a:latin typeface="Times New Roman" panose="02020603050405020304" pitchFamily="18" charset="0"/>
+                <a:ea typeface="宋体" panose="02010600030101010101" pitchFamily="2" charset="-122"/>
+              </a:defRPr>
+            </a:lvl1pPr>
+            <a:lvl2pPr marL="742950" indent="-285750" eaLnBrk="0" hangingPunct="0">
+              <a:defRPr kumimoji="1" sz="2400">
+                <a:solidFill>
+                  <a:schemeClr val="tx1"/>
+                </a:solidFill>
+                <a:latin typeface="Times New Roman" panose="02020603050405020304" pitchFamily="18" charset="0"/>
+                <a:ea typeface="宋体" panose="02010600030101010101" pitchFamily="2" charset="-122"/>
+              </a:defRPr>
+            </a:lvl2pPr>
+            <a:lvl3pPr marL="1143000" indent="-228600" eaLnBrk="0" hangingPunct="0">
+              <a:defRPr kumimoji="1" sz="2400">
+                <a:solidFill>
+                  <a:schemeClr val="tx1"/>
+                </a:solidFill>
+                <a:latin typeface="Times New Roman" panose="02020603050405020304" pitchFamily="18" charset="0"/>
+                <a:ea typeface="宋体" panose="02010600030101010101" pitchFamily="2" charset="-122"/>
+              </a:defRPr>
+            </a:lvl3pPr>
+            <a:lvl4pPr marL="1600200" indent="-228600" eaLnBrk="0" hangingPunct="0">
+              <a:defRPr kumimoji="1" sz="2400">
+                <a:solidFill>
+                  <a:schemeClr val="tx1"/>
+                </a:solidFill>
+                <a:latin typeface="Times New Roman" panose="02020603050405020304" pitchFamily="18" charset="0"/>
+                <a:ea typeface="宋体" panose="02010600030101010101" pitchFamily="2" charset="-122"/>
+              </a:defRPr>
+            </a:lvl4pPr>
+            <a:lvl5pPr marL="2057400" indent="-228600" eaLnBrk="0" hangingPunct="0">
+              <a:defRPr kumimoji="1" sz="2400">
+                <a:solidFill>
+                  <a:schemeClr val="tx1"/>
+                </a:solidFill>
+                <a:latin typeface="Times New Roman" panose="02020603050405020304" pitchFamily="18" charset="0"/>
+                <a:ea typeface="宋体" panose="02010600030101010101" pitchFamily="2" charset="-122"/>
+              </a:defRPr>
+            </a:lvl5pPr>
+            <a:lvl6pPr marL="2514600" indent="-228600" eaLnBrk="0" fontAlgn="base" hangingPunct="0">
+              <a:spcBef>
+                <a:spcPct val="0"/>
+              </a:spcBef>
+              <a:spcAft>
+                <a:spcPct val="0"/>
+              </a:spcAft>
+              <a:defRPr kumimoji="1" sz="2400">
+                <a:solidFill>
+                  <a:schemeClr val="tx1"/>
+                </a:solidFill>
+                <a:latin typeface="Times New Roman" panose="02020603050405020304" pitchFamily="18" charset="0"/>
+                <a:ea typeface="宋体" panose="02010600030101010101" pitchFamily="2" charset="-122"/>
+              </a:defRPr>
+            </a:lvl6pPr>
+            <a:lvl7pPr marL="2971800" indent="-228600" eaLnBrk="0" fontAlgn="base" hangingPunct="0">
+              <a:spcBef>
+                <a:spcPct val="0"/>
+              </a:spcBef>
+              <a:spcAft>
+                <a:spcPct val="0"/>
+              </a:spcAft>
+              <a:defRPr kumimoji="1" sz="2400">
+                <a:solidFill>
+                  <a:schemeClr val="tx1"/>
+                </a:solidFill>
+                <a:latin typeface="Times New Roman" panose="02020603050405020304" pitchFamily="18" charset="0"/>
+                <a:ea typeface="宋体" panose="02010600030101010101" pitchFamily="2" charset="-122"/>
+              </a:defRPr>
+            </a:lvl7pPr>
+            <a:lvl8pPr marL="3429000" indent="-228600" eaLnBrk="0" fontAlgn="base" hangingPunct="0">
+              <a:spcBef>
+                <a:spcPct val="0"/>
+              </a:spcBef>
+              <a:spcAft>
+                <a:spcPct val="0"/>
+              </a:spcAft>
+              <a:defRPr kumimoji="1" sz="2400">
+                <a:solidFill>
+                  <a:schemeClr val="tx1"/>
+                </a:solidFill>
+                <a:latin typeface="Times New Roman" panose="02020603050405020304" pitchFamily="18" charset="0"/>
+                <a:ea typeface="宋体" panose="02010600030101010101" pitchFamily="2" charset="-122"/>
+              </a:defRPr>
+            </a:lvl8pPr>
+            <a:lvl9pPr marL="3886200" indent="-228600" eaLnBrk="0" fontAlgn="base" hangingPunct="0">
+              <a:spcBef>
+                <a:spcPct val="0"/>
+              </a:spcBef>
+              <a:spcAft>
+                <a:spcPct val="0"/>
+              </a:spcAft>
+              <a:defRPr kumimoji="1" sz="2400">
+                <a:solidFill>
+                  <a:schemeClr val="tx1"/>
+                </a:solidFill>
+                <a:latin typeface="Times New Roman" panose="02020603050405020304" pitchFamily="18" charset="0"/>
+                <a:ea typeface="宋体" panose="02010600030101010101" pitchFamily="2" charset="-122"/>
+              </a:defRPr>
+            </a:lvl9pPr>
+          </a:lstStyle>
+          <a:p>
+            <a:pPr marL="0" marR="0" lvl="0" indent="0" algn="l" defTabSz="914400" rtl="0" eaLnBrk="1" fontAlgn="base" latinLnBrk="0" hangingPunct="1">
+              <a:lnSpc>
+                <a:spcPct val="100000"/>
+              </a:lnSpc>
+              <a:spcBef>
+                <a:spcPct val="20000"/>
+              </a:spcBef>
+              <a:spcAft>
+                <a:spcPct val="0"/>
+              </a:spcAft>
+              <a:buClr>
+                <a:srgbClr val="99CC00"/>
+              </a:buClr>
+              <a:buSzPct val="60000"/>
+              <a:buFont typeface="Wingdings" panose="05000000000000000000" pitchFamily="2" charset="2"/>
+              <a:buNone/>
+              <a:tabLst/>
+              <a:defRPr/>
+            </a:pPr>
+            <a:r>
+              <a:rPr kumimoji="0" lang="zh-CN" altLang="en-US" sz="3200" b="0" i="0" u="none" strike="noStrike" kern="1200" cap="none" spc="0" normalizeH="0" baseline="0" noProof="0" dirty="0">
+                <a:ln>
+                  <a:noFill/>
+                </a:ln>
+                <a:solidFill>
+                  <a:srgbClr val="000000"/>
+                </a:solidFill>
+                <a:effectLst/>
+                <a:uLnTx/>
+                <a:uFillTx/>
+                <a:latin typeface="Times New Roman" panose="02020603050405020304" pitchFamily="18" charset="0"/>
+                <a:ea typeface="楷体" panose="02010609060101010101" pitchFamily="49" charset="-122"/>
+                <a:cs typeface="Times New Roman" panose="02020603050405020304" pitchFamily="18" charset="0"/>
+              </a:rPr>
+              <a:t>考核</a:t>
+            </a:r>
+            <a:r>
+              <a:rPr kumimoji="0" lang="zh-CN" altLang="en-US" sz="3200" b="0" i="0" u="none" strike="noStrike" kern="1200" cap="none" spc="0" normalizeH="0" baseline="0" noProof="0" dirty="0" smtClean="0">
+                <a:ln>
+                  <a:noFill/>
+                </a:ln>
+                <a:solidFill>
+                  <a:srgbClr val="000000"/>
+                </a:solidFill>
+                <a:effectLst/>
+                <a:uLnTx/>
+                <a:uFillTx/>
+                <a:latin typeface="Times New Roman" panose="02020603050405020304" pitchFamily="18" charset="0"/>
+                <a:ea typeface="楷体" panose="02010609060101010101" pitchFamily="49" charset="-122"/>
+                <a:cs typeface="Times New Roman" panose="02020603050405020304" pitchFamily="18" charset="0"/>
+              </a:rPr>
+              <a:t>方式</a:t>
+            </a:r>
+            <a:endParaRPr kumimoji="1" lang="zh-CN" altLang="en-US" sz="3200" b="0" i="0" u="none" strike="noStrike" kern="1200" cap="none" spc="0" normalizeH="0" baseline="0" noProof="0" dirty="0">
+              <a:ln>
+                <a:noFill/>
+              </a:ln>
+              <a:solidFill>
+                <a:srgbClr val="00B0F0"/>
+              </a:solidFill>
+              <a:effectLst/>
+              <a:uLnTx/>
+              <a:uFillTx/>
+              <a:latin typeface="楷体" panose="02010609060101010101" pitchFamily="49" charset="-122"/>
+              <a:ea typeface="楷体" panose="02010609060101010101" pitchFamily="49" charset="-122"/>
+              <a:cs typeface="Times New Roman" panose="02020603050405020304" pitchFamily="18" charset="0"/>
+            </a:endParaRPr>
+          </a:p>
+        </p:txBody>
+      </p:sp>
+      <p:sp>
+        <p:nvSpPr>
+          <p:cNvPr id="11" name="矩形 10"/>
+          <p:cNvSpPr/>
+          <p:nvPr/>
+        </p:nvSpPr>
+        <p:spPr>
+          <a:xfrm>
+            <a:off x="417240" y="2060848"/>
+            <a:ext cx="7899176" cy="1677382"/>
+          </a:xfrm>
+          <a:prstGeom prst="rect">
+            <a:avLst/>
+          </a:prstGeom>
+        </p:spPr>
+        <p:txBody>
+          <a:bodyPr wrap="square">
+            <a:spAutoFit/>
+          </a:bodyPr>
+          <a:lstStyle/>
+          <a:p>
+            <a:pPr marL="457200" indent="-457200" algn="just">
+              <a:spcAft>
+                <a:spcPts val="0"/>
+              </a:spcAft>
+              <a:buFont typeface="Wingdings" panose="05000000000000000000" pitchFamily="2" charset="2"/>
+              <a:buChar char="u"/>
+            </a:pPr>
+            <a:r>
+              <a:rPr lang="zh-CN" altLang="en-US" sz="2800" b="1" kern="100" dirty="0" smtClean="0">
+                <a:solidFill>
+                  <a:srgbClr val="C00000"/>
+                </a:solidFill>
+                <a:latin typeface="华文楷体" panose="02010600040101010101" pitchFamily="2" charset="-122"/>
+                <a:ea typeface="华文楷体" panose="02010600040101010101" pitchFamily="2" charset="-122"/>
+              </a:rPr>
+              <a:t>惩罚</a:t>
+            </a:r>
+            <a:r>
+              <a:rPr lang="zh-CN" altLang="en-US" sz="2800" b="1" kern="100" dirty="0">
+                <a:solidFill>
+                  <a:srgbClr val="C00000"/>
+                </a:solidFill>
+                <a:latin typeface="华文楷体" panose="02010600040101010101" pitchFamily="2" charset="-122"/>
+                <a:ea typeface="华文楷体" panose="02010600040101010101" pitchFamily="2" charset="-122"/>
+              </a:rPr>
+              <a:t>扣分</a:t>
+            </a:r>
+          </a:p>
+          <a:p>
+            <a:pPr algn="just">
+              <a:lnSpc>
+                <a:spcPct val="150000"/>
+              </a:lnSpc>
+              <a:spcBef>
+                <a:spcPts val="1800"/>
+              </a:spcBef>
+              <a:spcAft>
+                <a:spcPts val="0"/>
+              </a:spcAft>
+            </a:pPr>
+            <a:r>
+              <a:rPr lang="zh-CN" altLang="en-US" sz="2000" kern="100" dirty="0" smtClean="0">
+                <a:solidFill>
+                  <a:schemeClr val="tx1">
+                    <a:lumMod val="95000"/>
+                    <a:lumOff val="5000"/>
+                  </a:schemeClr>
+                </a:solidFill>
+                <a:latin typeface="华文楷体" panose="02010600040101010101" pitchFamily="2" charset="-122"/>
+                <a:ea typeface="华文楷体" panose="02010600040101010101" pitchFamily="2" charset="-122"/>
+              </a:rPr>
+              <a:t>        不良</a:t>
+            </a:r>
+            <a:r>
+              <a:rPr lang="zh-CN" altLang="en-US" sz="2000" kern="100" dirty="0">
+                <a:solidFill>
+                  <a:schemeClr val="tx1">
+                    <a:lumMod val="95000"/>
+                    <a:lumOff val="5000"/>
+                  </a:schemeClr>
+                </a:solidFill>
+                <a:latin typeface="华文楷体" panose="02010600040101010101" pitchFamily="2" charset="-122"/>
+                <a:ea typeface="华文楷体" panose="02010600040101010101" pitchFamily="2" charset="-122"/>
+              </a:rPr>
+              <a:t>表现扣总成绩</a:t>
+            </a:r>
+            <a:r>
+              <a:rPr lang="en-US" altLang="zh-CN" sz="2000" kern="100" dirty="0">
+                <a:solidFill>
+                  <a:schemeClr val="tx1">
+                    <a:lumMod val="95000"/>
+                    <a:lumOff val="5000"/>
+                  </a:schemeClr>
+                </a:solidFill>
+                <a:latin typeface="华文楷体" panose="02010600040101010101" pitchFamily="2" charset="-122"/>
+                <a:ea typeface="华文楷体" panose="02010600040101010101" pitchFamily="2" charset="-122"/>
+              </a:rPr>
+              <a:t>5</a:t>
+            </a:r>
+            <a:r>
+              <a:rPr lang="zh-CN" altLang="en-US" sz="2000" kern="100" dirty="0">
+                <a:solidFill>
+                  <a:schemeClr val="tx1">
+                    <a:lumMod val="95000"/>
+                    <a:lumOff val="5000"/>
+                  </a:schemeClr>
+                </a:solidFill>
+                <a:latin typeface="华文楷体" panose="02010600040101010101" pitchFamily="2" charset="-122"/>
+                <a:ea typeface="华文楷体" panose="02010600040101010101" pitchFamily="2" charset="-122"/>
+              </a:rPr>
+              <a:t>分</a:t>
+            </a:r>
+            <a:r>
+              <a:rPr lang="en-US" altLang="zh-CN" sz="2000" kern="100" dirty="0">
+                <a:solidFill>
+                  <a:schemeClr val="tx1">
+                    <a:lumMod val="95000"/>
+                    <a:lumOff val="5000"/>
+                  </a:schemeClr>
+                </a:solidFill>
+                <a:latin typeface="华文楷体" panose="02010600040101010101" pitchFamily="2" charset="-122"/>
+                <a:ea typeface="华文楷体" panose="02010600040101010101" pitchFamily="2" charset="-122"/>
+              </a:rPr>
+              <a:t>/</a:t>
+            </a:r>
+            <a:r>
+              <a:rPr lang="zh-CN" altLang="en-US" sz="2000" kern="100" dirty="0">
+                <a:solidFill>
+                  <a:schemeClr val="tx1">
+                    <a:lumMod val="95000"/>
+                    <a:lumOff val="5000"/>
+                  </a:schemeClr>
+                </a:solidFill>
+                <a:latin typeface="华文楷体" panose="02010600040101010101" pitchFamily="2" charset="-122"/>
+                <a:ea typeface="华文楷体" panose="02010600040101010101" pitchFamily="2" charset="-122"/>
+              </a:rPr>
+              <a:t>次且累计扣分。如平台故意乱问乱</a:t>
+            </a:r>
+            <a:r>
+              <a:rPr lang="zh-CN" altLang="en-US" sz="2000" kern="100" dirty="0" smtClean="0">
+                <a:solidFill>
+                  <a:schemeClr val="tx1">
+                    <a:lumMod val="95000"/>
+                    <a:lumOff val="5000"/>
+                  </a:schemeClr>
+                </a:solidFill>
+                <a:latin typeface="华文楷体" panose="02010600040101010101" pitchFamily="2" charset="-122"/>
+                <a:ea typeface="华文楷体" panose="02010600040101010101" pitchFamily="2" charset="-122"/>
+              </a:rPr>
+              <a:t>答、做</a:t>
+            </a:r>
+            <a:r>
+              <a:rPr lang="zh-CN" altLang="en-US" sz="2000" kern="100" dirty="0">
+                <a:solidFill>
+                  <a:schemeClr val="tx1">
+                    <a:lumMod val="95000"/>
+                    <a:lumOff val="5000"/>
+                  </a:schemeClr>
+                </a:solidFill>
+                <a:latin typeface="华文楷体" panose="02010600040101010101" pitchFamily="2" charset="-122"/>
+                <a:ea typeface="华文楷体" panose="02010600040101010101" pitchFamily="2" charset="-122"/>
+              </a:rPr>
+              <a:t>与课堂教学无关的</a:t>
+            </a:r>
+            <a:r>
+              <a:rPr lang="zh-CN" altLang="en-US" sz="2000" kern="100" dirty="0" smtClean="0">
+                <a:solidFill>
+                  <a:schemeClr val="tx1">
+                    <a:lumMod val="95000"/>
+                    <a:lumOff val="5000"/>
+                  </a:schemeClr>
+                </a:solidFill>
+                <a:latin typeface="华文楷体" panose="02010600040101010101" pitchFamily="2" charset="-122"/>
+                <a:ea typeface="华文楷体" panose="02010600040101010101" pitchFamily="2" charset="-122"/>
+              </a:rPr>
+              <a:t>活动、上课玩手机、上</a:t>
+            </a:r>
+            <a:r>
+              <a:rPr lang="zh-CN" altLang="en-US" sz="2000" kern="100" dirty="0">
+                <a:solidFill>
+                  <a:schemeClr val="tx1">
+                    <a:lumMod val="95000"/>
+                    <a:lumOff val="5000"/>
+                  </a:schemeClr>
+                </a:solidFill>
+                <a:latin typeface="华文楷体" panose="02010600040101010101" pitchFamily="2" charset="-122"/>
+                <a:ea typeface="华文楷体" panose="02010600040101010101" pitchFamily="2" charset="-122"/>
+              </a:rPr>
+              <a:t>机时玩游戏等。</a:t>
+            </a:r>
+          </a:p>
+        </p:txBody>
+      </p:sp>
+      <p:sp>
+        <p:nvSpPr>
+          <p:cNvPr id="12" name="矩形 11"/>
+          <p:cNvSpPr/>
+          <p:nvPr/>
+        </p:nvSpPr>
+        <p:spPr>
+          <a:xfrm>
+            <a:off x="417240" y="4210275"/>
+            <a:ext cx="7899176" cy="1908215"/>
+          </a:xfrm>
+          <a:prstGeom prst="rect">
+            <a:avLst/>
+          </a:prstGeom>
+        </p:spPr>
+        <p:txBody>
+          <a:bodyPr wrap="square">
+            <a:spAutoFit/>
+          </a:bodyPr>
+          <a:lstStyle/>
+          <a:p>
+            <a:pPr marL="457200" indent="-457200" algn="just">
+              <a:spcAft>
+                <a:spcPts val="0"/>
+              </a:spcAft>
+              <a:buFont typeface="Wingdings" panose="05000000000000000000" pitchFamily="2" charset="2"/>
+              <a:buChar char="u"/>
+            </a:pPr>
+            <a:r>
+              <a:rPr lang="zh-CN" altLang="en-US" sz="2800" b="1" kern="100" dirty="0" smtClean="0">
+                <a:solidFill>
+                  <a:srgbClr val="C00000"/>
+                </a:solidFill>
+                <a:latin typeface="华文楷体" panose="02010600040101010101" pitchFamily="2" charset="-122"/>
+                <a:ea typeface="华文楷体" panose="02010600040101010101" pitchFamily="2" charset="-122"/>
+              </a:rPr>
+              <a:t>缺勤处理  </a:t>
+            </a:r>
+            <a:r>
+              <a:rPr lang="en-US" altLang="zh-CN" sz="2000" kern="100" dirty="0" smtClean="0">
+                <a:latin typeface="华文楷体" panose="02010600040101010101" pitchFamily="2" charset="-122"/>
+                <a:ea typeface="华文楷体" panose="02010600040101010101" pitchFamily="2" charset="-122"/>
+              </a:rPr>
+              <a:t>(</a:t>
+            </a:r>
+            <a:r>
+              <a:rPr lang="zh-CN" altLang="en-US" sz="2000" kern="100" dirty="0" smtClean="0">
+                <a:latin typeface="华文楷体" panose="02010600040101010101" pitchFamily="2" charset="-122"/>
+                <a:ea typeface="华文楷体" panose="02010600040101010101" pitchFamily="2" charset="-122"/>
+              </a:rPr>
+              <a:t>特殊情况持假条请假</a:t>
+            </a:r>
+            <a:r>
+              <a:rPr lang="en-US" altLang="zh-CN" sz="2000" kern="100" dirty="0" smtClean="0">
+                <a:latin typeface="华文楷体" panose="02010600040101010101" pitchFamily="2" charset="-122"/>
+                <a:ea typeface="华文楷体" panose="02010600040101010101" pitchFamily="2" charset="-122"/>
+              </a:rPr>
+              <a:t>)</a:t>
+            </a:r>
+            <a:endParaRPr lang="zh-CN" altLang="en-US" sz="2000" kern="100" dirty="0">
+              <a:latin typeface="华文楷体" panose="02010600040101010101" pitchFamily="2" charset="-122"/>
+              <a:ea typeface="华文楷体" panose="02010600040101010101" pitchFamily="2" charset="-122"/>
+            </a:endParaRPr>
+          </a:p>
+          <a:p>
+            <a:pPr marL="900000" indent="-457200" algn="just">
+              <a:spcBef>
+                <a:spcPts val="1200"/>
+              </a:spcBef>
+              <a:spcAft>
+                <a:spcPts val="0"/>
+              </a:spcAft>
+              <a:buFont typeface="+mj-lt"/>
+              <a:buAutoNum type="arabicPeriod"/>
+            </a:pPr>
+            <a:r>
+              <a:rPr lang="zh-CN" altLang="en-US" sz="2000" kern="100" dirty="0" smtClean="0">
+                <a:solidFill>
+                  <a:schemeClr val="tx1">
+                    <a:lumMod val="95000"/>
+                    <a:lumOff val="5000"/>
+                  </a:schemeClr>
+                </a:solidFill>
+                <a:latin typeface="华文楷体" panose="02010600040101010101" pitchFamily="2" charset="-122"/>
+                <a:ea typeface="华文楷体" panose="02010600040101010101" pitchFamily="2" charset="-122"/>
+              </a:rPr>
+              <a:t>无故</a:t>
+            </a:r>
+            <a:r>
+              <a:rPr lang="zh-CN" altLang="en-US" sz="2000" kern="100" dirty="0">
+                <a:solidFill>
+                  <a:schemeClr val="tx1">
+                    <a:lumMod val="95000"/>
+                    <a:lumOff val="5000"/>
+                  </a:schemeClr>
+                </a:solidFill>
+                <a:latin typeface="华文楷体" panose="02010600040101010101" pitchFamily="2" charset="-122"/>
+                <a:ea typeface="华文楷体" panose="02010600040101010101" pitchFamily="2" charset="-122"/>
+              </a:rPr>
+              <a:t>缺勤第一次，缺勤扣分＝</a:t>
+            </a:r>
+            <a:r>
+              <a:rPr lang="en-US" altLang="zh-CN" sz="2000" kern="100" dirty="0" smtClean="0">
+                <a:solidFill>
+                  <a:schemeClr val="tx1">
+                    <a:lumMod val="95000"/>
+                    <a:lumOff val="5000"/>
+                  </a:schemeClr>
+                </a:solidFill>
+                <a:latin typeface="华文楷体" panose="02010600040101010101" pitchFamily="2" charset="-122"/>
+                <a:ea typeface="华文楷体" panose="02010600040101010101" pitchFamily="2" charset="-122"/>
+              </a:rPr>
+              <a:t>10</a:t>
+            </a:r>
+            <a:r>
+              <a:rPr lang="zh-CN" altLang="en-US" sz="2000" kern="100" dirty="0" smtClean="0">
+                <a:solidFill>
+                  <a:schemeClr val="tx1">
+                    <a:lumMod val="95000"/>
+                    <a:lumOff val="5000"/>
+                  </a:schemeClr>
+                </a:solidFill>
+                <a:latin typeface="华文楷体" panose="02010600040101010101" pitchFamily="2" charset="-122"/>
+                <a:ea typeface="华文楷体" panose="02010600040101010101" pitchFamily="2" charset="-122"/>
+              </a:rPr>
+              <a:t>。</a:t>
+            </a:r>
+            <a:endParaRPr lang="zh-CN" altLang="en-US" sz="2000" kern="100" dirty="0">
+              <a:solidFill>
+                <a:schemeClr val="tx1">
+                  <a:lumMod val="95000"/>
+                  <a:lumOff val="5000"/>
+                </a:schemeClr>
+              </a:solidFill>
+              <a:latin typeface="华文楷体" panose="02010600040101010101" pitchFamily="2" charset="-122"/>
+              <a:ea typeface="华文楷体" panose="02010600040101010101" pitchFamily="2" charset="-122"/>
+            </a:endParaRPr>
+          </a:p>
+          <a:p>
+            <a:pPr marL="900000" indent="-457200" algn="just">
+              <a:spcBef>
+                <a:spcPts val="1200"/>
+              </a:spcBef>
+              <a:spcAft>
+                <a:spcPts val="0"/>
+              </a:spcAft>
+              <a:buFont typeface="+mj-lt"/>
+              <a:buAutoNum type="arabicPeriod"/>
+            </a:pPr>
+            <a:r>
+              <a:rPr lang="zh-CN" altLang="en-US" sz="2000" kern="100" dirty="0" smtClean="0">
+                <a:solidFill>
+                  <a:schemeClr val="tx1">
+                    <a:lumMod val="95000"/>
+                    <a:lumOff val="5000"/>
+                  </a:schemeClr>
+                </a:solidFill>
+                <a:latin typeface="华文楷体" panose="02010600040101010101" pitchFamily="2" charset="-122"/>
+                <a:ea typeface="华文楷体" panose="02010600040101010101" pitchFamily="2" charset="-122"/>
+              </a:rPr>
+              <a:t>无故</a:t>
+            </a:r>
+            <a:r>
+              <a:rPr lang="zh-CN" altLang="en-US" sz="2000" kern="100" dirty="0">
+                <a:solidFill>
+                  <a:schemeClr val="tx1">
+                    <a:lumMod val="95000"/>
+                    <a:lumOff val="5000"/>
+                  </a:schemeClr>
+                </a:solidFill>
+                <a:latin typeface="华文楷体" panose="02010600040101010101" pitchFamily="2" charset="-122"/>
+                <a:ea typeface="华文楷体" panose="02010600040101010101" pitchFamily="2" charset="-122"/>
+              </a:rPr>
+              <a:t>缺勤第二次，缺勤扣分＝</a:t>
+            </a:r>
+            <a:r>
+              <a:rPr lang="en-US" altLang="zh-CN" sz="2000" kern="100" dirty="0">
+                <a:solidFill>
+                  <a:schemeClr val="tx1">
+                    <a:lumMod val="95000"/>
+                    <a:lumOff val="5000"/>
+                  </a:schemeClr>
+                </a:solidFill>
+                <a:latin typeface="华文楷体" panose="02010600040101010101" pitchFamily="2" charset="-122"/>
+                <a:ea typeface="华文楷体" panose="02010600040101010101" pitchFamily="2" charset="-122"/>
+              </a:rPr>
+              <a:t>30</a:t>
+            </a:r>
+            <a:r>
+              <a:rPr lang="zh-CN" altLang="en-US" sz="2000" kern="100" dirty="0">
+                <a:solidFill>
+                  <a:schemeClr val="tx1">
+                    <a:lumMod val="95000"/>
+                    <a:lumOff val="5000"/>
+                  </a:schemeClr>
+                </a:solidFill>
+                <a:latin typeface="华文楷体" panose="02010600040101010101" pitchFamily="2" charset="-122"/>
+                <a:ea typeface="华文楷体" panose="02010600040101010101" pitchFamily="2" charset="-122"/>
+              </a:rPr>
+              <a:t>。</a:t>
+            </a:r>
+          </a:p>
+          <a:p>
+            <a:pPr marL="900000" indent="-457200" algn="just">
+              <a:spcBef>
+                <a:spcPts val="1200"/>
+              </a:spcBef>
+              <a:spcAft>
+                <a:spcPts val="0"/>
+              </a:spcAft>
+              <a:buFont typeface="+mj-lt"/>
+              <a:buAutoNum type="arabicPeriod"/>
+            </a:pPr>
+            <a:r>
+              <a:rPr lang="zh-CN" altLang="en-US" sz="2000" kern="100" dirty="0" smtClean="0">
+                <a:solidFill>
+                  <a:schemeClr val="tx1">
+                    <a:lumMod val="95000"/>
+                    <a:lumOff val="5000"/>
+                  </a:schemeClr>
+                </a:solidFill>
+                <a:latin typeface="华文楷体" panose="02010600040101010101" pitchFamily="2" charset="-122"/>
+                <a:ea typeface="华文楷体" panose="02010600040101010101" pitchFamily="2" charset="-122"/>
+              </a:rPr>
+              <a:t>无故</a:t>
+            </a:r>
+            <a:r>
+              <a:rPr lang="zh-CN" altLang="en-US" sz="2000" kern="100" dirty="0">
+                <a:solidFill>
+                  <a:schemeClr val="tx1">
+                    <a:lumMod val="95000"/>
+                    <a:lumOff val="5000"/>
+                  </a:schemeClr>
+                </a:solidFill>
+                <a:latin typeface="华文楷体" panose="02010600040101010101" pitchFamily="2" charset="-122"/>
+                <a:ea typeface="华文楷体" panose="02010600040101010101" pitchFamily="2" charset="-122"/>
+              </a:rPr>
+              <a:t>缺勤第三次，缺勤扣分＝</a:t>
+            </a:r>
+            <a:r>
+              <a:rPr lang="en-US" altLang="zh-CN" sz="2000" kern="100" dirty="0">
+                <a:solidFill>
+                  <a:schemeClr val="tx1">
+                    <a:lumMod val="95000"/>
+                    <a:lumOff val="5000"/>
+                  </a:schemeClr>
+                </a:solidFill>
+                <a:latin typeface="华文楷体" panose="02010600040101010101" pitchFamily="2" charset="-122"/>
+                <a:ea typeface="华文楷体" panose="02010600040101010101" pitchFamily="2" charset="-122"/>
+              </a:rPr>
+              <a:t>60</a:t>
+            </a:r>
+            <a:r>
+              <a:rPr lang="zh-CN" altLang="en-US" sz="2000" kern="100" dirty="0">
+                <a:solidFill>
+                  <a:schemeClr val="tx1">
+                    <a:lumMod val="95000"/>
+                    <a:lumOff val="5000"/>
+                  </a:schemeClr>
+                </a:solidFill>
+                <a:latin typeface="华文楷体" panose="02010600040101010101" pitchFamily="2" charset="-122"/>
+                <a:ea typeface="华文楷体" panose="02010600040101010101" pitchFamily="2" charset="-122"/>
+              </a:rPr>
+              <a:t>。</a:t>
+            </a:r>
+          </a:p>
+        </p:txBody>
+      </p:sp>
+    </p:spTree>
+    <p:extLst>
+      <p:ext uri="{BB962C8B-B14F-4D97-AF65-F5344CB8AC3E}">
+        <p14:creationId xmlns:p14="http://schemas.microsoft.com/office/powerpoint/2010/main" val="593488007"/>
+      </p:ext>
+    </p:extLst>
+  </p:cSld>
+  <p:clrMapOvr>
+    <a:masterClrMapping/>
+  </p:clrMapOvr>
+  <mc:AlternateContent xmlns:mc="http://schemas.openxmlformats.org/markup-compatibility/2006" xmlns:p14="http://schemas.microsoft.com/office/powerpoint/2010/main">
+    <mc:Choice Requires="p14">
+      <p:transition spd="med" p14:dur="700">
+        <p:fade/>
+      </p:transition>
+    </mc:Choice>
+    <mc:Fallback xmlns="">
+      <p:transition spd="med">
+        <p:fade/>
+      </p:transition>
+    </mc:Fallback>
+  </mc:AlternateContent>
+  <p:timing>
+    <p:tnLst>
+      <p:par>
+        <p:cTn id="1" dur="indefinite" restart="never" nodeType="tmRoot">
+          <p:childTnLst>
+            <p:seq concurrent="1" nextAc="seek">
+              <p:cTn id="2" dur="indefinite" nodeType="mainSeq">
+                <p:childTnLst>
+                  <p:par>
+                    <p:cTn id="3" fill="hold">
+                      <p:stCondLst>
+                        <p:cond delay="indefinite"/>
+                      </p:stCondLst>
+                      <p:childTnLst>
+                        <p:par>
+                          <p:cTn id="4" fill="hold">
+                            <p:stCondLst>
+                              <p:cond delay="0"/>
+                            </p:stCondLst>
+                            <p:childTnLst>
+                              <p:par>
+                                <p:cTn id="5" presetID="10" presetClass="entr" presetSubtype="0" fill="hold" grpId="0" nodeType="clickEffect">
+                                  <p:stCondLst>
+                                    <p:cond delay="0"/>
+                                  </p:stCondLst>
+                                  <p:childTnLst>
+                                    <p:set>
+                                      <p:cBhvr>
+                                        <p:cTn id="6" dur="1" fill="hold">
+                                          <p:stCondLst>
+                                            <p:cond delay="0"/>
+                                          </p:stCondLst>
+                                        </p:cTn>
+                                        <p:tgtEl>
+                                          <p:spTgt spid="11"/>
+                                        </p:tgtEl>
+                                        <p:attrNameLst>
+                                          <p:attrName>style.visibility</p:attrName>
+                                        </p:attrNameLst>
+                                      </p:cBhvr>
+                                      <p:to>
+                                        <p:strVal val="visible"/>
+                                      </p:to>
+                                    </p:set>
+                                    <p:animEffect transition="in" filter="fade">
+                                      <p:cBhvr>
+                                        <p:cTn id="7" dur="500"/>
+                                        <p:tgtEl>
+                                          <p:spTgt spid="11"/>
+                                        </p:tgtEl>
+                                      </p:cBhvr>
+                                    </p:animEffect>
+                                  </p:childTnLst>
+                                </p:cTn>
+                              </p:par>
+                            </p:childTnLst>
+                          </p:cTn>
+                        </p:par>
+                      </p:childTnLst>
+                    </p:cTn>
+                  </p:par>
+                  <p:par>
+                    <p:cTn id="8" fill="hold">
+                      <p:stCondLst>
+                        <p:cond delay="indefinite"/>
+                      </p:stCondLst>
+                      <p:childTnLst>
+                        <p:par>
+                          <p:cTn id="9" fill="hold">
+                            <p:stCondLst>
+                              <p:cond delay="0"/>
+                            </p:stCondLst>
+                            <p:childTnLst>
+                              <p:par>
+                                <p:cTn id="10" presetID="10" presetClass="entr" presetSubtype="0" fill="hold" grpId="0" nodeType="clickEffect">
+                                  <p:stCondLst>
+                                    <p:cond delay="0"/>
+                                  </p:stCondLst>
+                                  <p:childTnLst>
+                                    <p:set>
+                                      <p:cBhvr>
+                                        <p:cTn id="11" dur="1" fill="hold">
+                                          <p:stCondLst>
+                                            <p:cond delay="0"/>
+                                          </p:stCondLst>
+                                        </p:cTn>
+                                        <p:tgtEl>
+                                          <p:spTgt spid="12"/>
+                                        </p:tgtEl>
+                                        <p:attrNameLst>
+                                          <p:attrName>style.visibility</p:attrName>
+                                        </p:attrNameLst>
+                                      </p:cBhvr>
+                                      <p:to>
+                                        <p:strVal val="visible"/>
+                                      </p:to>
+                                    </p:set>
+                                    <p:animEffect transition="in" filter="fade">
+                                      <p:cBhvr>
+                                        <p:cTn id="12" dur="500"/>
+                                        <p:tgtEl>
+                                          <p:spTgt spid="12"/>
+                                        </p:tgtEl>
+                                      </p:cBhvr>
+                                    </p:animEffect>
+                                  </p:childTnLst>
+                                </p:cTn>
+                              </p:par>
+                            </p:childTnLst>
+                          </p:cTn>
+                        </p:par>
+                      </p:childTnLst>
+                    </p:cTn>
+                  </p:par>
+                </p:childTnLst>
+              </p:cTn>
+              <p:prevCondLst>
+                <p:cond evt="onPrev" delay="0">
+                  <p:tgtEl>
+                    <p:sldTgt/>
+                  </p:tgtEl>
+                </p:cond>
+              </p:prevCondLst>
+              <p:nextCondLst>
+                <p:cond evt="onNext" delay="0">
+                  <p:tgtEl>
+                    <p:sldTgt/>
+                  </p:tgtEl>
+                </p:cond>
+              </p:nextCondLst>
+            </p:seq>
+          </p:childTnLst>
+        </p:cTn>
+      </p:par>
+    </p:tnLst>
+    <p:bldLst>
+      <p:bldP spid="11" grpId="0"/>
+      <p:bldP spid="12" grpId="0"/>
+    </p:bldLst>
+  </p:timing>
+</p:sld>
+</file>
+
+<file path=ppt/slides/slide18.xml><?xml version="1.0" encoding="utf-8"?>
+<p:sld xmlns:a="http://schemas.openxmlformats.org/drawingml/2006/main" xmlns:r="http://schemas.openxmlformats.org/officeDocument/2006/relationships" xmlns:p="http://schemas.openxmlformats.org/presentationml/2006/main">
+  <p:cSld>
+    <p:spTree>
+      <p:nvGrpSpPr>
+        <p:cNvPr id="1" name=""/>
+        <p:cNvGrpSpPr/>
+        <p:nvPr/>
+      </p:nvGrpSpPr>
+      <p:grpSpPr>
+        <a:xfrm>
+          <a:off x="0" y="0"/>
+          <a:ext cx="0" cy="0"/>
+          <a:chOff x="0" y="0"/>
+          <a:chExt cx="0" cy="0"/>
+        </a:xfrm>
+      </p:grpSpPr>
+      <p:pic>
+        <p:nvPicPr>
+          <p:cNvPr id="4" name="图片 3"/>
+          <p:cNvPicPr>
+            <a:picLocks noChangeAspect="1"/>
+          </p:cNvPicPr>
+          <p:nvPr/>
+        </p:nvPicPr>
+        <p:blipFill>
           <a:blip r:embed="rId2">
             <a:extLst>
               <a:ext uri="{28A0092B-C50C-407E-A947-70E740481C1C}">
@@ -12958,7 +14200,7 @@
         </p:blipFill>
         <p:spPr>
           <a:xfrm>
-            <a:off x="0" y="0"/>
+            <a:off x="0" y="2167"/>
             <a:ext cx="9144000" cy="6856883"/>
           </a:xfrm>
           <a:prstGeom prst="rect">
@@ -13464,15 +14706,7 @@
                 <a:ea typeface="华文楷体" panose="02010600040101010101" pitchFamily="2" charset="-122"/>
                 <a:cs typeface="Times New Roman" panose="02020603050405020304" pitchFamily="18" charset="0"/>
               </a:rPr>
-              <a:t>C</a:t>
-            </a:r>
-            <a:r>
-              <a:rPr lang="en-US" altLang="zh-CN" sz="2800" dirty="0" smtClean="0">
-                <a:latin typeface="Times New Roman" panose="02020603050405020304" pitchFamily="18" charset="0"/>
-                <a:ea typeface="华文楷体" panose="02010600040101010101" pitchFamily="2" charset="-122"/>
-                <a:cs typeface="Times New Roman" panose="02020603050405020304" pitchFamily="18" charset="0"/>
-              </a:rPr>
-              <a:t>++/Python</a:t>
+              <a:t>C++/Python</a:t>
             </a:r>
             <a:r>
               <a:rPr lang="zh-CN" altLang="en-US" sz="2800" dirty="0" smtClean="0">
@@ -13539,23 +14773,7 @@
                 <a:ea typeface="华文楷体" panose="02010600040101010101" pitchFamily="2" charset="-122"/>
                 <a:cs typeface="Times New Roman" panose="02020603050405020304" pitchFamily="18" charset="0"/>
               </a:rPr>
-              <a:t>  参加计算机</a:t>
-            </a:r>
-            <a:r>
-              <a:rPr lang="zh-CN" altLang="en-US" sz="2800" dirty="0" smtClean="0">
-                <a:latin typeface="Times New Roman" panose="02020603050405020304" pitchFamily="18" charset="0"/>
-                <a:ea typeface="华文楷体" panose="02010600040101010101" pitchFamily="2" charset="-122"/>
-                <a:cs typeface="Times New Roman" panose="02020603050405020304" pitchFamily="18" charset="0"/>
-              </a:rPr>
-              <a:t>二级等级</a:t>
-            </a:r>
-            <a:r>
-              <a:rPr lang="zh-CN" altLang="en-US" sz="2800" dirty="0" smtClean="0">
-                <a:latin typeface="Times New Roman" panose="02020603050405020304" pitchFamily="18" charset="0"/>
-                <a:ea typeface="华文楷体" panose="02010600040101010101" pitchFamily="2" charset="-122"/>
-                <a:cs typeface="Times New Roman" panose="02020603050405020304" pitchFamily="18" charset="0"/>
-              </a:rPr>
-              <a:t>考试、</a:t>
+              <a:t>  参加计算机等级考试、</a:t>
             </a:r>
             <a:r>
               <a:rPr lang="en-US" altLang="zh-CN" sz="2800" dirty="0" smtClean="0">
@@ -13606,14 +14824,183 @@
   <p:timing>
     <p:tnLst>
       <p:par>
-        <p:cTn id="1" dur="indefinite" restart="never" nodeType="tmRoot"/>
+        <p:cTn id="1" dur="indefinite" restart="never" nodeType="tmRoot">
+          <p:childTnLst>
+            <p:seq concurrent="1" nextAc="seek">
+              <p:cTn id="2" dur="indefinite" nodeType="mainSeq">
+                <p:childTnLst>
+                  <p:par>
+                    <p:cTn id="3" fill="hold">
+                      <p:stCondLst>
+                        <p:cond delay="indefinite"/>
+                      </p:stCondLst>
+                      <p:childTnLst>
+                        <p:par>
+                          <p:cTn id="4" fill="hold">
+                            <p:stCondLst>
+                              <p:cond delay="0"/>
+                            </p:stCondLst>
+                            <p:childTnLst>
+                              <p:par>
+                                <p:cTn id="5" presetID="10" presetClass="entr" presetSubtype="0" fill="hold" grpId="0" nodeType="clickEffect">
+                                  <p:stCondLst>
+                                    <p:cond delay="0"/>
+                                  </p:stCondLst>
+                                  <p:childTnLst>
+                                    <p:set>
+                                      <p:cBhvr>
+                                        <p:cTn id="6" dur="1" fill="hold">
+                                          <p:stCondLst>
+                                            <p:cond delay="0"/>
+                                          </p:stCondLst>
+                                        </p:cTn>
+                                        <p:tgtEl>
+                                          <p:spTgt spid="14"/>
+                                        </p:tgtEl>
+                                        <p:attrNameLst>
+                                          <p:attrName>style.visibility</p:attrName>
+                                        </p:attrNameLst>
+                                      </p:cBhvr>
+                                      <p:to>
+                                        <p:strVal val="visible"/>
+                                      </p:to>
+                                    </p:set>
+                                    <p:animEffect transition="in" filter="fade">
+                                      <p:cBhvr>
+                                        <p:cTn id="7" dur="500"/>
+                                        <p:tgtEl>
+                                          <p:spTgt spid="14"/>
+                                        </p:tgtEl>
+                                      </p:cBhvr>
+                                    </p:animEffect>
+                                  </p:childTnLst>
+                                </p:cTn>
+                              </p:par>
+                            </p:childTnLst>
+                          </p:cTn>
+                        </p:par>
+                        <p:par>
+                          <p:cTn id="8" fill="hold">
+                            <p:stCondLst>
+                              <p:cond delay="500"/>
+                            </p:stCondLst>
+                            <p:childTnLst>
+                              <p:par>
+                                <p:cTn id="9" presetID="10" presetClass="entr" presetSubtype="0" fill="hold" grpId="0" nodeType="afterEffect">
+                                  <p:stCondLst>
+                                    <p:cond delay="0"/>
+                                  </p:stCondLst>
+                                  <p:childTnLst>
+                                    <p:set>
+                                      <p:cBhvr>
+                                        <p:cTn id="10" dur="1" fill="hold">
+                                          <p:stCondLst>
+                                            <p:cond delay="0"/>
+                                          </p:stCondLst>
+                                        </p:cTn>
+                                        <p:tgtEl>
+                                          <p:spTgt spid="16"/>
+                                        </p:tgtEl>
+                                        <p:attrNameLst>
+                                          <p:attrName>style.visibility</p:attrName>
+                                        </p:attrNameLst>
+                                      </p:cBhvr>
+                                      <p:to>
+                                        <p:strVal val="visible"/>
+                                      </p:to>
+                                    </p:set>
+                                    <p:animEffect transition="in" filter="fade">
+                                      <p:cBhvr>
+                                        <p:cTn id="11" dur="1500"/>
+                                        <p:tgtEl>
+                                          <p:spTgt spid="16"/>
+                                        </p:tgtEl>
+                                      </p:cBhvr>
+                                    </p:animEffect>
+                                  </p:childTnLst>
+                                </p:cTn>
+                              </p:par>
+                            </p:childTnLst>
+                          </p:cTn>
+                        </p:par>
+                        <p:par>
+                          <p:cTn id="12" fill="hold">
+                            <p:stCondLst>
+                              <p:cond delay="2000"/>
+                            </p:stCondLst>
+                            <p:childTnLst>
+                              <p:par>
+                                <p:cTn id="13" presetID="10" presetClass="entr" presetSubtype="0" fill="hold" grpId="0" nodeType="afterEffect">
+                                  <p:stCondLst>
+                                    <p:cond delay="0"/>
+                                  </p:stCondLst>
+                                  <p:childTnLst>
+                                    <p:set>
+                                      <p:cBhvr>
+                                        <p:cTn id="14" dur="1" fill="hold">
+                                          <p:stCondLst>
+                                            <p:cond delay="0"/>
+                                          </p:stCondLst>
+                                        </p:cTn>
+                                        <p:tgtEl>
+                                          <p:spTgt spid="18"/>
+                                        </p:tgtEl>
+                                        <p:attrNameLst>
+                                          <p:attrName>style.visibility</p:attrName>
+                                        </p:attrNameLst>
+                                      </p:cBhvr>
+                                      <p:to>
+                                        <p:strVal val="visible"/>
+                                      </p:to>
+                                    </p:set>
+                                    <p:animEffect transition="in" filter="fade">
+                                      <p:cBhvr>
+                                        <p:cTn id="15" dur="1500"/>
+                                        <p:tgtEl>
+                                          <p:spTgt spid="18"/>
+                                        </p:tgtEl>
+                                      </p:cBhvr>
+                                    </p:animEffect>
+                                  </p:childTnLst>
+                                </p:cTn>
+                              </p:par>
+                            </p:childTnLst>
+                          </p:cTn>
+                        </p:par>
+                      </p:childTnLst>
+                    </p:cTn>
+                  </p:par>
+                </p:childTnLst>
+              </p:cTn>
+              <p:prevCondLst>
+                <p:cond evt="onPrev" delay="0">
+                  <p:tgtEl>
+                    <p:sldTgt/>
+                  </p:tgtEl>
+                </p:cond>
+              </p:prevCondLst>
+              <p:nextCondLst>
+                <p:cond evt="onNext" delay="0">
+                  <p:tgtEl>
+                    <p:sldTgt/>
+                  </p:tgtEl>
+                </p:cond>
+              </p:nextCondLst>
+            </p:seq>
+          </p:childTnLst>
+        </p:cTn>
       </p:par>
     </p:tnLst>
+    <p:bldLst>
+      <p:bldP spid="14" grpId="0"/>
+      <p:bldP spid="16" grpId="0"/>
+      <p:bldP spid="18" grpId="0"/>
+    </p:bldLst>
   </p:timing>
 </p:sld>
 </file>
 
-<file path=ppt/slides/slide18.xml><?xml version="1.0" encoding="utf-8"?>
+<file path=ppt/slides/slide19.xml><?xml version="1.0" encoding="utf-8"?>
 <p:sld xmlns:a="http://schemas.openxmlformats.org/drawingml/2006/main" xmlns:r="http://schemas.openxmlformats.org/officeDocument/2006/relationships" xmlns:p="http://schemas.openxmlformats.org/presentationml/2006/main">
   <p:cSld>
     <p:spTree>
@@ -14292,7 +15679,7 @@
           <p:nvPr/>
         </p:nvPicPr>
         <p:blipFill>
-          <a:blip r:embed="rId2">
+          <a:blip r:embed="rId3">
             <a:extLst>
               <a:ext uri="{28A0092B-C50C-407E-A947-70E740481C1C}">
                 <a14:useLocalDpi xmlns:a14="http://schemas.microsoft.com/office/drawing/2010/main" val="0"/>
@@ -14312,7 +15699,7 @@
             <a:avLst/>
           </a:prstGeom>
           <a:blipFill dpi="0" rotWithShape="1">
-            <a:blip r:embed="rId3">
+            <a:blip r:embed="rId4">
               <a:alphaModFix amt="50000"/>
             </a:blip>
             <a:srcRect/>
@@ -14889,7 +16276,7 @@
           <p:nvPr/>
         </p:nvPicPr>
         <p:blipFill>
-          <a:blip r:embed="rId2">
+          <a:blip r:embed="rId3">
             <a:extLst>
               <a:ext uri="{28A0092B-C50C-407E-A947-70E740481C1C}">
                 <a14:useLocalDpi xmlns:a14="http://schemas.microsoft.com/office/drawing/2010/main" val="0"/>
@@ -14909,7 +16296,7 @@
             <a:avLst/>
           </a:prstGeom>
           <a:blipFill dpi="0" rotWithShape="1">
-            <a:blip r:embed="rId3">
+            <a:blip r:embed="rId4">
               <a:alphaModFix amt="50000"/>
             </a:blip>
             <a:srcRect/>
@@ -15236,7 +16623,7 @@
           <p:nvPr/>
         </p:nvPicPr>
         <p:blipFill>
-          <a:blip r:embed="rId4" cstate="print">
+          <a:blip r:embed="rId5" cstate="print">
             <a:extLst>
               <a:ext uri="{28A0092B-C50C-407E-A947-70E740481C1C}">
                 <a14:useLocalDpi xmlns:a14="http://schemas.microsoft.com/office/drawing/2010/main" val="0"/>
@@ -15547,7 +16934,7 @@
           <p:nvPr/>
         </p:nvPicPr>
         <p:blipFill>
-          <a:blip r:embed="rId2">
+          <a:blip r:embed="rId3">
             <a:extLst>
               <a:ext uri="{28A0092B-C50C-407E-A947-70E740481C1C}">
                 <a14:useLocalDpi xmlns:a14="http://schemas.microsoft.com/office/drawing/2010/main" val="0"/>
@@ -15567,7 +16954,7 @@
             <a:avLst/>
           </a:prstGeom>
           <a:blipFill dpi="0" rotWithShape="1">
-            <a:blip r:embed="rId3">
+            <a:blip r:embed="rId4">
               <a:alphaModFix amt="50000"/>
             </a:blip>
             <a:srcRect/>
@@ -15894,7 +17281,7 @@
           <p:nvPr/>
         </p:nvPicPr>
         <p:blipFill>
-          <a:blip r:embed="rId4"/>
+          <a:blip r:embed="rId5"/>
           <a:stretch>
             <a:fillRect/>
           </a:stretch>
@@ -16496,7 +17883,7 @@
           <p:nvPr/>
         </p:nvPicPr>
         <p:blipFill>
-          <a:blip r:embed="rId2">
+          <a:blip r:embed="rId3">
             <a:extLst>
               <a:ext uri="{28A0092B-C50C-407E-A947-70E740481C1C}">
                 <a14:useLocalDpi xmlns:a14="http://schemas.microsoft.com/office/drawing/2010/main" val="0"/>
@@ -16516,7 +17903,7 @@
             <a:avLst/>
           </a:prstGeom>
           <a:blipFill dpi="0" rotWithShape="1">
-            <a:blip r:embed="rId3">
+            <a:blip r:embed="rId4">
               <a:alphaModFix amt="50000"/>
             </a:blip>
             <a:srcRect/>
@@ -16663,7 +18050,7 @@
           <p:nvPr/>
         </p:nvPicPr>
         <p:blipFill>
-          <a:blip r:embed="rId4">
+          <a:blip r:embed="rId5">
             <a:extLst>
               <a:ext uri="{28A0092B-C50C-407E-A947-70E740481C1C}">
                 <a14:useLocalDpi xmlns:a14="http://schemas.microsoft.com/office/drawing/2010/main" val="0"/>
@@ -16704,7 +18091,7 @@
           <p:nvPr/>
         </p:nvPicPr>
         <p:blipFill>
-          <a:blip r:embed="rId5"/>
+          <a:blip r:embed="rId6"/>
           <a:stretch>
             <a:fillRect/>
           </a:stretch>
@@ -17370,7 +18757,7 @@
           <p:nvPr/>
         </p:nvPicPr>
         <p:blipFill>
-          <a:blip r:embed="rId3">
+          <a:blip r:embed="rId4">
             <a:extLst>
               <a:ext uri="{28A0092B-C50C-407E-A947-70E740481C1C}">
                 <a14:useLocalDpi xmlns:a14="http://schemas.microsoft.com/office/drawing/2010/main" val="0"/>
@@ -17390,7 +18777,7 @@
             <a:avLst/>
           </a:prstGeom>
           <a:blipFill dpi="0" rotWithShape="1">
-            <a:blip r:embed="rId4">
+            <a:blip r:embed="rId5">
               <a:alphaModFix amt="50000"/>
             </a:blip>
             <a:srcRect/>
@@ -17711,7 +19098,7 @@
       <p:sp>
         <p:nvSpPr>
           <p:cNvPr id="14" name="Text Box 2">
-            <a:hlinkClick r:id="rId5"/>
+            <a:hlinkClick r:id="rId6"/>
           </p:cNvPr>
           <p:cNvSpPr txBox="1">
             <a:spLocks/>
@@ -20734,14 +22121,7 @@
                 <a:latin typeface="华文楷体" panose="02010600040101010101" pitchFamily="2" charset="-122"/>
                 <a:ea typeface="华文楷体" panose="02010600040101010101" pitchFamily="2" charset="-122"/>
               </a:rPr>
-              <a:t>程序，由问题到</a:t>
-            </a:r>
-            <a:r>
-              <a:rPr lang="zh-CN" altLang="en-US" dirty="0" smtClean="0">
-                <a:latin typeface="华文楷体" panose="02010600040101010101" pitchFamily="2" charset="-122"/>
-                <a:ea typeface="华文楷体" panose="02010600040101010101" pitchFamily="2" charset="-122"/>
-              </a:rPr>
-              <a:t>计算机程序。</a:t>
+              <a:t>程序，由问题到计算机程序。</a:t>
             </a:r>
             <a:endParaRPr lang="zh-CN" altLang="en-US" dirty="0">
               <a:latin typeface="华文楷体" panose="02010600040101010101" pitchFamily="2" charset="-122"/>

--- a/Slides/0 课程概况.pptx
+++ b/Slides/0 课程概况.pptx
@@ -256,7 +256,7 @@
           <a:p>
             <a:fld id="{D716854D-EEAC-4D45-B766-884B951AB701}" type="datetimeFigureOut">
               <a:rPr lang="zh-CN" altLang="en-US" smtClean="0"/>
-              <a:t>2018/9/16</a:t>
+              <a:t>2018/9/17</a:t>
             </a:fld>
             <a:endParaRPr lang="zh-CN" altLang="en-US"/>
           </a:p>
@@ -16857,7 +16857,14 @@
                 <a:latin typeface="华文楷体" panose="02010600040101010101" pitchFamily="2" charset="-122"/>
                 <a:ea typeface="华文楷体" panose="02010600040101010101" pitchFamily="2" charset="-122"/>
               </a:rPr>
-              <a:t>我们希望可以深入理解</a:t>
+              <a:t>我们希望</a:t>
+            </a:r>
+            <a:r>
+              <a:rPr lang="zh-CN" altLang="en-US" sz="2400" dirty="0" smtClean="0">
+                <a:latin typeface="华文楷体" panose="02010600040101010101" pitchFamily="2" charset="-122"/>
+                <a:ea typeface="华文楷体" panose="02010600040101010101" pitchFamily="2" charset="-122"/>
+              </a:rPr>
+              <a:t>可以由浅入深的理解</a:t>
             </a:r>
             <a:r>
               <a:rPr lang="en-US" altLang="zh-CN" sz="2400" dirty="0">
@@ -21694,6 +21701,16 @@
           <a:lstStyle/>
           <a:p>
             <a:r>
+              <a:rPr lang="zh-CN" altLang="en-US" sz="2400" b="1" dirty="0">
+                <a:solidFill>
+                  <a:schemeClr val="bg1"/>
+                </a:solidFill>
+                <a:latin typeface="华文楷体" panose="02010600040101010101" pitchFamily="2" charset="-122"/>
+                <a:ea typeface="华文楷体" panose="02010600040101010101" pitchFamily="2" charset="-122"/>
+              </a:rPr>
+              <a:t>结构</a:t>
+            </a:r>
+            <a:r>
               <a:rPr lang="zh-CN" altLang="en-US" sz="2400" b="1" dirty="0" smtClean="0">
                 <a:solidFill>
                   <a:schemeClr val="bg1"/>
@@ -21701,7 +21718,17 @@
                 <a:latin typeface="华文楷体" panose="02010600040101010101" pitchFamily="2" charset="-122"/>
                 <a:ea typeface="华文楷体" panose="02010600040101010101" pitchFamily="2" charset="-122"/>
               </a:rPr>
-              <a:t>机构化程序设计</a:t>
+              <a:t>化程序</a:t>
+            </a:r>
+            <a:r>
+              <a:rPr lang="zh-CN" altLang="en-US" sz="2400" b="1" dirty="0" smtClean="0">
+                <a:solidFill>
+                  <a:schemeClr val="bg1"/>
+                </a:solidFill>
+                <a:latin typeface="华文楷体" panose="02010600040101010101" pitchFamily="2" charset="-122"/>
+                <a:ea typeface="华文楷体" panose="02010600040101010101" pitchFamily="2" charset="-122"/>
+              </a:rPr>
+              <a:t>设计</a:t>
             </a:r>
             <a:endParaRPr lang="zh-CN" altLang="en-US" sz="2400" b="1" dirty="0">
               <a:solidFill>
